--- a/Lancaster/Reporte_03  Calibración Nacional/EDC_CalibracionNacional_ModeloDrGuaner_27022019.pptx
+++ b/Lancaster/Reporte_03  Calibración Nacional/EDC_CalibracionNacional_ModeloDrGuaner_27022019.pptx
@@ -5,7 +5,7 @@
     <p:sldMasterId id="2147483690" r:id="rId1"/>
   </p:sldMasterIdLst>
   <p:notesMasterIdLst>
-    <p:notesMasterId r:id="rId19"/>
+    <p:notesMasterId r:id="rId15"/>
   </p:notesMasterIdLst>
   <p:sldIdLst>
     <p:sldId id="256" r:id="rId2"/>
@@ -21,10 +21,6 @@
     <p:sldId id="271" r:id="rId12"/>
     <p:sldId id="272" r:id="rId13"/>
     <p:sldId id="273" r:id="rId14"/>
-    <p:sldId id="274" r:id="rId15"/>
-    <p:sldId id="275" r:id="rId16"/>
-    <p:sldId id="276" r:id="rId17"/>
-    <p:sldId id="277" r:id="rId18"/>
   </p:sldIdLst>
   <p:sldSz cx="12192000" cy="6858000"/>
   <p:notesSz cx="6858000" cy="9144000"/>
@@ -224,7 +220,7 @@
           <a:p>
             <a:fld id="{BF966F81-9395-4920-A853-233DD2862205}" type="datetimeFigureOut">
               <a:rPr lang="es-MX" smtClean="0"/>
-              <a:t>27/02/2019</a:t>
+              <a:t>28/02/2019</a:t>
             </a:fld>
             <a:endParaRPr lang="es-MX"/>
           </a:p>
@@ -744,90 +740,6 @@
 </p:notes>
 </file>
 
-<file path=ppt/notesSlides/notesSlide4.xml><?xml version="1.0" encoding="utf-8"?>
-<p:notes xmlns:a="http://schemas.openxmlformats.org/drawingml/2006/main" xmlns:r="http://schemas.openxmlformats.org/officeDocument/2006/relationships" xmlns:p="http://schemas.openxmlformats.org/presentationml/2006/main">
-  <p:cSld>
-    <p:spTree>
-      <p:nvGrpSpPr>
-        <p:cNvPr id="1" name=""/>
-        <p:cNvGrpSpPr/>
-        <p:nvPr/>
-      </p:nvGrpSpPr>
-      <p:grpSpPr>
-        <a:xfrm>
-          <a:off x="0" y="0"/>
-          <a:ext cx="0" cy="0"/>
-          <a:chOff x="0" y="0"/>
-          <a:chExt cx="0" cy="0"/>
-        </a:xfrm>
-      </p:grpSpPr>
-      <p:sp>
-        <p:nvSpPr>
-          <p:cNvPr id="2" name="Marcador de imagen de diapositiva 1"/>
-          <p:cNvSpPr>
-            <a:spLocks noGrp="1" noRot="1" noChangeAspect="1"/>
-          </p:cNvSpPr>
-          <p:nvPr>
-            <p:ph type="sldImg"/>
-          </p:nvPr>
-        </p:nvSpPr>
-        <p:spPr/>
-      </p:sp>
-      <p:sp>
-        <p:nvSpPr>
-          <p:cNvPr id="3" name="Marcador de notas 2"/>
-          <p:cNvSpPr>
-            <a:spLocks noGrp="1"/>
-          </p:cNvSpPr>
-          <p:nvPr>
-            <p:ph type="body" idx="1"/>
-          </p:nvPr>
-        </p:nvSpPr>
-        <p:spPr/>
-        <p:txBody>
-          <a:bodyPr/>
-          <a:lstStyle/>
-          <a:p>
-            <a:endParaRPr lang="es-MX" dirty="0"/>
-          </a:p>
-        </p:txBody>
-      </p:sp>
-      <p:sp>
-        <p:nvSpPr>
-          <p:cNvPr id="4" name="Marcador de número de diapositiva 3"/>
-          <p:cNvSpPr>
-            <a:spLocks noGrp="1"/>
-          </p:cNvSpPr>
-          <p:nvPr>
-            <p:ph type="sldNum" sz="quarter" idx="10"/>
-          </p:nvPr>
-        </p:nvSpPr>
-        <p:spPr/>
-        <p:txBody>
-          <a:bodyPr/>
-          <a:lstStyle/>
-          <a:p>
-            <a:fld id="{881D92F8-FC45-44C1-9B6C-7AFB6E27613C}" type="slidenum">
-              <a:rPr lang="es-MX" smtClean="0"/>
-              <a:t>15</a:t>
-            </a:fld>
-            <a:endParaRPr lang="es-MX"/>
-          </a:p>
-        </p:txBody>
-      </p:sp>
-    </p:spTree>
-    <p:extLst>
-      <p:ext uri="{BB962C8B-B14F-4D97-AF65-F5344CB8AC3E}">
-        <p14:creationId xmlns:p14="http://schemas.microsoft.com/office/powerpoint/2010/main" val="2779900354"/>
-      </p:ext>
-    </p:extLst>
-  </p:cSld>
-  <p:clrMapOvr>
-    <a:masterClrMapping/>
-  </p:clrMapOvr>
-</p:notes>
-</file>
-
 <file path=ppt/slideLayouts/slideLayout1.xml><?xml version="1.0" encoding="utf-8"?>
 <p:sldLayout xmlns:a="http://schemas.openxmlformats.org/drawingml/2006/main" xmlns:r="http://schemas.openxmlformats.org/officeDocument/2006/relationships" xmlns:p="http://schemas.openxmlformats.org/presentationml/2006/main" type="title" preserve="1">
   <p:cSld name="Diapositiva de título">
@@ -959,7 +871,7 @@
           <a:p>
             <a:fld id="{B6156DEE-E6EE-456C-84BD-89DB222967A8}" type="datetimeFigureOut">
               <a:rPr lang="es-MX" smtClean="0"/>
-              <a:t>27/02/2019</a:t>
+              <a:t>28/02/2019</a:t>
             </a:fld>
             <a:endParaRPr lang="es-MX"/>
           </a:p>
@@ -1129,7 +1041,7 @@
           <a:p>
             <a:fld id="{B6156DEE-E6EE-456C-84BD-89DB222967A8}" type="datetimeFigureOut">
               <a:rPr lang="es-MX" smtClean="0"/>
-              <a:t>27/02/2019</a:t>
+              <a:t>28/02/2019</a:t>
             </a:fld>
             <a:endParaRPr lang="es-MX"/>
           </a:p>
@@ -1309,7 +1221,7 @@
           <a:p>
             <a:fld id="{B6156DEE-E6EE-456C-84BD-89DB222967A8}" type="datetimeFigureOut">
               <a:rPr lang="es-MX" smtClean="0"/>
-              <a:t>27/02/2019</a:t>
+              <a:t>28/02/2019</a:t>
             </a:fld>
             <a:endParaRPr lang="es-MX"/>
           </a:p>
@@ -1479,7 +1391,7 @@
           <a:p>
             <a:fld id="{B6156DEE-E6EE-456C-84BD-89DB222967A8}" type="datetimeFigureOut">
               <a:rPr lang="es-MX" smtClean="0"/>
-              <a:t>27/02/2019</a:t>
+              <a:t>28/02/2019</a:t>
             </a:fld>
             <a:endParaRPr lang="es-MX"/>
           </a:p>
@@ -1725,7 +1637,7 @@
           <a:p>
             <a:fld id="{B6156DEE-E6EE-456C-84BD-89DB222967A8}" type="datetimeFigureOut">
               <a:rPr lang="es-MX" smtClean="0"/>
-              <a:t>27/02/2019</a:t>
+              <a:t>28/02/2019</a:t>
             </a:fld>
             <a:endParaRPr lang="es-MX"/>
           </a:p>
@@ -1957,7 +1869,7 @@
           <a:p>
             <a:fld id="{B6156DEE-E6EE-456C-84BD-89DB222967A8}" type="datetimeFigureOut">
               <a:rPr lang="es-MX" smtClean="0"/>
-              <a:t>27/02/2019</a:t>
+              <a:t>28/02/2019</a:t>
             </a:fld>
             <a:endParaRPr lang="es-MX"/>
           </a:p>
@@ -2324,7 +2236,7 @@
           <a:p>
             <a:fld id="{B6156DEE-E6EE-456C-84BD-89DB222967A8}" type="datetimeFigureOut">
               <a:rPr lang="es-MX" smtClean="0"/>
-              <a:t>27/02/2019</a:t>
+              <a:t>28/02/2019</a:t>
             </a:fld>
             <a:endParaRPr lang="es-MX"/>
           </a:p>
@@ -2442,7 +2354,7 @@
           <a:p>
             <a:fld id="{B6156DEE-E6EE-456C-84BD-89DB222967A8}" type="datetimeFigureOut">
               <a:rPr lang="es-MX" smtClean="0"/>
-              <a:t>27/02/2019</a:t>
+              <a:t>28/02/2019</a:t>
             </a:fld>
             <a:endParaRPr lang="es-MX"/>
           </a:p>
@@ -2537,7 +2449,7 @@
           <a:p>
             <a:fld id="{B6156DEE-E6EE-456C-84BD-89DB222967A8}" type="datetimeFigureOut">
               <a:rPr lang="es-MX" smtClean="0"/>
-              <a:t>27/02/2019</a:t>
+              <a:t>28/02/2019</a:t>
             </a:fld>
             <a:endParaRPr lang="es-MX"/>
           </a:p>
@@ -2814,7 +2726,7 @@
           <a:p>
             <a:fld id="{B6156DEE-E6EE-456C-84BD-89DB222967A8}" type="datetimeFigureOut">
               <a:rPr lang="es-MX" smtClean="0"/>
-              <a:t>27/02/2019</a:t>
+              <a:t>28/02/2019</a:t>
             </a:fld>
             <a:endParaRPr lang="es-MX"/>
           </a:p>
@@ -3067,7 +2979,7 @@
           <a:p>
             <a:fld id="{B6156DEE-E6EE-456C-84BD-89DB222967A8}" type="datetimeFigureOut">
               <a:rPr lang="es-MX" smtClean="0"/>
-              <a:t>27/02/2019</a:t>
+              <a:t>28/02/2019</a:t>
             </a:fld>
             <a:endParaRPr lang="es-MX"/>
           </a:p>
@@ -3280,7 +3192,7 @@
           <a:p>
             <a:fld id="{B6156DEE-E6EE-456C-84BD-89DB222967A8}" type="datetimeFigureOut">
               <a:rPr lang="es-MX" smtClean="0"/>
-              <a:t>27/02/2019</a:t>
+              <a:t>28/02/2019</a:t>
             </a:fld>
             <a:endParaRPr lang="es-MX"/>
           </a:p>
@@ -3911,13 +3823,13 @@
           <p:nvPr>
             <p:extLst>
               <p:ext uri="{D42A27DB-BD31-4B8C-83A1-F6EECF244321}">
-                <p14:modId xmlns:p14="http://schemas.microsoft.com/office/powerpoint/2010/main" val="4123439661"/>
+                <p14:modId xmlns:p14="http://schemas.microsoft.com/office/powerpoint/2010/main" val="2651693258"/>
               </p:ext>
             </p:extLst>
           </p:nvPr>
         </p:nvGraphicFramePr>
         <p:xfrm>
-          <a:off x="266698" y="4304096"/>
+          <a:off x="141192" y="4913696"/>
           <a:ext cx="11658604" cy="1584960"/>
         </p:xfrm>
         <a:graphic>
@@ -4444,7 +4356,9 @@
                       <a:r>
                         <a:rPr lang="es-MX" sz="1000" b="1" kern="1200" baseline="0" dirty="0" smtClean="0">
                           <a:solidFill>
-                            <a:srgbClr val="FF0000"/>
+                            <a:schemeClr val="accent1">
+                              <a:lumMod val="50000"/>
+                            </a:schemeClr>
                           </a:solidFill>
                           <a:latin typeface="+mn-lt"/>
                           <a:ea typeface="+mn-ea"/>
@@ -4454,7 +4368,9 @@
                       </a:r>
                       <a:endParaRPr lang="es-MX" sz="1000" b="1" kern="1200" baseline="0" dirty="0">
                         <a:solidFill>
-                          <a:srgbClr val="FF0000"/>
+                          <a:schemeClr val="accent1">
+                            <a:lumMod val="50000"/>
+                          </a:schemeClr>
                         </a:solidFill>
                         <a:latin typeface="+mn-lt"/>
                         <a:ea typeface="+mn-ea"/>
@@ -4471,9 +4387,9 @@
                     <a:p>
                       <a:pPr marL="0" algn="l" defTabSz="914400" rtl="0" eaLnBrk="1" latinLnBrk="0" hangingPunct="1"/>
                       <a:r>
-                        <a:rPr lang="es-MX" sz="1000" b="1" u="sng" kern="1200" baseline="0" dirty="0" smtClean="0">
-                          <a:solidFill>
-                            <a:srgbClr val="FF0000"/>
+                        <a:rPr lang="es-MX" sz="1000" kern="1200" baseline="0" dirty="0" smtClean="0">
+                          <a:solidFill>
+                            <a:schemeClr val="tx1"/>
                           </a:solidFill>
                           <a:latin typeface="+mn-lt"/>
                           <a:ea typeface="+mn-ea"/>
@@ -4481,9 +4397,9 @@
                         </a:rPr>
                         <a:t>Representación del modelo aritmético para calcular el área de cuadriláteros o triángulos </a:t>
                       </a:r>
-                      <a:endParaRPr lang="es-MX" sz="1000" b="1" u="sng" kern="1200" baseline="0" dirty="0">
-                        <a:solidFill>
-                          <a:srgbClr val="FF0000"/>
+                      <a:endParaRPr lang="es-MX" sz="1000" kern="1200" baseline="0" dirty="0">
+                        <a:solidFill>
+                          <a:schemeClr val="tx1"/>
                         </a:solidFill>
                         <a:latin typeface="+mn-lt"/>
                         <a:ea typeface="+mn-ea"/>
@@ -4502,11 +4418,9 @@
                     <a:p>
                       <a:pPr marL="0" algn="l" defTabSz="914400" rtl="0" eaLnBrk="1" latinLnBrk="0" hangingPunct="1"/>
                       <a:r>
-                        <a:rPr lang="es-MX" sz="1000" b="1" kern="1200" baseline="0" dirty="0" smtClean="0">
-                          <a:solidFill>
-                            <a:schemeClr val="accent1">
-                              <a:lumMod val="50000"/>
-                            </a:schemeClr>
+                        <a:rPr lang="es-MX" sz="1000" b="1" u="sng" kern="1200" baseline="0" dirty="0" smtClean="0">
+                          <a:solidFill>
+                            <a:srgbClr val="FF0000"/>
                           </a:solidFill>
                           <a:latin typeface="+mn-lt"/>
                           <a:ea typeface="+mn-ea"/>
@@ -4514,11 +4428,9 @@
                         </a:rPr>
                         <a:t>H104</a:t>
                       </a:r>
-                      <a:endParaRPr lang="es-MX" sz="1000" b="1" kern="1200" baseline="0" dirty="0">
-                        <a:solidFill>
-                          <a:schemeClr val="accent1">
-                            <a:lumMod val="50000"/>
-                          </a:schemeClr>
+                      <a:endParaRPr lang="es-MX" sz="1000" b="1" u="sng" kern="1200" baseline="0" dirty="0">
+                        <a:solidFill>
+                          <a:srgbClr val="FF0000"/>
                         </a:solidFill>
                         <a:latin typeface="+mn-lt"/>
                         <a:ea typeface="+mn-ea"/>
@@ -4535,9 +4447,9 @@
                     <a:p>
                       <a:pPr marL="0" algn="l" defTabSz="914400" rtl="0" eaLnBrk="1" latinLnBrk="0" hangingPunct="1"/>
                       <a:r>
-                        <a:rPr lang="es-MX" sz="1000" kern="1200" baseline="0" dirty="0" smtClean="0">
-                          <a:solidFill>
-                            <a:schemeClr val="tx1"/>
+                        <a:rPr lang="es-MX" sz="1000" b="1" u="sng" kern="1200" baseline="0" dirty="0" smtClean="0">
+                          <a:solidFill>
+                            <a:srgbClr val="FF0000"/>
                           </a:solidFill>
                           <a:latin typeface="+mn-lt"/>
                           <a:ea typeface="+mn-ea"/>
@@ -4545,9 +4457,9 @@
                         </a:rPr>
                         <a:t>Ubicación de una coordenada en el primer cuadrante del plano artesiano</a:t>
                       </a:r>
-                      <a:endParaRPr lang="es-MX" sz="1000" kern="1200" baseline="0" dirty="0">
-                        <a:solidFill>
-                          <a:schemeClr val="tx1"/>
+                      <a:endParaRPr lang="es-MX" sz="1000" b="1" u="sng" kern="1200" baseline="0" dirty="0">
+                        <a:solidFill>
+                          <a:srgbClr val="FF0000"/>
                         </a:solidFill>
                         <a:latin typeface="+mn-lt"/>
                         <a:ea typeface="+mn-ea"/>
@@ -4564,20 +4476,26 @@
                     <a:p>
                       <a:pPr marL="0" algn="l" defTabSz="914400" rtl="0" eaLnBrk="1" latinLnBrk="0" hangingPunct="1"/>
                       <a:r>
-                        <a:rPr lang="es-MX" sz="1000" b="1" kern="1200" baseline="0" dirty="0" smtClean="0">
-                          <a:solidFill>
-                            <a:srgbClr val="FF0000"/>
-                          </a:solidFill>
+                        <a:rPr lang="es-MX" sz="1000" b="1" u="none" kern="1200" baseline="0" dirty="0" smtClean="0">
+                          <a:solidFill>
+                            <a:schemeClr val="bg2">
+                              <a:lumMod val="75000"/>
+                            </a:schemeClr>
+                          </a:solidFill>
+                          <a:effectLst/>
                           <a:latin typeface="+mn-lt"/>
                           <a:ea typeface="+mn-ea"/>
                           <a:cs typeface="+mn-cs"/>
                         </a:rPr>
                         <a:t>H108</a:t>
                       </a:r>
-                      <a:endParaRPr lang="es-MX" sz="1000" b="1" kern="1200" baseline="0" dirty="0">
-                        <a:solidFill>
-                          <a:srgbClr val="FF0000"/>
-                        </a:solidFill>
+                      <a:endParaRPr lang="es-MX" sz="1000" b="1" u="none" kern="1200" baseline="0" dirty="0">
+                        <a:solidFill>
+                          <a:schemeClr val="bg2">
+                            <a:lumMod val="75000"/>
+                          </a:schemeClr>
+                        </a:solidFill>
+                        <a:effectLst/>
                         <a:latin typeface="+mn-lt"/>
                         <a:ea typeface="+mn-ea"/>
                         <a:cs typeface="+mn-cs"/>
@@ -4593,20 +4511,26 @@
                     <a:p>
                       <a:pPr marL="0" algn="l" defTabSz="914400" rtl="0" eaLnBrk="1" latinLnBrk="0" hangingPunct="1"/>
                       <a:r>
-                        <a:rPr lang="es-MX" sz="1000" b="1" u="sng" kern="1200" baseline="0" dirty="0" smtClean="0">
-                          <a:solidFill>
-                            <a:srgbClr val="FF0000"/>
-                          </a:solidFill>
+                        <a:rPr lang="es-MX" sz="1000" b="1" u="none" kern="1200" baseline="0" dirty="0" smtClean="0">
+                          <a:solidFill>
+                            <a:schemeClr val="bg2">
+                              <a:lumMod val="75000"/>
+                            </a:schemeClr>
+                          </a:solidFill>
+                          <a:effectLst/>
                           <a:latin typeface="+mn-lt"/>
                           <a:ea typeface="+mn-ea"/>
                           <a:cs typeface="+mn-cs"/>
                         </a:rPr>
                         <a:t>Identificación de las características geométricas de los cuadriláteros</a:t>
                       </a:r>
-                      <a:endParaRPr lang="es-MX" sz="1000" b="1" u="sng" kern="1200" baseline="0" dirty="0">
-                        <a:solidFill>
-                          <a:srgbClr val="FF0000"/>
-                        </a:solidFill>
+                      <a:endParaRPr lang="es-MX" sz="1000" b="1" u="none" kern="1200" baseline="0" dirty="0">
+                        <a:solidFill>
+                          <a:schemeClr val="bg2">
+                            <a:lumMod val="75000"/>
+                          </a:schemeClr>
+                        </a:solidFill>
+                        <a:effectLst/>
                         <a:latin typeface="+mn-lt"/>
                         <a:ea typeface="+mn-ea"/>
                         <a:cs typeface="+mn-cs"/>
@@ -4680,7 +4604,7 @@
       </p:graphicFrame>
       <p:pic>
         <p:nvPicPr>
-          <p:cNvPr id="5" name="Imagen 4"/>
+          <p:cNvPr id="4" name="Imagen 3"/>
           <p:cNvPicPr>
             <a:picLocks noChangeAspect="1"/>
           </p:cNvPicPr>
@@ -4694,8 +4618,8 @@
         </p:blipFill>
         <p:spPr>
           <a:xfrm>
-            <a:off x="1999128" y="0"/>
-            <a:ext cx="7429990" cy="4078941"/>
+            <a:off x="2808583" y="0"/>
+            <a:ext cx="6574834" cy="4938132"/>
           </a:xfrm>
           <a:prstGeom prst="rect">
             <a:avLst/>
@@ -4796,13 +4720,13 @@
           <p:nvPr>
             <p:extLst>
               <p:ext uri="{D42A27DB-BD31-4B8C-83A1-F6EECF244321}">
-                <p14:modId xmlns:p14="http://schemas.microsoft.com/office/powerpoint/2010/main" val="458377227"/>
+                <p14:modId xmlns:p14="http://schemas.microsoft.com/office/powerpoint/2010/main" val="3683386967"/>
               </p:ext>
             </p:extLst>
           </p:nvPr>
         </p:nvGraphicFramePr>
         <p:xfrm>
-          <a:off x="228597" y="4518678"/>
+          <a:off x="266698" y="4896554"/>
           <a:ext cx="11658604" cy="1536084"/>
         </p:xfrm>
         <a:graphic>
@@ -4956,43 +4880,25 @@
                     <a:bodyPr/>
                     <a:lstStyle/>
                     <a:p>
-                      <a:r>
-                        <a:rPr lang="es-MX" sz="1000" b="1" dirty="0" smtClean="0">
-                          <a:solidFill>
-                            <a:srgbClr val="FF0000"/>
-                          </a:solidFill>
-                        </a:rPr>
-                        <a:t>H202</a:t>
-                      </a:r>
-                      <a:endParaRPr lang="es-MX" sz="1000" b="1" dirty="0">
-                        <a:solidFill>
-                          <a:srgbClr val="FF0000"/>
-                        </a:solidFill>
-                      </a:endParaRPr>
-                    </a:p>
-                  </a:txBody>
-                  <a:tcPr anchor="ctr"/>
-                </a:tc>
-                <a:tc>
-                  <a:txBody>
-                    <a:bodyPr/>
-                    <a:lstStyle/>
-                    <a:p>
                       <a:pPr marL="0" algn="l" defTabSz="914400" rtl="0" eaLnBrk="1" latinLnBrk="0" hangingPunct="1"/>
                       <a:r>
-                        <a:rPr lang="es-MX" sz="1000" b="1" u="sng" kern="1200" baseline="0" dirty="0" smtClean="0">
-                          <a:solidFill>
-                            <a:srgbClr val="FF0000"/>
+                        <a:rPr lang="es-MX" sz="1000" b="1" kern="1200" dirty="0" smtClean="0">
+                          <a:solidFill>
+                            <a:schemeClr val="accent2">
+                              <a:lumMod val="50000"/>
+                            </a:schemeClr>
                           </a:solidFill>
                           <a:latin typeface="+mn-lt"/>
                           <a:ea typeface="+mn-ea"/>
                           <a:cs typeface="+mn-cs"/>
                         </a:rPr>
-                        <a:t>Comparación de la proporcionalidad de razones </a:t>
-                      </a:r>
-                      <a:endParaRPr lang="es-MX" sz="1000" b="1" u="sng" kern="1200" baseline="0" dirty="0">
-                        <a:solidFill>
-                          <a:srgbClr val="FF0000"/>
+                        <a:t>H202</a:t>
+                      </a:r>
+                      <a:endParaRPr lang="es-MX" sz="1000" b="1" kern="1200" dirty="0">
+                        <a:solidFill>
+                          <a:schemeClr val="accent2">
+                            <a:lumMod val="50000"/>
+                          </a:schemeClr>
                         </a:solidFill>
                         <a:latin typeface="+mn-lt"/>
                         <a:ea typeface="+mn-ea"/>
@@ -5007,6 +4913,35 @@
                     <a:bodyPr/>
                     <a:lstStyle/>
                     <a:p>
+                      <a:pPr marL="0" algn="l" defTabSz="914400" rtl="0" eaLnBrk="1" latinLnBrk="0" hangingPunct="1"/>
+                      <a:r>
+                        <a:rPr lang="es-MX" sz="1000" b="0" u="none" kern="1200" baseline="0" dirty="0" smtClean="0">
+                          <a:solidFill>
+                            <a:schemeClr val="tx1"/>
+                          </a:solidFill>
+                          <a:latin typeface="+mn-lt"/>
+                          <a:ea typeface="+mn-ea"/>
+                          <a:cs typeface="+mn-cs"/>
+                        </a:rPr>
+                        <a:t>Comparación de la proporcionalidad de razones </a:t>
+                      </a:r>
+                      <a:endParaRPr lang="es-MX" sz="1000" b="0" u="none" kern="1200" baseline="0" dirty="0">
+                        <a:solidFill>
+                          <a:schemeClr val="tx1"/>
+                        </a:solidFill>
+                        <a:latin typeface="+mn-lt"/>
+                        <a:ea typeface="+mn-ea"/>
+                        <a:cs typeface="+mn-cs"/>
+                      </a:endParaRPr>
+                    </a:p>
+                  </a:txBody>
+                  <a:tcPr anchor="ctr"/>
+                </a:tc>
+                <a:tc>
+                  <a:txBody>
+                    <a:bodyPr/>
+                    <a:lstStyle/>
+                    <a:p>
                       <a:r>
                         <a:rPr lang="es-MX" sz="1000" b="1" kern="1200" baseline="0" dirty="0" smtClean="0">
                           <a:solidFill>
@@ -5232,11 +5167,9 @@
                     <a:p>
                       <a:pPr marL="0" algn="l" defTabSz="914400" rtl="0" eaLnBrk="1" latinLnBrk="0" hangingPunct="1"/>
                       <a:r>
-                        <a:rPr lang="es-MX" sz="1000" b="1" kern="1200" dirty="0" smtClean="0">
-                          <a:solidFill>
-                            <a:schemeClr val="accent2">
-                              <a:lumMod val="50000"/>
-                            </a:schemeClr>
+                        <a:rPr lang="es-MX" sz="1000" b="1" u="sng" kern="1200" baseline="0" dirty="0" smtClean="0">
+                          <a:solidFill>
+                            <a:srgbClr val="FF0000"/>
                           </a:solidFill>
                           <a:latin typeface="+mn-lt"/>
                           <a:ea typeface="+mn-ea"/>
@@ -5244,11 +5177,9 @@
                         </a:rPr>
                         <a:t>H204</a:t>
                       </a:r>
-                      <a:endParaRPr lang="es-MX" sz="1000" b="1" kern="1200" dirty="0">
-                        <a:solidFill>
-                          <a:schemeClr val="accent2">
-                            <a:lumMod val="50000"/>
-                          </a:schemeClr>
+                      <a:endParaRPr lang="es-MX" sz="1000" b="1" u="sng" kern="1200" baseline="0" dirty="0">
+                        <a:solidFill>
+                          <a:srgbClr val="FF0000"/>
                         </a:solidFill>
                         <a:latin typeface="+mn-lt"/>
                         <a:ea typeface="+mn-ea"/>
@@ -5265,9 +5196,9 @@
                     <a:p>
                       <a:pPr marL="0" algn="l" defTabSz="914400" rtl="0" eaLnBrk="1" latinLnBrk="0" hangingPunct="1"/>
                       <a:r>
-                        <a:rPr lang="es-MX" sz="1000" kern="1200" baseline="0" dirty="0" smtClean="0">
-                          <a:solidFill>
-                            <a:schemeClr val="tx1"/>
+                        <a:rPr lang="es-MX" sz="1000" b="1" u="sng" kern="1200" baseline="0" dirty="0" smtClean="0">
+                          <a:solidFill>
+                            <a:srgbClr val="FF0000"/>
                           </a:solidFill>
                           <a:latin typeface="+mn-lt"/>
                           <a:ea typeface="+mn-ea"/>
@@ -5275,9 +5206,9 @@
                         </a:rPr>
                         <a:t>Representación de modelos aritméticos de la mediana </a:t>
                       </a:r>
-                      <a:endParaRPr lang="es-MX" sz="1000" kern="1200" baseline="0" dirty="0">
-                        <a:solidFill>
-                          <a:schemeClr val="tx1"/>
+                      <a:endParaRPr lang="es-MX" sz="1000" b="1" u="sng" kern="1200" baseline="0" dirty="0">
+                        <a:solidFill>
+                          <a:srgbClr val="FF0000"/>
                         </a:solidFill>
                         <a:latin typeface="+mn-lt"/>
                         <a:ea typeface="+mn-ea"/>
@@ -5371,7 +5302,7 @@
       </p:graphicFrame>
       <p:pic>
         <p:nvPicPr>
-          <p:cNvPr id="4" name="Imagen 3"/>
+          <p:cNvPr id="5" name="Imagen 4"/>
           <p:cNvPicPr>
             <a:picLocks noChangeAspect="1"/>
           </p:cNvPicPr>
@@ -5385,8 +5316,8 @@
         </p:blipFill>
         <p:spPr>
           <a:xfrm>
-            <a:off x="1908587" y="80924"/>
-            <a:ext cx="7127838" cy="3919648"/>
+            <a:off x="2944906" y="0"/>
+            <a:ext cx="6302188" cy="4774385"/>
           </a:xfrm>
           <a:prstGeom prst="rect">
             <a:avLst/>
@@ -5487,13 +5418,13 @@
           <p:nvPr>
             <p:extLst>
               <p:ext uri="{D42A27DB-BD31-4B8C-83A1-F6EECF244321}">
-                <p14:modId xmlns:p14="http://schemas.microsoft.com/office/powerpoint/2010/main" val="3262189842"/>
+                <p14:modId xmlns:p14="http://schemas.microsoft.com/office/powerpoint/2010/main" val="4189504774"/>
               </p:ext>
             </p:extLst>
           </p:nvPr>
         </p:nvGraphicFramePr>
         <p:xfrm>
-          <a:off x="228597" y="4518678"/>
+          <a:off x="266697" y="4766615"/>
           <a:ext cx="11658604" cy="1981200"/>
         </p:xfrm>
         <a:graphic>
@@ -5576,11 +5507,11 @@
                     <a:lstStyle/>
                     <a:p>
                       <a:r>
-                        <a:rPr lang="es-MX" sz="1000" dirty="0" smtClean="0"/>
+                        <a:rPr lang="es-MX" sz="1000" b="0" u="none" dirty="0" smtClean="0"/>
                         <a:t>Representación del modelo aritmético de la división</a:t>
                       </a:r>
                       <a:r>
-                        <a:rPr lang="es-MX" sz="1000" baseline="0" dirty="0" smtClean="0"/>
+                        <a:rPr lang="es-MX" sz="1000" b="0" u="none" baseline="0" dirty="0" smtClean="0"/>
                         <a:t> </a:t>
                       </a:r>
                       <a:endParaRPr lang="es-MX" sz="1000" b="0" i="0" u="none" dirty="0"/>
@@ -5882,17 +5813,23 @@
                     <a:lstStyle/>
                     <a:p>
                       <a:r>
-                        <a:rPr lang="es-MX" sz="1000" b="1" i="0" u="none" dirty="0" smtClean="0">
-                          <a:solidFill>
-                            <a:srgbClr val="FF0000"/>
-                          </a:solidFill>
+                        <a:rPr lang="es-MX" sz="1000" b="1" i="0" u="none" kern="1200" dirty="0" smtClean="0">
+                          <a:solidFill>
+                            <a:srgbClr val="00B050"/>
+                          </a:solidFill>
+                          <a:latin typeface="+mn-lt"/>
+                          <a:ea typeface="+mn-ea"/>
+                          <a:cs typeface="+mn-cs"/>
                         </a:rPr>
                         <a:t>H304</a:t>
                       </a:r>
-                      <a:endParaRPr lang="es-MX" sz="1000" b="1" i="0" u="none" dirty="0">
-                        <a:solidFill>
-                          <a:srgbClr val="FF0000"/>
-                        </a:solidFill>
+                      <a:endParaRPr lang="es-MX" sz="1000" b="1" i="0" u="none" kern="1200" dirty="0">
+                        <a:solidFill>
+                          <a:srgbClr val="00B050"/>
+                        </a:solidFill>
+                        <a:latin typeface="+mn-lt"/>
+                        <a:ea typeface="+mn-ea"/>
+                        <a:cs typeface="+mn-cs"/>
                       </a:endParaRPr>
                     </a:p>
                   </a:txBody>
@@ -5905,24 +5842,24 @@
                     <a:p>
                       <a:pPr algn="l"/>
                       <a:r>
-                        <a:rPr lang="es-MX" sz="1000" b="1" u="sng" dirty="0" smtClean="0">
-                          <a:solidFill>
-                            <a:srgbClr val="FF0000"/>
+                        <a:rPr lang="es-MX" sz="1000" b="0" u="none" dirty="0" smtClean="0">
+                          <a:solidFill>
+                            <a:schemeClr val="tx1"/>
                           </a:solidFill>
                         </a:rPr>
                         <a:t>Representación de modelos aritméticos</a:t>
                       </a:r>
                       <a:r>
-                        <a:rPr lang="es-MX" sz="1000" b="1" u="sng" baseline="0" dirty="0" smtClean="0">
-                          <a:solidFill>
-                            <a:srgbClr val="FF0000"/>
+                        <a:rPr lang="es-MX" sz="1000" b="0" u="none" baseline="0" dirty="0" smtClean="0">
+                          <a:solidFill>
+                            <a:schemeClr val="tx1"/>
                           </a:solidFill>
                         </a:rPr>
                         <a:t> de la mediana </a:t>
                       </a:r>
-                      <a:endParaRPr lang="es-MX" sz="1000" b="1" i="0" u="sng" dirty="0">
-                        <a:solidFill>
-                          <a:srgbClr val="FF0000"/>
+                      <a:endParaRPr lang="es-MX" sz="1000" b="0" i="0" u="none" dirty="0">
+                        <a:solidFill>
+                          <a:schemeClr val="tx1"/>
                         </a:solidFill>
                       </a:endParaRPr>
                     </a:p>
@@ -6125,7 +6062,7 @@
       </p:graphicFrame>
       <p:pic>
         <p:nvPicPr>
-          <p:cNvPr id="4" name="Imagen 3"/>
+          <p:cNvPr id="5" name="Imagen 4"/>
           <p:cNvPicPr>
             <a:picLocks noChangeAspect="1"/>
           </p:cNvPicPr>
@@ -6139,8 +6076,8 @@
         </p:blipFill>
         <p:spPr>
           <a:xfrm>
-            <a:off x="1972236" y="17930"/>
-            <a:ext cx="7207624" cy="3986339"/>
+            <a:off x="3071507" y="0"/>
+            <a:ext cx="6048985" cy="4643718"/>
           </a:xfrm>
           <a:prstGeom prst="rect">
             <a:avLst/>
@@ -6151,2524 +6088,6 @@
     <p:extLst>
       <p:ext uri="{BB962C8B-B14F-4D97-AF65-F5344CB8AC3E}">
         <p14:creationId xmlns:p14="http://schemas.microsoft.com/office/powerpoint/2010/main" val="2937773105"/>
-      </p:ext>
-    </p:extLst>
-  </p:cSld>
-  <p:clrMapOvr>
-    <a:masterClrMapping/>
-  </p:clrMapOvr>
-  <p:timing>
-    <p:tnLst>
-      <p:par>
-        <p:cTn id="1" dur="indefinite" restart="never" nodeType="tmRoot"/>
-      </p:par>
-    </p:tnLst>
-  </p:timing>
-</p:sld>
-</file>
-
-<file path=ppt/slides/slide14.xml><?xml version="1.0" encoding="utf-8"?>
-<p:sld xmlns:a="http://schemas.openxmlformats.org/drawingml/2006/main" xmlns:r="http://schemas.openxmlformats.org/officeDocument/2006/relationships" xmlns:p="http://schemas.openxmlformats.org/presentationml/2006/main">
-  <p:cSld>
-    <p:spTree>
-      <p:nvGrpSpPr>
-        <p:cNvPr id="1" name=""/>
-        <p:cNvGrpSpPr/>
-        <p:nvPr/>
-      </p:nvGrpSpPr>
-      <p:grpSpPr>
-        <a:xfrm>
-          <a:off x="0" y="0"/>
-          <a:ext cx="0" cy="0"/>
-          <a:chOff x="0" y="0"/>
-          <a:chExt cx="0" cy="0"/>
-        </a:xfrm>
-      </p:grpSpPr>
-      <p:sp>
-        <p:nvSpPr>
-          <p:cNvPr id="2" name="Título 1"/>
-          <p:cNvSpPr>
-            <a:spLocks noGrp="1"/>
-          </p:cNvSpPr>
-          <p:nvPr>
-            <p:ph type="ctrTitle"/>
-          </p:nvPr>
-        </p:nvSpPr>
-        <p:spPr>
-          <a:xfrm>
-            <a:off x="1523999" y="1122363"/>
-            <a:ext cx="9789459" cy="2387600"/>
-          </a:xfrm>
-        </p:spPr>
-        <p:txBody>
-          <a:bodyPr/>
-          <a:lstStyle/>
-          <a:p>
-            <a:r>
-              <a:rPr lang="es-MX" dirty="0" smtClean="0"/>
-              <a:t>Comparación entre </a:t>
-            </a:r>
-            <a:r>
-              <a:rPr lang="es-MX" b="1" dirty="0" smtClean="0"/>
-              <a:t>Grados </a:t>
-            </a:r>
-            <a:r>
-              <a:rPr lang="es-MX" dirty="0" smtClean="0"/>
-              <a:t>escolares</a:t>
-            </a:r>
-            <a:endParaRPr lang="es-MX" dirty="0"/>
-          </a:p>
-        </p:txBody>
-      </p:sp>
-      <p:sp>
-        <p:nvSpPr>
-          <p:cNvPr id="4" name="Subtítulo 3"/>
-          <p:cNvSpPr>
-            <a:spLocks noGrp="1"/>
-          </p:cNvSpPr>
-          <p:nvPr>
-            <p:ph type="subTitle" idx="1"/>
-          </p:nvPr>
-        </p:nvSpPr>
-        <p:spPr/>
-        <p:txBody>
-          <a:bodyPr/>
-          <a:lstStyle/>
-          <a:p>
-            <a:endParaRPr lang="es-MX" dirty="0" smtClean="0"/>
-          </a:p>
-          <a:p>
-            <a:endParaRPr lang="es-MX" dirty="0"/>
-          </a:p>
-        </p:txBody>
-      </p:sp>
-    </p:spTree>
-    <p:extLst>
-      <p:ext uri="{BB962C8B-B14F-4D97-AF65-F5344CB8AC3E}">
-        <p14:creationId xmlns:p14="http://schemas.microsoft.com/office/powerpoint/2010/main" val="902505226"/>
-      </p:ext>
-    </p:extLst>
-  </p:cSld>
-  <p:clrMapOvr>
-    <a:masterClrMapping/>
-  </p:clrMapOvr>
-</p:sld>
-</file>
-
-<file path=ppt/slides/slide15.xml><?xml version="1.0" encoding="utf-8"?>
-<p:sld xmlns:a="http://schemas.openxmlformats.org/drawingml/2006/main" xmlns:r="http://schemas.openxmlformats.org/officeDocument/2006/relationships" xmlns:p="http://schemas.openxmlformats.org/presentationml/2006/main">
-  <p:cSld>
-    <p:spTree>
-      <p:nvGrpSpPr>
-        <p:cNvPr id="1" name=""/>
-        <p:cNvGrpSpPr/>
-        <p:nvPr/>
-      </p:nvGrpSpPr>
-      <p:grpSpPr>
-        <a:xfrm>
-          <a:off x="0" y="0"/>
-          <a:ext cx="0" cy="0"/>
-          <a:chOff x="0" y="0"/>
-          <a:chExt cx="0" cy="0"/>
-        </a:xfrm>
-      </p:grpSpPr>
-      <p:sp>
-        <p:nvSpPr>
-          <p:cNvPr id="2" name="Título 1"/>
-          <p:cNvSpPr>
-            <a:spLocks noGrp="1"/>
-          </p:cNvSpPr>
-          <p:nvPr>
-            <p:ph type="title"/>
-          </p:nvPr>
-        </p:nvSpPr>
-        <p:spPr/>
-        <p:txBody>
-          <a:bodyPr/>
-          <a:lstStyle/>
-          <a:p>
-            <a:r>
-              <a:rPr lang="es-MX" dirty="0" smtClean="0"/>
-              <a:t/>
-            </a:r>
-            <a:br>
-              <a:rPr lang="es-MX" dirty="0" smtClean="0"/>
-            </a:br>
-            <a:endParaRPr lang="es-MX" dirty="0"/>
-          </a:p>
-        </p:txBody>
-      </p:sp>
-      <p:sp>
-        <p:nvSpPr>
-          <p:cNvPr id="3" name="Marcador de contenido 2"/>
-          <p:cNvSpPr>
-            <a:spLocks noGrp="1"/>
-          </p:cNvSpPr>
-          <p:nvPr>
-            <p:ph idx="1"/>
-          </p:nvPr>
-        </p:nvSpPr>
-        <p:spPr/>
-        <p:txBody>
-          <a:bodyPr/>
-          <a:lstStyle/>
-          <a:p>
-            <a:endParaRPr lang="es-MX" dirty="0" smtClean="0"/>
-          </a:p>
-          <a:p>
-            <a:endParaRPr lang="es-MX" dirty="0"/>
-          </a:p>
-        </p:txBody>
-      </p:sp>
-      <p:graphicFrame>
-        <p:nvGraphicFramePr>
-          <p:cNvPr id="6" name="Tabla 5"/>
-          <p:cNvGraphicFramePr>
-            <a:graphicFrameLocks noGrp="1"/>
-          </p:cNvGraphicFramePr>
-          <p:nvPr>
-            <p:extLst>
-              <p:ext uri="{D42A27DB-BD31-4B8C-83A1-F6EECF244321}">
-                <p14:modId xmlns:p14="http://schemas.microsoft.com/office/powerpoint/2010/main" val="2441823601"/>
-              </p:ext>
-            </p:extLst>
-          </p:nvPr>
-        </p:nvGraphicFramePr>
-        <p:xfrm>
-          <a:off x="228597" y="4518678"/>
-          <a:ext cx="11658604" cy="1584960"/>
-        </p:xfrm>
-        <a:graphic>
-          <a:graphicData uri="http://schemas.openxmlformats.org/drawingml/2006/table">
-            <a:tbl>
-              <a:tblPr firstRow="1" bandRow="1">
-                <a:tableStyleId>{2D5ABB26-0587-4C30-8999-92F81FD0307C}</a:tableStyleId>
-              </a:tblPr>
-              <a:tblGrid>
-                <a:gridCol w="488579"/>
-                <a:gridCol w="3074895"/>
-                <a:gridCol w="493058"/>
-                <a:gridCol w="3155577"/>
-                <a:gridCol w="466165"/>
-                <a:gridCol w="3980330"/>
-              </a:tblGrid>
-              <a:tr h="385016">
-                <a:tc>
-                  <a:txBody>
-                    <a:bodyPr/>
-                    <a:lstStyle/>
-                    <a:p>
-                      <a:r>
-                        <a:rPr lang="es-MX" sz="1000" dirty="0" smtClean="0"/>
-                        <a:t>H101 </a:t>
-                      </a:r>
-                      <a:endParaRPr lang="es-MX" sz="1000" b="1" dirty="0">
-                        <a:solidFill>
-                          <a:schemeClr val="accent1">
-                            <a:lumMod val="50000"/>
-                          </a:schemeClr>
-                        </a:solidFill>
-                      </a:endParaRPr>
-                    </a:p>
-                  </a:txBody>
-                  <a:tcPr anchor="ctr"/>
-                </a:tc>
-                <a:tc>
-                  <a:txBody>
-                    <a:bodyPr/>
-                    <a:lstStyle/>
-                    <a:p>
-                      <a:pPr marL="0" algn="l" defTabSz="914400" rtl="0" eaLnBrk="1" latinLnBrk="0" hangingPunct="1"/>
-                      <a:r>
-                        <a:rPr lang="es-MX" sz="1000" kern="1200" dirty="0" smtClean="0">
-                          <a:solidFill>
-                            <a:schemeClr val="tx1"/>
-                          </a:solidFill>
-                          <a:latin typeface="+mn-lt"/>
-                          <a:ea typeface="+mn-ea"/>
-                          <a:cs typeface="+mn-cs"/>
-                        </a:rPr>
-                        <a:t>Comprensión de problemas matemáticos contextualizados</a:t>
-                      </a:r>
-                      <a:endParaRPr lang="es-MX" sz="1000" kern="1200" dirty="0">
-                        <a:solidFill>
-                          <a:schemeClr val="tx1"/>
-                        </a:solidFill>
-                        <a:latin typeface="+mn-lt"/>
-                        <a:ea typeface="+mn-ea"/>
-                        <a:cs typeface="+mn-cs"/>
-                      </a:endParaRPr>
-                    </a:p>
-                  </a:txBody>
-                  <a:tcPr anchor="ctr"/>
-                </a:tc>
-                <a:tc>
-                  <a:txBody>
-                    <a:bodyPr/>
-                    <a:lstStyle/>
-                    <a:p>
-                      <a:pPr marL="0" algn="l" defTabSz="914400" rtl="0" eaLnBrk="1" latinLnBrk="0" hangingPunct="1"/>
-                      <a:r>
-                        <a:rPr lang="es-MX" sz="1000" kern="1200" dirty="0" smtClean="0">
-                          <a:solidFill>
-                            <a:schemeClr val="tx1"/>
-                          </a:solidFill>
-                          <a:latin typeface="+mn-lt"/>
-                          <a:ea typeface="+mn-ea"/>
-                          <a:cs typeface="+mn-cs"/>
-                        </a:rPr>
-                        <a:t>H105</a:t>
-                      </a:r>
-                      <a:endParaRPr lang="es-MX" sz="1000" kern="1200" dirty="0">
-                        <a:solidFill>
-                          <a:schemeClr val="tx1"/>
-                        </a:solidFill>
-                        <a:latin typeface="+mn-lt"/>
-                        <a:ea typeface="+mn-ea"/>
-                        <a:cs typeface="+mn-cs"/>
-                      </a:endParaRPr>
-                    </a:p>
-                  </a:txBody>
-                  <a:tcPr anchor="ctr"/>
-                </a:tc>
-                <a:tc>
-                  <a:txBody>
-                    <a:bodyPr/>
-                    <a:lstStyle/>
-                    <a:p>
-                      <a:pPr marL="0" algn="l" defTabSz="914400" rtl="0" eaLnBrk="1" latinLnBrk="0" hangingPunct="1"/>
-                      <a:r>
-                        <a:rPr lang="es-MX" sz="1000" kern="1200" dirty="0" smtClean="0">
-                          <a:solidFill>
-                            <a:schemeClr val="tx1"/>
-                          </a:solidFill>
-                          <a:latin typeface="+mn-lt"/>
-                          <a:ea typeface="+mn-ea"/>
-                          <a:cs typeface="+mn-cs"/>
-                        </a:rPr>
-                        <a:t>Aplicación de operaciones aritméticas básicas</a:t>
-                      </a:r>
-                      <a:endParaRPr lang="es-MX" sz="1000" kern="1200" dirty="0">
-                        <a:solidFill>
-                          <a:schemeClr val="tx1"/>
-                        </a:solidFill>
-                        <a:latin typeface="+mn-lt"/>
-                        <a:ea typeface="+mn-ea"/>
-                        <a:cs typeface="+mn-cs"/>
-                      </a:endParaRPr>
-                    </a:p>
-                  </a:txBody>
-                  <a:tcPr anchor="ctr"/>
-                </a:tc>
-                <a:tc>
-                  <a:txBody>
-                    <a:bodyPr/>
-                    <a:lstStyle/>
-                    <a:p>
-                      <a:pPr marL="0" algn="l" defTabSz="914400" rtl="0" eaLnBrk="1" latinLnBrk="0" hangingPunct="1"/>
-                      <a:r>
-                        <a:rPr lang="es-MX" sz="1000" kern="1200" dirty="0" smtClean="0">
-                          <a:solidFill>
-                            <a:schemeClr val="tx1"/>
-                          </a:solidFill>
-                          <a:latin typeface="+mn-lt"/>
-                          <a:ea typeface="+mn-ea"/>
-                          <a:cs typeface="+mn-cs"/>
-                        </a:rPr>
-                        <a:t>H109</a:t>
-                      </a:r>
-                      <a:endParaRPr lang="es-MX" sz="1000" kern="1200" dirty="0">
-                        <a:solidFill>
-                          <a:schemeClr val="tx1"/>
-                        </a:solidFill>
-                        <a:latin typeface="+mn-lt"/>
-                        <a:ea typeface="+mn-ea"/>
-                        <a:cs typeface="+mn-cs"/>
-                      </a:endParaRPr>
-                    </a:p>
-                  </a:txBody>
-                  <a:tcPr anchor="ctr"/>
-                </a:tc>
-                <a:tc>
-                  <a:txBody>
-                    <a:bodyPr/>
-                    <a:lstStyle/>
-                    <a:p>
-                      <a:pPr marL="0" algn="l" defTabSz="914400" rtl="0" eaLnBrk="1" latinLnBrk="0" hangingPunct="1"/>
-                      <a:r>
-                        <a:rPr lang="es-MX" sz="1000" kern="1200" dirty="0" smtClean="0">
-                          <a:solidFill>
-                            <a:schemeClr val="tx1"/>
-                          </a:solidFill>
-                          <a:latin typeface="+mn-lt"/>
-                          <a:ea typeface="+mn-ea"/>
-                          <a:cs typeface="+mn-cs"/>
-                        </a:rPr>
-                        <a:t>Identificación gráfica de tipos de líneas rectas (paralelas, perpendiculares y secantes)</a:t>
-                      </a:r>
-                      <a:endParaRPr lang="es-MX" sz="1000" kern="1200" dirty="0">
-                        <a:solidFill>
-                          <a:schemeClr val="tx1"/>
-                        </a:solidFill>
-                        <a:latin typeface="+mn-lt"/>
-                        <a:ea typeface="+mn-ea"/>
-                        <a:cs typeface="+mn-cs"/>
-                      </a:endParaRPr>
-                    </a:p>
-                  </a:txBody>
-                  <a:tcPr anchor="ctr"/>
-                </a:tc>
-              </a:tr>
-              <a:tr h="347364">
-                <a:tc>
-                  <a:txBody>
-                    <a:bodyPr/>
-                    <a:lstStyle/>
-                    <a:p>
-                      <a:r>
-                        <a:rPr lang="es-MX" sz="1000" dirty="0" smtClean="0"/>
-                        <a:t>H102</a:t>
-                      </a:r>
-                      <a:endParaRPr lang="es-MX" sz="1000" b="1" dirty="0">
-                        <a:solidFill>
-                          <a:schemeClr val="accent1">
-                            <a:lumMod val="50000"/>
-                          </a:schemeClr>
-                        </a:solidFill>
-                      </a:endParaRPr>
-                    </a:p>
-                  </a:txBody>
-                  <a:tcPr anchor="ctr"/>
-                </a:tc>
-                <a:tc>
-                  <a:txBody>
-                    <a:bodyPr/>
-                    <a:lstStyle/>
-                    <a:p>
-                      <a:pPr marL="0" algn="l" defTabSz="914400" rtl="0" eaLnBrk="1" latinLnBrk="0" hangingPunct="1"/>
-                      <a:r>
-                        <a:rPr lang="es-MX" sz="1000" kern="1200" dirty="0" smtClean="0">
-                          <a:solidFill>
-                            <a:schemeClr val="tx1"/>
-                          </a:solidFill>
-                          <a:latin typeface="+mn-lt"/>
-                          <a:ea typeface="+mn-ea"/>
-                          <a:cs typeface="+mn-cs"/>
-                        </a:rPr>
-                        <a:t>Comprensión del Sistema Internacional de Unidades </a:t>
-                      </a:r>
-                      <a:endParaRPr lang="es-MX" sz="1000" kern="1200" dirty="0">
-                        <a:solidFill>
-                          <a:schemeClr val="tx1"/>
-                        </a:solidFill>
-                        <a:latin typeface="+mn-lt"/>
-                        <a:ea typeface="+mn-ea"/>
-                        <a:cs typeface="+mn-cs"/>
-                      </a:endParaRPr>
-                    </a:p>
-                  </a:txBody>
-                  <a:tcPr anchor="ctr"/>
-                </a:tc>
-                <a:tc>
-                  <a:txBody>
-                    <a:bodyPr/>
-                    <a:lstStyle/>
-                    <a:p>
-                      <a:pPr marL="0" algn="l" defTabSz="914400" rtl="0" eaLnBrk="1" latinLnBrk="0" hangingPunct="1"/>
-                      <a:r>
-                        <a:rPr lang="es-MX" sz="1000" kern="1200" dirty="0" smtClean="0">
-                          <a:solidFill>
-                            <a:schemeClr val="tx1"/>
-                          </a:solidFill>
-                          <a:latin typeface="+mn-lt"/>
-                          <a:ea typeface="+mn-ea"/>
-                          <a:cs typeface="+mn-cs"/>
-                        </a:rPr>
-                        <a:t>H106</a:t>
-                      </a:r>
-                      <a:endParaRPr lang="es-MX" sz="1000" kern="1200" dirty="0">
-                        <a:solidFill>
-                          <a:schemeClr val="tx1"/>
-                        </a:solidFill>
-                        <a:latin typeface="+mn-lt"/>
-                        <a:ea typeface="+mn-ea"/>
-                        <a:cs typeface="+mn-cs"/>
-                      </a:endParaRPr>
-                    </a:p>
-                  </a:txBody>
-                  <a:tcPr anchor="ctr"/>
-                </a:tc>
-                <a:tc>
-                  <a:txBody>
-                    <a:bodyPr/>
-                    <a:lstStyle/>
-                    <a:p>
-                      <a:pPr marL="0" algn="l" defTabSz="914400" rtl="0" eaLnBrk="1" latinLnBrk="0" hangingPunct="1"/>
-                      <a:r>
-                        <a:rPr lang="es-MX" sz="1000" kern="1200" dirty="0" smtClean="0">
-                          <a:solidFill>
-                            <a:schemeClr val="tx1"/>
-                          </a:solidFill>
-                          <a:latin typeface="+mn-lt"/>
-                          <a:ea typeface="+mn-ea"/>
-                          <a:cs typeface="+mn-cs"/>
-                        </a:rPr>
-                        <a:t>Definición de tecnicismos del lenguaje formal de la geometría</a:t>
-                      </a:r>
-                      <a:endParaRPr lang="es-MX" sz="1000" kern="1200" dirty="0">
-                        <a:solidFill>
-                          <a:schemeClr val="tx1"/>
-                        </a:solidFill>
-                        <a:latin typeface="+mn-lt"/>
-                        <a:ea typeface="+mn-ea"/>
-                        <a:cs typeface="+mn-cs"/>
-                      </a:endParaRPr>
-                    </a:p>
-                  </a:txBody>
-                  <a:tcPr anchor="ctr"/>
-                </a:tc>
-                <a:tc>
-                  <a:txBody>
-                    <a:bodyPr/>
-                    <a:lstStyle/>
-                    <a:p>
-                      <a:pPr marL="0" algn="l" defTabSz="914400" rtl="0" eaLnBrk="1" latinLnBrk="0" hangingPunct="1"/>
-                      <a:r>
-                        <a:rPr lang="es-MX" sz="1000" kern="1200" dirty="0" smtClean="0">
-                          <a:solidFill>
-                            <a:schemeClr val="tx1"/>
-                          </a:solidFill>
-                          <a:latin typeface="+mn-lt"/>
-                          <a:ea typeface="+mn-ea"/>
-                          <a:cs typeface="+mn-cs"/>
-                        </a:rPr>
-                        <a:t>H110</a:t>
-                      </a:r>
-                      <a:endParaRPr lang="es-MX" sz="1000" kern="1200" dirty="0">
-                        <a:solidFill>
-                          <a:schemeClr val="tx1"/>
-                        </a:solidFill>
-                        <a:latin typeface="+mn-lt"/>
-                        <a:ea typeface="+mn-ea"/>
-                        <a:cs typeface="+mn-cs"/>
-                      </a:endParaRPr>
-                    </a:p>
-                  </a:txBody>
-                  <a:tcPr anchor="ctr"/>
-                </a:tc>
-                <a:tc>
-                  <a:txBody>
-                    <a:bodyPr/>
-                    <a:lstStyle/>
-                    <a:p>
-                      <a:pPr marL="0" algn="l" defTabSz="914400" rtl="0" eaLnBrk="1" latinLnBrk="0" hangingPunct="1"/>
-                      <a:r>
-                        <a:rPr lang="es-MX" sz="1000" kern="1200" dirty="0" smtClean="0">
-                          <a:solidFill>
-                            <a:schemeClr val="tx1"/>
-                          </a:solidFill>
-                          <a:latin typeface="+mn-lt"/>
-                          <a:ea typeface="+mn-ea"/>
-                          <a:cs typeface="+mn-cs"/>
-                        </a:rPr>
-                        <a:t>Representación del modelo aritmético para calcular el perímetro de una figura geométrica (triángulo o cuadrilátero) </a:t>
-                      </a:r>
-                      <a:endParaRPr lang="es-MX" sz="1000" kern="1200" dirty="0">
-                        <a:solidFill>
-                          <a:schemeClr val="tx1"/>
-                        </a:solidFill>
-                        <a:latin typeface="+mn-lt"/>
-                        <a:ea typeface="+mn-ea"/>
-                        <a:cs typeface="+mn-cs"/>
-                      </a:endParaRPr>
-                    </a:p>
-                  </a:txBody>
-                  <a:tcPr anchor="ctr"/>
-                </a:tc>
-              </a:tr>
-              <a:tr h="212846">
-                <a:tc>
-                  <a:txBody>
-                    <a:bodyPr/>
-                    <a:lstStyle/>
-                    <a:p>
-                      <a:r>
-                        <a:rPr lang="es-MX" sz="1000" dirty="0" smtClean="0"/>
-                        <a:t>H103 </a:t>
-                      </a:r>
-                      <a:endParaRPr lang="es-MX" sz="1000" b="1" dirty="0">
-                        <a:solidFill>
-                          <a:schemeClr val="accent1">
-                            <a:lumMod val="50000"/>
-                          </a:schemeClr>
-                        </a:solidFill>
-                      </a:endParaRPr>
-                    </a:p>
-                  </a:txBody>
-                  <a:tcPr anchor="ctr"/>
-                </a:tc>
-                <a:tc>
-                  <a:txBody>
-                    <a:bodyPr/>
-                    <a:lstStyle/>
-                    <a:p>
-                      <a:pPr marL="0" algn="l" defTabSz="914400" rtl="0" eaLnBrk="1" latinLnBrk="0" hangingPunct="1"/>
-                      <a:r>
-                        <a:rPr lang="es-MX" sz="1000" kern="1200" dirty="0" smtClean="0">
-                          <a:solidFill>
-                            <a:schemeClr val="tx1"/>
-                          </a:solidFill>
-                          <a:latin typeface="+mn-lt"/>
-                          <a:ea typeface="+mn-ea"/>
-                          <a:cs typeface="+mn-cs"/>
-                        </a:rPr>
-                        <a:t>Operación de valores posicionales con números naturales y decimales </a:t>
-                      </a:r>
-                      <a:endParaRPr lang="es-MX" sz="1000" kern="1200" dirty="0">
-                        <a:solidFill>
-                          <a:schemeClr val="tx1"/>
-                        </a:solidFill>
-                        <a:latin typeface="+mn-lt"/>
-                        <a:ea typeface="+mn-ea"/>
-                        <a:cs typeface="+mn-cs"/>
-                      </a:endParaRPr>
-                    </a:p>
-                  </a:txBody>
-                  <a:tcPr anchor="ctr"/>
-                </a:tc>
-                <a:tc>
-                  <a:txBody>
-                    <a:bodyPr/>
-                    <a:lstStyle/>
-                    <a:p>
-                      <a:pPr marL="0" algn="l" defTabSz="914400" rtl="0" eaLnBrk="1" latinLnBrk="0" hangingPunct="1"/>
-                      <a:r>
-                        <a:rPr lang="es-MX" sz="1000" kern="1200" dirty="0" smtClean="0">
-                          <a:solidFill>
-                            <a:schemeClr val="tx1"/>
-                          </a:solidFill>
-                          <a:latin typeface="+mn-lt"/>
-                          <a:ea typeface="+mn-ea"/>
-                          <a:cs typeface="+mn-cs"/>
-                        </a:rPr>
-                        <a:t>H107</a:t>
-                      </a:r>
-                      <a:endParaRPr lang="es-MX" sz="1000" kern="1200" dirty="0">
-                        <a:solidFill>
-                          <a:schemeClr val="tx1"/>
-                        </a:solidFill>
-                        <a:latin typeface="+mn-lt"/>
-                        <a:ea typeface="+mn-ea"/>
-                        <a:cs typeface="+mn-cs"/>
-                      </a:endParaRPr>
-                    </a:p>
-                  </a:txBody>
-                  <a:tcPr anchor="ctr"/>
-                </a:tc>
-                <a:tc>
-                  <a:txBody>
-                    <a:bodyPr/>
-                    <a:lstStyle/>
-                    <a:p>
-                      <a:pPr marL="0" algn="l" defTabSz="914400" rtl="0" eaLnBrk="1" latinLnBrk="0" hangingPunct="1"/>
-                      <a:r>
-                        <a:rPr lang="es-MX" sz="1000" kern="1200" dirty="0" smtClean="0">
-                          <a:solidFill>
-                            <a:schemeClr val="tx1"/>
-                          </a:solidFill>
-                          <a:latin typeface="+mn-lt"/>
-                          <a:ea typeface="+mn-ea"/>
-                          <a:cs typeface="+mn-cs"/>
-                        </a:rPr>
-                        <a:t>Representación viso-espacial de figuras geométricas</a:t>
-                      </a:r>
-                      <a:endParaRPr lang="es-MX" sz="1000" kern="1200" dirty="0">
-                        <a:solidFill>
-                          <a:schemeClr val="tx1"/>
-                        </a:solidFill>
-                        <a:latin typeface="+mn-lt"/>
-                        <a:ea typeface="+mn-ea"/>
-                        <a:cs typeface="+mn-cs"/>
-                      </a:endParaRPr>
-                    </a:p>
-                  </a:txBody>
-                  <a:tcPr anchor="ctr"/>
-                </a:tc>
-                <a:tc>
-                  <a:txBody>
-                    <a:bodyPr/>
-                    <a:lstStyle/>
-                    <a:p>
-                      <a:pPr marL="0" algn="l" defTabSz="914400" rtl="0" eaLnBrk="1" latinLnBrk="0" hangingPunct="1"/>
-                      <a:r>
-                        <a:rPr lang="es-MX" sz="1000" kern="1200" dirty="0" smtClean="0">
-                          <a:solidFill>
-                            <a:schemeClr val="tx1"/>
-                          </a:solidFill>
-                          <a:latin typeface="+mn-lt"/>
-                          <a:ea typeface="+mn-ea"/>
-                          <a:cs typeface="+mn-cs"/>
-                        </a:rPr>
-                        <a:t>H111</a:t>
-                      </a:r>
-                      <a:endParaRPr lang="es-MX" sz="1000" kern="1200" dirty="0">
-                        <a:solidFill>
-                          <a:schemeClr val="tx1"/>
-                        </a:solidFill>
-                        <a:latin typeface="+mn-lt"/>
-                        <a:ea typeface="+mn-ea"/>
-                        <a:cs typeface="+mn-cs"/>
-                      </a:endParaRPr>
-                    </a:p>
-                  </a:txBody>
-                  <a:tcPr anchor="ctr"/>
-                </a:tc>
-                <a:tc>
-                  <a:txBody>
-                    <a:bodyPr/>
-                    <a:lstStyle/>
-                    <a:p>
-                      <a:pPr marL="0" algn="l" defTabSz="914400" rtl="0" eaLnBrk="1" latinLnBrk="0" hangingPunct="1"/>
-                      <a:r>
-                        <a:rPr lang="es-MX" sz="1000" kern="1200" dirty="0" smtClean="0">
-                          <a:solidFill>
-                            <a:schemeClr val="tx1"/>
-                          </a:solidFill>
-                          <a:latin typeface="+mn-lt"/>
-                          <a:ea typeface="+mn-ea"/>
-                          <a:cs typeface="+mn-cs"/>
-                        </a:rPr>
-                        <a:t>Representación del modelo aritmético para calcular el área de cuadriláteros o triángulos </a:t>
-                      </a:r>
-                      <a:endParaRPr lang="es-MX" sz="1000" kern="1200" dirty="0">
-                        <a:solidFill>
-                          <a:schemeClr val="tx1"/>
-                        </a:solidFill>
-                        <a:latin typeface="+mn-lt"/>
-                        <a:ea typeface="+mn-ea"/>
-                        <a:cs typeface="+mn-cs"/>
-                      </a:endParaRPr>
-                    </a:p>
-                  </a:txBody>
-                  <a:tcPr anchor="ctr"/>
-                </a:tc>
-              </a:tr>
-              <a:tr h="212846">
-                <a:tc>
-                  <a:txBody>
-                    <a:bodyPr/>
-                    <a:lstStyle/>
-                    <a:p>
-                      <a:r>
-                        <a:rPr lang="es-MX" sz="1000" dirty="0" smtClean="0"/>
-                        <a:t>H104</a:t>
-                      </a:r>
-                      <a:endParaRPr lang="es-MX" sz="1000" b="1" dirty="0">
-                        <a:solidFill>
-                          <a:srgbClr val="FF0000"/>
-                        </a:solidFill>
-                      </a:endParaRPr>
-                    </a:p>
-                  </a:txBody>
-                  <a:tcPr anchor="ctr"/>
-                </a:tc>
-                <a:tc>
-                  <a:txBody>
-                    <a:bodyPr/>
-                    <a:lstStyle/>
-                    <a:p>
-                      <a:pPr marL="0" algn="l" defTabSz="914400" rtl="0" eaLnBrk="1" latinLnBrk="0" hangingPunct="1"/>
-                      <a:r>
-                        <a:rPr lang="es-MX" sz="1000" kern="1200" dirty="0" smtClean="0">
-                          <a:solidFill>
-                            <a:schemeClr val="tx1"/>
-                          </a:solidFill>
-                          <a:latin typeface="+mn-lt"/>
-                          <a:ea typeface="+mn-ea"/>
-                          <a:cs typeface="+mn-cs"/>
-                        </a:rPr>
-                        <a:t>Ubicación de una coordenada en el primer cuadrante del plano artesiano</a:t>
-                      </a:r>
-                      <a:endParaRPr lang="es-MX" sz="1000" kern="1200" dirty="0">
-                        <a:solidFill>
-                          <a:schemeClr val="tx1"/>
-                        </a:solidFill>
-                        <a:latin typeface="+mn-lt"/>
-                        <a:ea typeface="+mn-ea"/>
-                        <a:cs typeface="+mn-cs"/>
-                      </a:endParaRPr>
-                    </a:p>
-                  </a:txBody>
-                  <a:tcPr anchor="ctr"/>
-                </a:tc>
-                <a:tc>
-                  <a:txBody>
-                    <a:bodyPr/>
-                    <a:lstStyle/>
-                    <a:p>
-                      <a:pPr marL="0" algn="l" defTabSz="914400" rtl="0" eaLnBrk="1" latinLnBrk="0" hangingPunct="1"/>
-                      <a:r>
-                        <a:rPr lang="es-MX" sz="1000" kern="1200" dirty="0" smtClean="0">
-                          <a:solidFill>
-                            <a:schemeClr val="tx1"/>
-                          </a:solidFill>
-                          <a:latin typeface="+mn-lt"/>
-                          <a:ea typeface="+mn-ea"/>
-                          <a:cs typeface="+mn-cs"/>
-                        </a:rPr>
-                        <a:t>H108</a:t>
-                      </a:r>
-                      <a:endParaRPr lang="es-MX" sz="1000" kern="1200" dirty="0">
-                        <a:solidFill>
-                          <a:schemeClr val="tx1"/>
-                        </a:solidFill>
-                        <a:latin typeface="+mn-lt"/>
-                        <a:ea typeface="+mn-ea"/>
-                        <a:cs typeface="+mn-cs"/>
-                      </a:endParaRPr>
-                    </a:p>
-                  </a:txBody>
-                  <a:tcPr anchor="ctr"/>
-                </a:tc>
-                <a:tc>
-                  <a:txBody>
-                    <a:bodyPr/>
-                    <a:lstStyle/>
-                    <a:p>
-                      <a:pPr marL="0" algn="l" defTabSz="914400" rtl="0" eaLnBrk="1" latinLnBrk="0" hangingPunct="1"/>
-                      <a:r>
-                        <a:rPr lang="es-MX" sz="1000" kern="1200" dirty="0" smtClean="0">
-                          <a:solidFill>
-                            <a:schemeClr val="tx1"/>
-                          </a:solidFill>
-                          <a:latin typeface="+mn-lt"/>
-                          <a:ea typeface="+mn-ea"/>
-                          <a:cs typeface="+mn-cs"/>
-                        </a:rPr>
-                        <a:t>Identificación de las características geométricas de los cuadriláteros</a:t>
-                      </a:r>
-                      <a:endParaRPr lang="es-MX" sz="1000" kern="1200" dirty="0">
-                        <a:solidFill>
-                          <a:schemeClr val="tx1"/>
-                        </a:solidFill>
-                        <a:latin typeface="+mn-lt"/>
-                        <a:ea typeface="+mn-ea"/>
-                        <a:cs typeface="+mn-cs"/>
-                      </a:endParaRPr>
-                    </a:p>
-                  </a:txBody>
-                  <a:tcPr anchor="ctr"/>
-                </a:tc>
-                <a:tc>
-                  <a:txBody>
-                    <a:bodyPr/>
-                    <a:lstStyle/>
-                    <a:p>
-                      <a:pPr marL="0" algn="l" defTabSz="914400" rtl="0" eaLnBrk="1" latinLnBrk="0" hangingPunct="1"/>
-                      <a:r>
-                        <a:rPr lang="es-MX" sz="1000" kern="1200" dirty="0" smtClean="0">
-                          <a:solidFill>
-                            <a:schemeClr val="tx1"/>
-                          </a:solidFill>
-                          <a:latin typeface="+mn-lt"/>
-                          <a:ea typeface="+mn-ea"/>
-                          <a:cs typeface="+mn-cs"/>
-                        </a:rPr>
-                        <a:t>H112</a:t>
-                      </a:r>
-                      <a:endParaRPr lang="es-MX" sz="1000" kern="1200" dirty="0">
-                        <a:solidFill>
-                          <a:schemeClr val="tx1"/>
-                        </a:solidFill>
-                        <a:latin typeface="+mn-lt"/>
-                        <a:ea typeface="+mn-ea"/>
-                        <a:cs typeface="+mn-cs"/>
-                      </a:endParaRPr>
-                    </a:p>
-                  </a:txBody>
-                  <a:tcPr anchor="ctr"/>
-                </a:tc>
-                <a:tc>
-                  <a:txBody>
-                    <a:bodyPr/>
-                    <a:lstStyle/>
-                    <a:p>
-                      <a:pPr marL="0" algn="l" defTabSz="914400" rtl="0" eaLnBrk="1" latinLnBrk="0" hangingPunct="1"/>
-                      <a:r>
-                        <a:rPr lang="es-MX" sz="1000" kern="1200" dirty="0" smtClean="0">
-                          <a:solidFill>
-                            <a:schemeClr val="tx1"/>
-                          </a:solidFill>
-                          <a:latin typeface="+mn-lt"/>
-                          <a:ea typeface="+mn-ea"/>
-                          <a:cs typeface="+mn-cs"/>
-                        </a:rPr>
-                        <a:t>Deducción de fórmulas para calcular el área mediante descomposición de figuras geométricas</a:t>
-                      </a:r>
-                      <a:endParaRPr lang="es-MX" sz="1000" kern="1200" dirty="0">
-                        <a:solidFill>
-                          <a:schemeClr val="tx1"/>
-                        </a:solidFill>
-                        <a:latin typeface="+mn-lt"/>
-                        <a:ea typeface="+mn-ea"/>
-                        <a:cs typeface="+mn-cs"/>
-                      </a:endParaRPr>
-                    </a:p>
-                  </a:txBody>
-                  <a:tcPr anchor="ctr"/>
-                </a:tc>
-              </a:tr>
-            </a:tbl>
-          </a:graphicData>
-        </a:graphic>
-      </p:graphicFrame>
-    </p:spTree>
-    <p:extLst>
-      <p:ext uri="{BB962C8B-B14F-4D97-AF65-F5344CB8AC3E}">
-        <p14:creationId xmlns:p14="http://schemas.microsoft.com/office/powerpoint/2010/main" val="486686516"/>
-      </p:ext>
-    </p:extLst>
-  </p:cSld>
-  <p:clrMapOvr>
-    <a:masterClrMapping/>
-  </p:clrMapOvr>
-  <p:timing>
-    <p:tnLst>
-      <p:par>
-        <p:cTn id="1" dur="indefinite" restart="never" nodeType="tmRoot"/>
-      </p:par>
-    </p:tnLst>
-  </p:timing>
-</p:sld>
-</file>
-
-<file path=ppt/slides/slide16.xml><?xml version="1.0" encoding="utf-8"?>
-<p:sld xmlns:a="http://schemas.openxmlformats.org/drawingml/2006/main" xmlns:r="http://schemas.openxmlformats.org/officeDocument/2006/relationships" xmlns:p="http://schemas.openxmlformats.org/presentationml/2006/main">
-  <p:cSld>
-    <p:spTree>
-      <p:nvGrpSpPr>
-        <p:cNvPr id="1" name=""/>
-        <p:cNvGrpSpPr/>
-        <p:nvPr/>
-      </p:nvGrpSpPr>
-      <p:grpSpPr>
-        <a:xfrm>
-          <a:off x="0" y="0"/>
-          <a:ext cx="0" cy="0"/>
-          <a:chOff x="0" y="0"/>
-          <a:chExt cx="0" cy="0"/>
-        </a:xfrm>
-      </p:grpSpPr>
-      <p:sp>
-        <p:nvSpPr>
-          <p:cNvPr id="2" name="Título 1"/>
-          <p:cNvSpPr>
-            <a:spLocks noGrp="1"/>
-          </p:cNvSpPr>
-          <p:nvPr>
-            <p:ph type="title"/>
-          </p:nvPr>
-        </p:nvSpPr>
-        <p:spPr/>
-        <p:txBody>
-          <a:bodyPr/>
-          <a:lstStyle/>
-          <a:p>
-            <a:r>
-              <a:rPr lang="es-MX" dirty="0" smtClean="0"/>
-              <a:t/>
-            </a:r>
-            <a:br>
-              <a:rPr lang="es-MX" dirty="0" smtClean="0"/>
-            </a:br>
-            <a:endParaRPr lang="es-MX" dirty="0"/>
-          </a:p>
-        </p:txBody>
-      </p:sp>
-      <p:sp>
-        <p:nvSpPr>
-          <p:cNvPr id="3" name="Marcador de contenido 2"/>
-          <p:cNvSpPr>
-            <a:spLocks noGrp="1"/>
-          </p:cNvSpPr>
-          <p:nvPr>
-            <p:ph idx="1"/>
-          </p:nvPr>
-        </p:nvSpPr>
-        <p:spPr/>
-        <p:txBody>
-          <a:bodyPr/>
-          <a:lstStyle/>
-          <a:p>
-            <a:endParaRPr lang="es-MX" dirty="0" smtClean="0"/>
-          </a:p>
-          <a:p>
-            <a:endParaRPr lang="es-MX" dirty="0"/>
-          </a:p>
-        </p:txBody>
-      </p:sp>
-      <p:graphicFrame>
-        <p:nvGraphicFramePr>
-          <p:cNvPr id="10" name="Tabla 9"/>
-          <p:cNvGraphicFramePr>
-            <a:graphicFrameLocks noGrp="1"/>
-          </p:cNvGraphicFramePr>
-          <p:nvPr>
-            <p:extLst>
-              <p:ext uri="{D42A27DB-BD31-4B8C-83A1-F6EECF244321}">
-                <p14:modId xmlns:p14="http://schemas.microsoft.com/office/powerpoint/2010/main" val="2761879989"/>
-              </p:ext>
-            </p:extLst>
-          </p:nvPr>
-        </p:nvGraphicFramePr>
-        <p:xfrm>
-          <a:off x="228597" y="4518678"/>
-          <a:ext cx="11658604" cy="1536084"/>
-        </p:xfrm>
-        <a:graphic>
-          <a:graphicData uri="http://schemas.openxmlformats.org/drawingml/2006/table">
-            <a:tbl>
-              <a:tblPr firstRow="1" bandRow="1">
-                <a:tableStyleId>{2D5ABB26-0587-4C30-8999-92F81FD0307C}</a:tableStyleId>
-              </a:tblPr>
-              <a:tblGrid>
-                <a:gridCol w="488579"/>
-                <a:gridCol w="3074895"/>
-                <a:gridCol w="493058"/>
-                <a:gridCol w="3155577"/>
-                <a:gridCol w="466165"/>
-                <a:gridCol w="3980330"/>
-              </a:tblGrid>
-              <a:tr h="385016">
-                <a:tc>
-                  <a:txBody>
-                    <a:bodyPr/>
-                    <a:lstStyle/>
-                    <a:p>
-                      <a:r>
-                        <a:rPr lang="es-MX" sz="1000" dirty="0" smtClean="0"/>
-                        <a:t>H201 </a:t>
-                      </a:r>
-                      <a:endParaRPr lang="es-MX" sz="1000" b="1" dirty="0">
-                        <a:solidFill>
-                          <a:schemeClr val="accent2">
-                            <a:lumMod val="50000"/>
-                          </a:schemeClr>
-                        </a:solidFill>
-                      </a:endParaRPr>
-                    </a:p>
-                  </a:txBody>
-                  <a:tcPr anchor="ctr"/>
-                </a:tc>
-                <a:tc>
-                  <a:txBody>
-                    <a:bodyPr/>
-                    <a:lstStyle/>
-                    <a:p>
-                      <a:pPr marL="0" algn="l" defTabSz="914400" rtl="0" eaLnBrk="1" latinLnBrk="0" hangingPunct="1"/>
-                      <a:r>
-                        <a:rPr lang="es-MX" sz="1000" kern="1200" dirty="0" smtClean="0">
-                          <a:solidFill>
-                            <a:schemeClr val="tx1"/>
-                          </a:solidFill>
-                          <a:latin typeface="+mn-lt"/>
-                          <a:ea typeface="+mn-ea"/>
-                          <a:cs typeface="+mn-cs"/>
-                        </a:rPr>
-                        <a:t>Comprensión de problemas matemáticos contextualizados</a:t>
-                      </a:r>
-                      <a:endParaRPr lang="es-MX" sz="1000" kern="1200" dirty="0">
-                        <a:solidFill>
-                          <a:schemeClr val="tx1"/>
-                        </a:solidFill>
-                        <a:latin typeface="+mn-lt"/>
-                        <a:ea typeface="+mn-ea"/>
-                        <a:cs typeface="+mn-cs"/>
-                      </a:endParaRPr>
-                    </a:p>
-                  </a:txBody>
-                  <a:tcPr anchor="ctr"/>
-                </a:tc>
-                <a:tc>
-                  <a:txBody>
-                    <a:bodyPr/>
-                    <a:lstStyle/>
-                    <a:p>
-                      <a:pPr marL="0" algn="l" defTabSz="914400" rtl="0" eaLnBrk="1" latinLnBrk="0" hangingPunct="1"/>
-                      <a:r>
-                        <a:rPr lang="es-MX" sz="1000" kern="1200" dirty="0" smtClean="0">
-                          <a:solidFill>
-                            <a:schemeClr val="tx1"/>
-                          </a:solidFill>
-                          <a:latin typeface="+mn-lt"/>
-                          <a:ea typeface="+mn-ea"/>
-                          <a:cs typeface="+mn-cs"/>
-                        </a:rPr>
-                        <a:t>H205</a:t>
-                      </a:r>
-                      <a:endParaRPr lang="es-MX" sz="1000" kern="1200" dirty="0">
-                        <a:solidFill>
-                          <a:schemeClr val="tx1"/>
-                        </a:solidFill>
-                        <a:latin typeface="+mn-lt"/>
-                        <a:ea typeface="+mn-ea"/>
-                        <a:cs typeface="+mn-cs"/>
-                      </a:endParaRPr>
-                    </a:p>
-                  </a:txBody>
-                  <a:tcPr anchor="ctr"/>
-                </a:tc>
-                <a:tc>
-                  <a:txBody>
-                    <a:bodyPr/>
-                    <a:lstStyle/>
-                    <a:p>
-                      <a:pPr marL="0" algn="l" defTabSz="914400" rtl="0" eaLnBrk="1" latinLnBrk="0" hangingPunct="1"/>
-                      <a:r>
-                        <a:rPr lang="es-MX" sz="1000" kern="1200" dirty="0" smtClean="0">
-                          <a:solidFill>
-                            <a:schemeClr val="tx1"/>
-                          </a:solidFill>
-                          <a:latin typeface="+mn-lt"/>
-                          <a:ea typeface="+mn-ea"/>
-                          <a:cs typeface="+mn-cs"/>
-                        </a:rPr>
-                        <a:t>Aplicación de operaciones aritméticas básicas</a:t>
-                      </a:r>
-                      <a:endParaRPr lang="es-MX" sz="1000" kern="1200" dirty="0">
-                        <a:solidFill>
-                          <a:schemeClr val="tx1"/>
-                        </a:solidFill>
-                        <a:latin typeface="+mn-lt"/>
-                        <a:ea typeface="+mn-ea"/>
-                        <a:cs typeface="+mn-cs"/>
-                      </a:endParaRPr>
-                    </a:p>
-                  </a:txBody>
-                  <a:tcPr anchor="ctr"/>
-                </a:tc>
-                <a:tc>
-                  <a:txBody>
-                    <a:bodyPr/>
-                    <a:lstStyle/>
-                    <a:p>
-                      <a:pPr marL="0" algn="l" defTabSz="914400" rtl="0" eaLnBrk="1" latinLnBrk="0" hangingPunct="1"/>
-                      <a:r>
-                        <a:rPr lang="es-MX" sz="1000" kern="1200" dirty="0" smtClean="0">
-                          <a:solidFill>
-                            <a:schemeClr val="tx1"/>
-                          </a:solidFill>
-                          <a:latin typeface="+mn-lt"/>
-                          <a:ea typeface="+mn-ea"/>
-                          <a:cs typeface="+mn-cs"/>
-                        </a:rPr>
-                        <a:t>H209</a:t>
-                      </a:r>
-                      <a:endParaRPr lang="es-MX" sz="1000" kern="1200" dirty="0">
-                        <a:solidFill>
-                          <a:schemeClr val="tx1"/>
-                        </a:solidFill>
-                        <a:latin typeface="+mn-lt"/>
-                        <a:ea typeface="+mn-ea"/>
-                        <a:cs typeface="+mn-cs"/>
-                      </a:endParaRPr>
-                    </a:p>
-                  </a:txBody>
-                  <a:tcPr anchor="ctr"/>
-                </a:tc>
-                <a:tc>
-                  <a:txBody>
-                    <a:bodyPr/>
-                    <a:lstStyle/>
-                    <a:p>
-                      <a:pPr marL="0" algn="l" defTabSz="914400" rtl="0" eaLnBrk="1" latinLnBrk="0" hangingPunct="1"/>
-                      <a:r>
-                        <a:rPr lang="es-MX" sz="1000" kern="1200" dirty="0" smtClean="0">
-                          <a:solidFill>
-                            <a:schemeClr val="tx1"/>
-                          </a:solidFill>
-                          <a:latin typeface="+mn-lt"/>
-                          <a:ea typeface="+mn-ea"/>
-                          <a:cs typeface="+mn-cs"/>
-                        </a:rPr>
-                        <a:t>Comparación de razones con cantidades discretas </a:t>
-                      </a:r>
-                      <a:endParaRPr lang="es-MX" sz="1000" kern="1200" dirty="0">
-                        <a:solidFill>
-                          <a:schemeClr val="tx1"/>
-                        </a:solidFill>
-                        <a:latin typeface="+mn-lt"/>
-                        <a:ea typeface="+mn-ea"/>
-                        <a:cs typeface="+mn-cs"/>
-                      </a:endParaRPr>
-                    </a:p>
-                  </a:txBody>
-                  <a:tcPr anchor="ctr"/>
-                </a:tc>
-              </a:tr>
-              <a:tr h="347364">
-                <a:tc>
-                  <a:txBody>
-                    <a:bodyPr/>
-                    <a:lstStyle/>
-                    <a:p>
-                      <a:r>
-                        <a:rPr lang="es-MX" sz="1000" dirty="0" smtClean="0"/>
-                        <a:t>H202</a:t>
-                      </a:r>
-                      <a:endParaRPr lang="es-MX" sz="1000" b="1" dirty="0">
-                        <a:solidFill>
-                          <a:schemeClr val="accent2">
-                            <a:lumMod val="50000"/>
-                          </a:schemeClr>
-                        </a:solidFill>
-                      </a:endParaRPr>
-                    </a:p>
-                  </a:txBody>
-                  <a:tcPr anchor="ctr"/>
-                </a:tc>
-                <a:tc>
-                  <a:txBody>
-                    <a:bodyPr/>
-                    <a:lstStyle/>
-                    <a:p>
-                      <a:pPr marL="0" algn="l" defTabSz="914400" rtl="0" eaLnBrk="1" latinLnBrk="0" hangingPunct="1"/>
-                      <a:r>
-                        <a:rPr lang="es-MX" sz="1000" kern="1200" dirty="0" smtClean="0">
-                          <a:solidFill>
-                            <a:schemeClr val="tx1"/>
-                          </a:solidFill>
-                          <a:latin typeface="+mn-lt"/>
-                          <a:ea typeface="+mn-ea"/>
-                          <a:cs typeface="+mn-cs"/>
-                        </a:rPr>
-                        <a:t>Comparación de la proporcionalidad de razones </a:t>
-                      </a:r>
-                      <a:endParaRPr lang="es-MX" sz="1000" kern="1200" dirty="0">
-                        <a:solidFill>
-                          <a:schemeClr val="tx1"/>
-                        </a:solidFill>
-                        <a:latin typeface="+mn-lt"/>
-                        <a:ea typeface="+mn-ea"/>
-                        <a:cs typeface="+mn-cs"/>
-                      </a:endParaRPr>
-                    </a:p>
-                  </a:txBody>
-                  <a:tcPr anchor="ctr"/>
-                </a:tc>
-                <a:tc>
-                  <a:txBody>
-                    <a:bodyPr/>
-                    <a:lstStyle/>
-                    <a:p>
-                      <a:pPr marL="0" algn="l" defTabSz="914400" rtl="0" eaLnBrk="1" latinLnBrk="0" hangingPunct="1"/>
-                      <a:r>
-                        <a:rPr lang="es-MX" sz="1000" kern="1200" dirty="0" smtClean="0">
-                          <a:solidFill>
-                            <a:schemeClr val="tx1"/>
-                          </a:solidFill>
-                          <a:latin typeface="+mn-lt"/>
-                          <a:ea typeface="+mn-ea"/>
-                          <a:cs typeface="+mn-cs"/>
-                        </a:rPr>
-                        <a:t>H206</a:t>
-                      </a:r>
-                      <a:endParaRPr lang="es-MX" sz="1000" kern="1200" dirty="0">
-                        <a:solidFill>
-                          <a:schemeClr val="tx1"/>
-                        </a:solidFill>
-                        <a:latin typeface="+mn-lt"/>
-                        <a:ea typeface="+mn-ea"/>
-                        <a:cs typeface="+mn-cs"/>
-                      </a:endParaRPr>
-                    </a:p>
-                  </a:txBody>
-                  <a:tcPr anchor="ctr"/>
-                </a:tc>
-                <a:tc>
-                  <a:txBody>
-                    <a:bodyPr/>
-                    <a:lstStyle/>
-                    <a:p>
-                      <a:pPr marL="0" algn="l" defTabSz="914400" rtl="0" eaLnBrk="1" latinLnBrk="0" hangingPunct="1"/>
-                      <a:r>
-                        <a:rPr lang="es-MX" sz="1000" kern="1200" dirty="0" smtClean="0">
-                          <a:solidFill>
-                            <a:schemeClr val="tx1"/>
-                          </a:solidFill>
-                          <a:latin typeface="+mn-lt"/>
-                          <a:ea typeface="+mn-ea"/>
-                          <a:cs typeface="+mn-cs"/>
-                        </a:rPr>
-                        <a:t>Representación de datos numéricos en gráficas de barras</a:t>
-                      </a:r>
-                      <a:endParaRPr lang="es-MX" sz="1000" kern="1200" dirty="0">
-                        <a:solidFill>
-                          <a:schemeClr val="tx1"/>
-                        </a:solidFill>
-                        <a:latin typeface="+mn-lt"/>
-                        <a:ea typeface="+mn-ea"/>
-                        <a:cs typeface="+mn-cs"/>
-                      </a:endParaRPr>
-                    </a:p>
-                  </a:txBody>
-                  <a:tcPr anchor="ctr"/>
-                </a:tc>
-                <a:tc>
-                  <a:txBody>
-                    <a:bodyPr/>
-                    <a:lstStyle/>
-                    <a:p>
-                      <a:pPr marL="0" algn="l" defTabSz="914400" rtl="0" eaLnBrk="1" latinLnBrk="0" hangingPunct="1"/>
-                      <a:r>
-                        <a:rPr lang="es-MX" sz="1000" kern="1200" dirty="0" smtClean="0">
-                          <a:solidFill>
-                            <a:schemeClr val="tx1"/>
-                          </a:solidFill>
-                          <a:latin typeface="+mn-lt"/>
-                          <a:ea typeface="+mn-ea"/>
-                          <a:cs typeface="+mn-cs"/>
-                        </a:rPr>
-                        <a:t>H210</a:t>
-                      </a:r>
-                      <a:endParaRPr lang="es-MX" sz="1000" kern="1200" dirty="0">
-                        <a:solidFill>
-                          <a:schemeClr val="tx1"/>
-                        </a:solidFill>
-                        <a:latin typeface="+mn-lt"/>
-                        <a:ea typeface="+mn-ea"/>
-                        <a:cs typeface="+mn-cs"/>
-                      </a:endParaRPr>
-                    </a:p>
-                  </a:txBody>
-                  <a:tcPr anchor="ctr"/>
-                </a:tc>
-                <a:tc>
-                  <a:txBody>
-                    <a:bodyPr/>
-                    <a:lstStyle/>
-                    <a:p>
-                      <a:pPr marL="0" algn="l" defTabSz="914400" rtl="0" eaLnBrk="1" latinLnBrk="0" hangingPunct="1"/>
-                      <a:r>
-                        <a:rPr lang="es-MX" sz="1000" kern="1200" dirty="0" smtClean="0">
-                          <a:solidFill>
-                            <a:schemeClr val="tx1"/>
-                          </a:solidFill>
-                          <a:latin typeface="+mn-lt"/>
-                          <a:ea typeface="+mn-ea"/>
-                          <a:cs typeface="+mn-cs"/>
-                        </a:rPr>
-                        <a:t>Representación de un número fraccionario </a:t>
-                      </a:r>
-                      <a:endParaRPr lang="es-MX" sz="1000" kern="1200" dirty="0">
-                        <a:solidFill>
-                          <a:schemeClr val="tx1"/>
-                        </a:solidFill>
-                        <a:latin typeface="+mn-lt"/>
-                        <a:ea typeface="+mn-ea"/>
-                        <a:cs typeface="+mn-cs"/>
-                      </a:endParaRPr>
-                    </a:p>
-                  </a:txBody>
-                  <a:tcPr anchor="ctr"/>
-                </a:tc>
-              </a:tr>
-              <a:tr h="212846">
-                <a:tc>
-                  <a:txBody>
-                    <a:bodyPr/>
-                    <a:lstStyle/>
-                    <a:p>
-                      <a:r>
-                        <a:rPr lang="es-MX" sz="1000" dirty="0" smtClean="0"/>
-                        <a:t>H203 </a:t>
-                      </a:r>
-                      <a:endParaRPr lang="es-MX" sz="1000" b="1" dirty="0">
-                        <a:solidFill>
-                          <a:srgbClr val="FF0000"/>
-                        </a:solidFill>
-                      </a:endParaRPr>
-                    </a:p>
-                  </a:txBody>
-                  <a:tcPr anchor="ctr"/>
-                </a:tc>
-                <a:tc>
-                  <a:txBody>
-                    <a:bodyPr/>
-                    <a:lstStyle/>
-                    <a:p>
-                      <a:pPr marL="0" algn="l" defTabSz="914400" rtl="0" eaLnBrk="1" latinLnBrk="0" hangingPunct="1"/>
-                      <a:r>
-                        <a:rPr lang="es-MX" sz="1000" kern="1200" dirty="0" smtClean="0">
-                          <a:solidFill>
-                            <a:schemeClr val="tx1"/>
-                          </a:solidFill>
-                          <a:latin typeface="+mn-lt"/>
-                          <a:ea typeface="+mn-ea"/>
-                          <a:cs typeface="+mn-cs"/>
-                        </a:rPr>
-                        <a:t>Representación de modelos aritméticos de la media (promedio) </a:t>
-                      </a:r>
-                      <a:endParaRPr lang="es-MX" sz="1000" kern="1200" dirty="0">
-                        <a:solidFill>
-                          <a:schemeClr val="tx1"/>
-                        </a:solidFill>
-                        <a:latin typeface="+mn-lt"/>
-                        <a:ea typeface="+mn-ea"/>
-                        <a:cs typeface="+mn-cs"/>
-                      </a:endParaRPr>
-                    </a:p>
-                  </a:txBody>
-                  <a:tcPr anchor="ctr"/>
-                </a:tc>
-                <a:tc>
-                  <a:txBody>
-                    <a:bodyPr/>
-                    <a:lstStyle/>
-                    <a:p>
-                      <a:pPr marL="0" algn="l" defTabSz="914400" rtl="0" eaLnBrk="1" latinLnBrk="0" hangingPunct="1"/>
-                      <a:r>
-                        <a:rPr lang="es-MX" sz="1000" kern="1200" dirty="0" smtClean="0">
-                          <a:solidFill>
-                            <a:schemeClr val="tx1"/>
-                          </a:solidFill>
-                          <a:latin typeface="+mn-lt"/>
-                          <a:ea typeface="+mn-ea"/>
-                          <a:cs typeface="+mn-cs"/>
-                        </a:rPr>
-                        <a:t>H207</a:t>
-                      </a:r>
-                      <a:endParaRPr lang="es-MX" sz="1000" kern="1200" dirty="0">
-                        <a:solidFill>
-                          <a:schemeClr val="tx1"/>
-                        </a:solidFill>
-                        <a:latin typeface="+mn-lt"/>
-                        <a:ea typeface="+mn-ea"/>
-                        <a:cs typeface="+mn-cs"/>
-                      </a:endParaRPr>
-                    </a:p>
-                  </a:txBody>
-                  <a:tcPr anchor="ctr"/>
-                </a:tc>
-                <a:tc>
-                  <a:txBody>
-                    <a:bodyPr/>
-                    <a:lstStyle/>
-                    <a:p>
-                      <a:pPr marL="0" algn="l" defTabSz="914400" rtl="0" eaLnBrk="1" latinLnBrk="0" hangingPunct="1"/>
-                      <a:r>
-                        <a:rPr lang="es-MX" sz="1000" kern="1200" dirty="0" smtClean="0">
-                          <a:solidFill>
-                            <a:schemeClr val="tx1"/>
-                          </a:solidFill>
-                          <a:latin typeface="+mn-lt"/>
-                          <a:ea typeface="+mn-ea"/>
-                          <a:cs typeface="+mn-cs"/>
-                        </a:rPr>
-                        <a:t>Representación del modelo de regla de tres simple</a:t>
-                      </a:r>
-                      <a:endParaRPr lang="es-MX" sz="1000" kern="1200" dirty="0">
-                        <a:solidFill>
-                          <a:schemeClr val="tx1"/>
-                        </a:solidFill>
-                        <a:latin typeface="+mn-lt"/>
-                        <a:ea typeface="+mn-ea"/>
-                        <a:cs typeface="+mn-cs"/>
-                      </a:endParaRPr>
-                    </a:p>
-                  </a:txBody>
-                  <a:tcPr anchor="ctr"/>
-                </a:tc>
-                <a:tc>
-                  <a:txBody>
-                    <a:bodyPr/>
-                    <a:lstStyle/>
-                    <a:p>
-                      <a:pPr marL="0" algn="l" defTabSz="914400" rtl="0" eaLnBrk="1" latinLnBrk="0" hangingPunct="1"/>
-                      <a:endParaRPr lang="es-MX" sz="1000" kern="1200" dirty="0">
-                        <a:solidFill>
-                          <a:schemeClr val="tx1"/>
-                        </a:solidFill>
-                        <a:latin typeface="+mn-lt"/>
-                        <a:ea typeface="+mn-ea"/>
-                        <a:cs typeface="+mn-cs"/>
-                      </a:endParaRPr>
-                    </a:p>
-                  </a:txBody>
-                  <a:tcPr anchor="ctr"/>
-                </a:tc>
-                <a:tc>
-                  <a:txBody>
-                    <a:bodyPr/>
-                    <a:lstStyle/>
-                    <a:p>
-                      <a:pPr marL="0" algn="l" defTabSz="914400" rtl="0" eaLnBrk="1" latinLnBrk="0" hangingPunct="1"/>
-                      <a:endParaRPr lang="es-MX" sz="1000" kern="1200" dirty="0">
-                        <a:solidFill>
-                          <a:schemeClr val="tx1"/>
-                        </a:solidFill>
-                        <a:latin typeface="+mn-lt"/>
-                        <a:ea typeface="+mn-ea"/>
-                        <a:cs typeface="+mn-cs"/>
-                      </a:endParaRPr>
-                    </a:p>
-                  </a:txBody>
-                  <a:tcPr anchor="ctr"/>
-                </a:tc>
-              </a:tr>
-              <a:tr h="212846">
-                <a:tc>
-                  <a:txBody>
-                    <a:bodyPr/>
-                    <a:lstStyle/>
-                    <a:p>
-                      <a:r>
-                        <a:rPr lang="es-MX" sz="1000" dirty="0" smtClean="0"/>
-                        <a:t>H204</a:t>
-                      </a:r>
-                      <a:endParaRPr lang="es-MX" sz="1000" b="1" dirty="0">
-                        <a:solidFill>
-                          <a:srgbClr val="FF0000"/>
-                        </a:solidFill>
-                      </a:endParaRPr>
-                    </a:p>
-                  </a:txBody>
-                  <a:tcPr anchor="ctr"/>
-                </a:tc>
-                <a:tc>
-                  <a:txBody>
-                    <a:bodyPr/>
-                    <a:lstStyle/>
-                    <a:p>
-                      <a:pPr marL="0" algn="l" defTabSz="914400" rtl="0" eaLnBrk="1" latinLnBrk="0" hangingPunct="1"/>
-                      <a:r>
-                        <a:rPr lang="es-MX" sz="1000" kern="1200" dirty="0" smtClean="0">
-                          <a:solidFill>
-                            <a:schemeClr val="tx1"/>
-                          </a:solidFill>
-                          <a:latin typeface="+mn-lt"/>
-                          <a:ea typeface="+mn-ea"/>
-                          <a:cs typeface="+mn-cs"/>
-                        </a:rPr>
-                        <a:t>Representación de modelos aritméticos de la mediana </a:t>
-                      </a:r>
-                      <a:endParaRPr lang="es-MX" sz="1000" kern="1200" dirty="0">
-                        <a:solidFill>
-                          <a:schemeClr val="tx1"/>
-                        </a:solidFill>
-                        <a:latin typeface="+mn-lt"/>
-                        <a:ea typeface="+mn-ea"/>
-                        <a:cs typeface="+mn-cs"/>
-                      </a:endParaRPr>
-                    </a:p>
-                  </a:txBody>
-                  <a:tcPr anchor="ctr"/>
-                </a:tc>
-                <a:tc>
-                  <a:txBody>
-                    <a:bodyPr/>
-                    <a:lstStyle/>
-                    <a:p>
-                      <a:pPr marL="0" algn="l" defTabSz="914400" rtl="0" eaLnBrk="1" latinLnBrk="0" hangingPunct="1"/>
-                      <a:r>
-                        <a:rPr lang="es-MX" sz="1000" kern="1200" dirty="0" smtClean="0">
-                          <a:solidFill>
-                            <a:schemeClr val="tx1"/>
-                          </a:solidFill>
-                          <a:latin typeface="+mn-lt"/>
-                          <a:ea typeface="+mn-ea"/>
-                          <a:cs typeface="+mn-cs"/>
-                        </a:rPr>
-                        <a:t>H208</a:t>
-                      </a:r>
-                      <a:endParaRPr lang="es-MX" sz="1000" kern="1200" dirty="0">
-                        <a:solidFill>
-                          <a:schemeClr val="tx1"/>
-                        </a:solidFill>
-                        <a:latin typeface="+mn-lt"/>
-                        <a:ea typeface="+mn-ea"/>
-                        <a:cs typeface="+mn-cs"/>
-                      </a:endParaRPr>
-                    </a:p>
-                  </a:txBody>
-                  <a:tcPr anchor="ctr"/>
-                </a:tc>
-                <a:tc>
-                  <a:txBody>
-                    <a:bodyPr/>
-                    <a:lstStyle/>
-                    <a:p>
-                      <a:pPr marL="0" algn="l" defTabSz="914400" rtl="0" eaLnBrk="1" latinLnBrk="0" hangingPunct="1"/>
-                      <a:r>
-                        <a:rPr lang="es-MX" sz="1000" kern="1200" dirty="0" smtClean="0">
-                          <a:solidFill>
-                            <a:schemeClr val="tx1"/>
-                          </a:solidFill>
-                          <a:latin typeface="+mn-lt"/>
-                          <a:ea typeface="+mn-ea"/>
-                          <a:cs typeface="+mn-cs"/>
-                        </a:rPr>
-                        <a:t>Comprensión de la relación entre porcentajes y fracciones </a:t>
-                      </a:r>
-                      <a:endParaRPr lang="es-MX" sz="1000" kern="1200" dirty="0">
-                        <a:solidFill>
-                          <a:schemeClr val="tx1"/>
-                        </a:solidFill>
-                        <a:latin typeface="+mn-lt"/>
-                        <a:ea typeface="+mn-ea"/>
-                        <a:cs typeface="+mn-cs"/>
-                      </a:endParaRPr>
-                    </a:p>
-                  </a:txBody>
-                  <a:tcPr anchor="ctr"/>
-                </a:tc>
-                <a:tc>
-                  <a:txBody>
-                    <a:bodyPr/>
-                    <a:lstStyle/>
-                    <a:p>
-                      <a:pPr marL="0" algn="l" defTabSz="914400" rtl="0" eaLnBrk="1" latinLnBrk="0" hangingPunct="1"/>
-                      <a:endParaRPr lang="es-MX" sz="1000" kern="1200" dirty="0">
-                        <a:solidFill>
-                          <a:schemeClr val="tx1"/>
-                        </a:solidFill>
-                        <a:latin typeface="+mn-lt"/>
-                        <a:ea typeface="+mn-ea"/>
-                        <a:cs typeface="+mn-cs"/>
-                      </a:endParaRPr>
-                    </a:p>
-                  </a:txBody>
-                  <a:tcPr anchor="ctr"/>
-                </a:tc>
-                <a:tc>
-                  <a:txBody>
-                    <a:bodyPr/>
-                    <a:lstStyle/>
-                    <a:p>
-                      <a:pPr marL="0" algn="l" defTabSz="914400" rtl="0" eaLnBrk="1" latinLnBrk="0" hangingPunct="1"/>
-                      <a:endParaRPr lang="es-MX" sz="1000" kern="1200" dirty="0">
-                        <a:solidFill>
-                          <a:schemeClr val="tx1"/>
-                        </a:solidFill>
-                        <a:latin typeface="+mn-lt"/>
-                        <a:ea typeface="+mn-ea"/>
-                        <a:cs typeface="+mn-cs"/>
-                      </a:endParaRPr>
-                    </a:p>
-                  </a:txBody>
-                  <a:tcPr anchor="ctr"/>
-                </a:tc>
-              </a:tr>
-            </a:tbl>
-          </a:graphicData>
-        </a:graphic>
-      </p:graphicFrame>
-    </p:spTree>
-    <p:extLst>
-      <p:ext uri="{BB962C8B-B14F-4D97-AF65-F5344CB8AC3E}">
-        <p14:creationId xmlns:p14="http://schemas.microsoft.com/office/powerpoint/2010/main" val="4030638885"/>
-      </p:ext>
-    </p:extLst>
-  </p:cSld>
-  <p:clrMapOvr>
-    <a:masterClrMapping/>
-  </p:clrMapOvr>
-  <p:timing>
-    <p:tnLst>
-      <p:par>
-        <p:cTn id="1" dur="indefinite" restart="never" nodeType="tmRoot"/>
-      </p:par>
-    </p:tnLst>
-  </p:timing>
-</p:sld>
-</file>
-
-<file path=ppt/slides/slide17.xml><?xml version="1.0" encoding="utf-8"?>
-<p:sld xmlns:a="http://schemas.openxmlformats.org/drawingml/2006/main" xmlns:r="http://schemas.openxmlformats.org/officeDocument/2006/relationships" xmlns:p="http://schemas.openxmlformats.org/presentationml/2006/main">
-  <p:cSld>
-    <p:spTree>
-      <p:nvGrpSpPr>
-        <p:cNvPr id="1" name=""/>
-        <p:cNvGrpSpPr/>
-        <p:nvPr/>
-      </p:nvGrpSpPr>
-      <p:grpSpPr>
-        <a:xfrm>
-          <a:off x="0" y="0"/>
-          <a:ext cx="0" cy="0"/>
-          <a:chOff x="0" y="0"/>
-          <a:chExt cx="0" cy="0"/>
-        </a:xfrm>
-      </p:grpSpPr>
-      <p:sp>
-        <p:nvSpPr>
-          <p:cNvPr id="2" name="Título 1"/>
-          <p:cNvSpPr>
-            <a:spLocks noGrp="1"/>
-          </p:cNvSpPr>
-          <p:nvPr>
-            <p:ph type="title"/>
-          </p:nvPr>
-        </p:nvSpPr>
-        <p:spPr/>
-        <p:txBody>
-          <a:bodyPr/>
-          <a:lstStyle/>
-          <a:p>
-            <a:r>
-              <a:rPr lang="es-MX" dirty="0" smtClean="0"/>
-              <a:t/>
-            </a:r>
-            <a:br>
-              <a:rPr lang="es-MX" dirty="0" smtClean="0"/>
-            </a:br>
-            <a:endParaRPr lang="es-MX" dirty="0"/>
-          </a:p>
-        </p:txBody>
-      </p:sp>
-      <p:sp>
-        <p:nvSpPr>
-          <p:cNvPr id="3" name="Marcador de contenido 2"/>
-          <p:cNvSpPr>
-            <a:spLocks noGrp="1"/>
-          </p:cNvSpPr>
-          <p:nvPr>
-            <p:ph idx="1"/>
-          </p:nvPr>
-        </p:nvSpPr>
-        <p:spPr/>
-        <p:txBody>
-          <a:bodyPr/>
-          <a:lstStyle/>
-          <a:p>
-            <a:endParaRPr lang="es-MX" dirty="0" smtClean="0"/>
-          </a:p>
-          <a:p>
-            <a:endParaRPr lang="es-MX" dirty="0"/>
-          </a:p>
-        </p:txBody>
-      </p:sp>
-      <p:graphicFrame>
-        <p:nvGraphicFramePr>
-          <p:cNvPr id="10" name="Tabla 9"/>
-          <p:cNvGraphicFramePr>
-            <a:graphicFrameLocks noGrp="1"/>
-          </p:cNvGraphicFramePr>
-          <p:nvPr>
-            <p:extLst>
-              <p:ext uri="{D42A27DB-BD31-4B8C-83A1-F6EECF244321}">
-                <p14:modId xmlns:p14="http://schemas.microsoft.com/office/powerpoint/2010/main" val="2996388588"/>
-              </p:ext>
-            </p:extLst>
-          </p:nvPr>
-        </p:nvGraphicFramePr>
-        <p:xfrm>
-          <a:off x="228597" y="4518678"/>
-          <a:ext cx="11658604" cy="1981200"/>
-        </p:xfrm>
-        <a:graphic>
-          <a:graphicData uri="http://schemas.openxmlformats.org/drawingml/2006/table">
-            <a:tbl>
-              <a:tblPr firstRow="1" bandRow="1">
-                <a:tableStyleId>{2D5ABB26-0587-4C30-8999-92F81FD0307C}</a:tableStyleId>
-              </a:tblPr>
-              <a:tblGrid>
-                <a:gridCol w="488579"/>
-                <a:gridCol w="3074895"/>
-                <a:gridCol w="493058"/>
-                <a:gridCol w="3155577"/>
-                <a:gridCol w="466165"/>
-                <a:gridCol w="3980330"/>
-              </a:tblGrid>
-              <a:tr h="385016">
-                <a:tc>
-                  <a:txBody>
-                    <a:bodyPr/>
-                    <a:lstStyle/>
-                    <a:p>
-                      <a:r>
-                        <a:rPr lang="es-MX" sz="1000" u="none" dirty="0" smtClean="0"/>
-                        <a:t>H301 </a:t>
-                      </a:r>
-                      <a:endParaRPr lang="es-MX" sz="1000" b="1" i="0" u="none" dirty="0">
-                        <a:solidFill>
-                          <a:srgbClr val="00B050"/>
-                        </a:solidFill>
-                      </a:endParaRPr>
-                    </a:p>
-                  </a:txBody>
-                  <a:tcPr anchor="ctr"/>
-                </a:tc>
-                <a:tc>
-                  <a:txBody>
-                    <a:bodyPr/>
-                    <a:lstStyle/>
-                    <a:p>
-                      <a:pPr marL="0" algn="l" defTabSz="914400" rtl="0" eaLnBrk="1" latinLnBrk="0" hangingPunct="1"/>
-                      <a:r>
-                        <a:rPr lang="es-MX" sz="1000" u="none" kern="1200" dirty="0" smtClean="0">
-                          <a:solidFill>
-                            <a:schemeClr val="tx1"/>
-                          </a:solidFill>
-                          <a:latin typeface="+mn-lt"/>
-                          <a:ea typeface="+mn-ea"/>
-                          <a:cs typeface="+mn-cs"/>
-                        </a:rPr>
-                        <a:t>Comprensión de problemas matemáticos contextualizados</a:t>
-                      </a:r>
-                      <a:endParaRPr lang="es-MX" sz="1000" u="none" kern="1200" dirty="0">
-                        <a:solidFill>
-                          <a:schemeClr val="tx1"/>
-                        </a:solidFill>
-                        <a:latin typeface="+mn-lt"/>
-                        <a:ea typeface="+mn-ea"/>
-                        <a:cs typeface="+mn-cs"/>
-                      </a:endParaRPr>
-                    </a:p>
-                  </a:txBody>
-                  <a:tcPr anchor="ctr"/>
-                </a:tc>
-                <a:tc>
-                  <a:txBody>
-                    <a:bodyPr/>
-                    <a:lstStyle/>
-                    <a:p>
-                      <a:pPr marL="0" algn="l" defTabSz="914400" rtl="0" eaLnBrk="1" latinLnBrk="0" hangingPunct="1"/>
-                      <a:r>
-                        <a:rPr lang="es-MX" sz="1000" u="none" kern="1200" dirty="0" smtClean="0">
-                          <a:solidFill>
-                            <a:schemeClr val="tx1"/>
-                          </a:solidFill>
-                          <a:latin typeface="+mn-lt"/>
-                          <a:ea typeface="+mn-ea"/>
-                          <a:cs typeface="+mn-cs"/>
-                        </a:rPr>
-                        <a:t>H306</a:t>
-                      </a:r>
-                      <a:endParaRPr lang="es-MX" sz="1000" u="none" kern="1200" dirty="0">
-                        <a:solidFill>
-                          <a:schemeClr val="tx1"/>
-                        </a:solidFill>
-                        <a:latin typeface="+mn-lt"/>
-                        <a:ea typeface="+mn-ea"/>
-                        <a:cs typeface="+mn-cs"/>
-                      </a:endParaRPr>
-                    </a:p>
-                  </a:txBody>
-                  <a:tcPr anchor="ctr"/>
-                </a:tc>
-                <a:tc>
-                  <a:txBody>
-                    <a:bodyPr/>
-                    <a:lstStyle/>
-                    <a:p>
-                      <a:pPr marL="0" algn="l" defTabSz="914400" rtl="0" eaLnBrk="1" latinLnBrk="0" hangingPunct="1"/>
-                      <a:r>
-                        <a:rPr lang="es-MX" sz="1000" u="none" kern="1200" dirty="0" smtClean="0">
-                          <a:solidFill>
-                            <a:schemeClr val="tx1"/>
-                          </a:solidFill>
-                          <a:latin typeface="+mn-lt"/>
-                          <a:ea typeface="+mn-ea"/>
-                          <a:cs typeface="+mn-cs"/>
-                        </a:rPr>
-                        <a:t>Representación del modelo aritmético de la división </a:t>
-                      </a:r>
-                      <a:endParaRPr lang="es-MX" sz="1000" u="none" kern="1200" dirty="0">
-                        <a:solidFill>
-                          <a:schemeClr val="tx1"/>
-                        </a:solidFill>
-                        <a:latin typeface="+mn-lt"/>
-                        <a:ea typeface="+mn-ea"/>
-                        <a:cs typeface="+mn-cs"/>
-                      </a:endParaRPr>
-                    </a:p>
-                  </a:txBody>
-                  <a:tcPr anchor="ctr"/>
-                </a:tc>
-                <a:tc>
-                  <a:txBody>
-                    <a:bodyPr/>
-                    <a:lstStyle/>
-                    <a:p>
-                      <a:pPr marL="0" algn="l" defTabSz="914400" rtl="0" eaLnBrk="1" latinLnBrk="0" hangingPunct="1"/>
-                      <a:r>
-                        <a:rPr lang="es-MX" sz="1000" u="none" kern="1200" dirty="0" smtClean="0">
-                          <a:solidFill>
-                            <a:schemeClr val="tx1"/>
-                          </a:solidFill>
-                          <a:latin typeface="+mn-lt"/>
-                          <a:ea typeface="+mn-ea"/>
-                          <a:cs typeface="+mn-cs"/>
-                        </a:rPr>
-                        <a:t>H311</a:t>
-                      </a:r>
-                      <a:endParaRPr lang="es-MX" sz="1000" u="none" kern="1200" dirty="0">
-                        <a:solidFill>
-                          <a:schemeClr val="tx1"/>
-                        </a:solidFill>
-                        <a:latin typeface="+mn-lt"/>
-                        <a:ea typeface="+mn-ea"/>
-                        <a:cs typeface="+mn-cs"/>
-                      </a:endParaRPr>
-                    </a:p>
-                  </a:txBody>
-                  <a:tcPr anchor="ctr"/>
-                </a:tc>
-                <a:tc>
-                  <a:txBody>
-                    <a:bodyPr/>
-                    <a:lstStyle/>
-                    <a:p>
-                      <a:pPr marL="0" algn="l" defTabSz="914400" rtl="0" eaLnBrk="1" latinLnBrk="0" hangingPunct="1"/>
-                      <a:r>
-                        <a:rPr lang="es-MX" sz="1000" u="none" kern="1200" dirty="0" smtClean="0">
-                          <a:solidFill>
-                            <a:schemeClr val="tx1"/>
-                          </a:solidFill>
-                          <a:latin typeface="+mn-lt"/>
-                          <a:ea typeface="+mn-ea"/>
-                          <a:cs typeface="+mn-cs"/>
-                        </a:rPr>
-                        <a:t>Representación del modelo multiplicativo de números fraccionarios por naturales </a:t>
-                      </a:r>
-                      <a:endParaRPr lang="es-MX" sz="1000" u="none" kern="1200" dirty="0">
-                        <a:solidFill>
-                          <a:schemeClr val="tx1"/>
-                        </a:solidFill>
-                        <a:latin typeface="+mn-lt"/>
-                        <a:ea typeface="+mn-ea"/>
-                        <a:cs typeface="+mn-cs"/>
-                      </a:endParaRPr>
-                    </a:p>
-                  </a:txBody>
-                  <a:tcPr anchor="ctr"/>
-                </a:tc>
-              </a:tr>
-              <a:tr h="347364">
-                <a:tc>
-                  <a:txBody>
-                    <a:bodyPr/>
-                    <a:lstStyle/>
-                    <a:p>
-                      <a:r>
-                        <a:rPr lang="es-MX" sz="1000" u="none" dirty="0" smtClean="0"/>
-                        <a:t>H302</a:t>
-                      </a:r>
-                      <a:endParaRPr lang="es-MX" sz="1000" b="1" i="0" u="none" dirty="0">
-                        <a:solidFill>
-                          <a:srgbClr val="00B050"/>
-                        </a:solidFill>
-                      </a:endParaRPr>
-                    </a:p>
-                  </a:txBody>
-                  <a:tcPr anchor="ctr"/>
-                </a:tc>
-                <a:tc>
-                  <a:txBody>
-                    <a:bodyPr/>
-                    <a:lstStyle/>
-                    <a:p>
-                      <a:pPr marL="0" algn="l" defTabSz="914400" rtl="0" eaLnBrk="1" latinLnBrk="0" hangingPunct="1"/>
-                      <a:r>
-                        <a:rPr lang="es-MX" sz="1000" u="none" kern="1200" dirty="0" smtClean="0">
-                          <a:solidFill>
-                            <a:schemeClr val="tx1"/>
-                          </a:solidFill>
-                          <a:latin typeface="+mn-lt"/>
-                          <a:ea typeface="+mn-ea"/>
-                          <a:cs typeface="+mn-cs"/>
-                        </a:rPr>
-                        <a:t>Comprensión del Sistema Internacional de Unidades</a:t>
-                      </a:r>
-                      <a:endParaRPr lang="es-MX" sz="1000" u="none" kern="1200" dirty="0">
-                        <a:solidFill>
-                          <a:schemeClr val="tx1"/>
-                        </a:solidFill>
-                        <a:latin typeface="+mn-lt"/>
-                        <a:ea typeface="+mn-ea"/>
-                        <a:cs typeface="+mn-cs"/>
-                      </a:endParaRPr>
-                    </a:p>
-                  </a:txBody>
-                  <a:tcPr anchor="ctr"/>
-                </a:tc>
-                <a:tc>
-                  <a:txBody>
-                    <a:bodyPr/>
-                    <a:lstStyle/>
-                    <a:p>
-                      <a:pPr marL="0" algn="l" defTabSz="914400" rtl="0" eaLnBrk="1" latinLnBrk="0" hangingPunct="1"/>
-                      <a:r>
-                        <a:rPr lang="es-MX" sz="1000" u="none" kern="1200" dirty="0" smtClean="0">
-                          <a:solidFill>
-                            <a:schemeClr val="tx1"/>
-                          </a:solidFill>
-                          <a:latin typeface="+mn-lt"/>
-                          <a:ea typeface="+mn-ea"/>
-                          <a:cs typeface="+mn-cs"/>
-                        </a:rPr>
-                        <a:t>H307</a:t>
-                      </a:r>
-                      <a:endParaRPr lang="es-MX" sz="1000" u="none" kern="1200" dirty="0">
-                        <a:solidFill>
-                          <a:schemeClr val="tx1"/>
-                        </a:solidFill>
-                        <a:latin typeface="+mn-lt"/>
-                        <a:ea typeface="+mn-ea"/>
-                        <a:cs typeface="+mn-cs"/>
-                      </a:endParaRPr>
-                    </a:p>
-                  </a:txBody>
-                  <a:tcPr anchor="ctr"/>
-                </a:tc>
-                <a:tc>
-                  <a:txBody>
-                    <a:bodyPr/>
-                    <a:lstStyle/>
-                    <a:p>
-                      <a:pPr marL="0" algn="l" defTabSz="914400" rtl="0" eaLnBrk="1" latinLnBrk="0" hangingPunct="1"/>
-                      <a:r>
-                        <a:rPr lang="es-MX" sz="1000" u="none" kern="1200" dirty="0" smtClean="0">
-                          <a:solidFill>
-                            <a:schemeClr val="tx1"/>
-                          </a:solidFill>
-                          <a:latin typeface="+mn-lt"/>
-                          <a:ea typeface="+mn-ea"/>
-                          <a:cs typeface="+mn-cs"/>
-                        </a:rPr>
-                        <a:t>Representación de números fraccionarios</a:t>
-                      </a:r>
-                      <a:endParaRPr lang="es-MX" sz="1000" u="none" kern="1200" dirty="0">
-                        <a:solidFill>
-                          <a:schemeClr val="tx1"/>
-                        </a:solidFill>
-                        <a:latin typeface="+mn-lt"/>
-                        <a:ea typeface="+mn-ea"/>
-                        <a:cs typeface="+mn-cs"/>
-                      </a:endParaRPr>
-                    </a:p>
-                  </a:txBody>
-                  <a:tcPr anchor="ctr"/>
-                </a:tc>
-                <a:tc>
-                  <a:txBody>
-                    <a:bodyPr/>
-                    <a:lstStyle/>
-                    <a:p>
-                      <a:pPr marL="0" algn="l" defTabSz="914400" rtl="0" eaLnBrk="1" latinLnBrk="0" hangingPunct="1"/>
-                      <a:r>
-                        <a:rPr lang="es-MX" sz="1000" u="none" kern="1200" dirty="0" smtClean="0">
-                          <a:solidFill>
-                            <a:schemeClr val="tx1"/>
-                          </a:solidFill>
-                          <a:latin typeface="+mn-lt"/>
-                          <a:ea typeface="+mn-ea"/>
-                          <a:cs typeface="+mn-cs"/>
-                        </a:rPr>
-                        <a:t>H312</a:t>
-                      </a:r>
-                      <a:endParaRPr lang="es-MX" sz="1000" u="none" kern="1200" dirty="0">
-                        <a:solidFill>
-                          <a:schemeClr val="tx1"/>
-                        </a:solidFill>
-                        <a:latin typeface="+mn-lt"/>
-                        <a:ea typeface="+mn-ea"/>
-                        <a:cs typeface="+mn-cs"/>
-                      </a:endParaRPr>
-                    </a:p>
-                  </a:txBody>
-                  <a:tcPr anchor="ctr"/>
-                </a:tc>
-                <a:tc>
-                  <a:txBody>
-                    <a:bodyPr/>
-                    <a:lstStyle/>
-                    <a:p>
-                      <a:pPr marL="0" algn="l" defTabSz="914400" rtl="0" eaLnBrk="1" latinLnBrk="0" hangingPunct="1"/>
-                      <a:r>
-                        <a:rPr lang="es-MX" sz="1000" u="none" kern="1200" dirty="0" smtClean="0">
-                          <a:solidFill>
-                            <a:schemeClr val="tx1"/>
-                          </a:solidFill>
-                          <a:latin typeface="+mn-lt"/>
-                          <a:ea typeface="+mn-ea"/>
-                          <a:cs typeface="+mn-cs"/>
-                        </a:rPr>
-                        <a:t>Conversión de una regla verbal de progresión geométrica ascendente a sucesión numérica </a:t>
-                      </a:r>
-                      <a:endParaRPr lang="es-MX" sz="1000" u="none" kern="1200" dirty="0">
-                        <a:solidFill>
-                          <a:schemeClr val="tx1"/>
-                        </a:solidFill>
-                        <a:latin typeface="+mn-lt"/>
-                        <a:ea typeface="+mn-ea"/>
-                        <a:cs typeface="+mn-cs"/>
-                      </a:endParaRPr>
-                    </a:p>
-                  </a:txBody>
-                  <a:tcPr anchor="ctr"/>
-                </a:tc>
-              </a:tr>
-              <a:tr h="212846">
-                <a:tc>
-                  <a:txBody>
-                    <a:bodyPr/>
-                    <a:lstStyle/>
-                    <a:p>
-                      <a:r>
-                        <a:rPr lang="es-MX" sz="1000" u="none" dirty="0" smtClean="0"/>
-                        <a:t>H303 </a:t>
-                      </a:r>
-                      <a:endParaRPr lang="es-MX" sz="1000" b="1" i="0" u="none" dirty="0">
-                        <a:solidFill>
-                          <a:srgbClr val="00B050"/>
-                        </a:solidFill>
-                      </a:endParaRPr>
-                    </a:p>
-                  </a:txBody>
-                  <a:tcPr anchor="ctr"/>
-                </a:tc>
-                <a:tc>
-                  <a:txBody>
-                    <a:bodyPr/>
-                    <a:lstStyle/>
-                    <a:p>
-                      <a:pPr marL="0" algn="l" defTabSz="914400" rtl="0" eaLnBrk="1" latinLnBrk="0" hangingPunct="1"/>
-                      <a:r>
-                        <a:rPr lang="es-MX" sz="1000" u="none" kern="1200" dirty="0" smtClean="0">
-                          <a:solidFill>
-                            <a:schemeClr val="tx1"/>
-                          </a:solidFill>
-                          <a:latin typeface="+mn-lt"/>
-                          <a:ea typeface="+mn-ea"/>
-                          <a:cs typeface="+mn-cs"/>
-                        </a:rPr>
-                        <a:t>Aplicación de operaciones aritméticas básicas </a:t>
-                      </a:r>
-                      <a:endParaRPr lang="es-MX" sz="1000" u="none" kern="1200" dirty="0">
-                        <a:solidFill>
-                          <a:schemeClr val="tx1"/>
-                        </a:solidFill>
-                        <a:latin typeface="+mn-lt"/>
-                        <a:ea typeface="+mn-ea"/>
-                        <a:cs typeface="+mn-cs"/>
-                      </a:endParaRPr>
-                    </a:p>
-                  </a:txBody>
-                  <a:tcPr anchor="ctr"/>
-                </a:tc>
-                <a:tc>
-                  <a:txBody>
-                    <a:bodyPr/>
-                    <a:lstStyle/>
-                    <a:p>
-                      <a:pPr marL="0" algn="l" defTabSz="914400" rtl="0" eaLnBrk="1" latinLnBrk="0" hangingPunct="1"/>
-                      <a:r>
-                        <a:rPr lang="es-MX" sz="1000" u="none" kern="1200" dirty="0" smtClean="0">
-                          <a:solidFill>
-                            <a:schemeClr val="tx1"/>
-                          </a:solidFill>
-                          <a:latin typeface="+mn-lt"/>
-                          <a:ea typeface="+mn-ea"/>
-                          <a:cs typeface="+mn-cs"/>
-                        </a:rPr>
-                        <a:t>H308</a:t>
-                      </a:r>
-                      <a:endParaRPr lang="es-MX" sz="1000" u="none" kern="1200" dirty="0">
-                        <a:solidFill>
-                          <a:schemeClr val="tx1"/>
-                        </a:solidFill>
-                        <a:latin typeface="+mn-lt"/>
-                        <a:ea typeface="+mn-ea"/>
-                        <a:cs typeface="+mn-cs"/>
-                      </a:endParaRPr>
-                    </a:p>
-                  </a:txBody>
-                  <a:tcPr anchor="ctr"/>
-                </a:tc>
-                <a:tc>
-                  <a:txBody>
-                    <a:bodyPr/>
-                    <a:lstStyle/>
-                    <a:p>
-                      <a:pPr marL="0" algn="l" defTabSz="914400" rtl="0" eaLnBrk="1" latinLnBrk="0" hangingPunct="1"/>
-                      <a:r>
-                        <a:rPr lang="es-MX" sz="1000" u="none" kern="1200" dirty="0" smtClean="0">
-                          <a:solidFill>
-                            <a:schemeClr val="tx1"/>
-                          </a:solidFill>
-                          <a:latin typeface="+mn-lt"/>
-                          <a:ea typeface="+mn-ea"/>
-                          <a:cs typeface="+mn-cs"/>
-                        </a:rPr>
-                        <a:t>Inferencia del patrón que rige una secuencia de números naturales </a:t>
-                      </a:r>
-                      <a:endParaRPr lang="es-MX" sz="1000" u="none" kern="1200" dirty="0">
-                        <a:solidFill>
-                          <a:schemeClr val="tx1"/>
-                        </a:solidFill>
-                        <a:latin typeface="+mn-lt"/>
-                        <a:ea typeface="+mn-ea"/>
-                        <a:cs typeface="+mn-cs"/>
-                      </a:endParaRPr>
-                    </a:p>
-                  </a:txBody>
-                  <a:tcPr anchor="ctr"/>
-                </a:tc>
-                <a:tc>
-                  <a:txBody>
-                    <a:bodyPr/>
-                    <a:lstStyle/>
-                    <a:p>
-                      <a:pPr marL="0" algn="l" defTabSz="914400" rtl="0" eaLnBrk="1" latinLnBrk="0" hangingPunct="1"/>
-                      <a:r>
-                        <a:rPr lang="es-MX" sz="1000" u="none" kern="1200" dirty="0" smtClean="0">
-                          <a:solidFill>
-                            <a:schemeClr val="tx1"/>
-                          </a:solidFill>
-                          <a:latin typeface="+mn-lt"/>
-                          <a:ea typeface="+mn-ea"/>
-                          <a:cs typeface="+mn-cs"/>
-                        </a:rPr>
-                        <a:t>H313</a:t>
-                      </a:r>
-                      <a:endParaRPr lang="es-MX" sz="1000" u="none" kern="1200" dirty="0">
-                        <a:solidFill>
-                          <a:schemeClr val="tx1"/>
-                        </a:solidFill>
-                        <a:latin typeface="+mn-lt"/>
-                        <a:ea typeface="+mn-ea"/>
-                        <a:cs typeface="+mn-cs"/>
-                      </a:endParaRPr>
-                    </a:p>
-                  </a:txBody>
-                  <a:tcPr anchor="ctr"/>
-                </a:tc>
-                <a:tc>
-                  <a:txBody>
-                    <a:bodyPr/>
-                    <a:lstStyle/>
-                    <a:p>
-                      <a:pPr marL="0" algn="l" defTabSz="914400" rtl="0" eaLnBrk="1" latinLnBrk="0" hangingPunct="1"/>
-                      <a:r>
-                        <a:rPr lang="es-MX" sz="1000" u="none" kern="1200" dirty="0" smtClean="0">
-                          <a:solidFill>
-                            <a:schemeClr val="tx1"/>
-                          </a:solidFill>
-                          <a:latin typeface="+mn-lt"/>
-                          <a:ea typeface="+mn-ea"/>
-                          <a:cs typeface="+mn-cs"/>
-                        </a:rPr>
-                        <a:t>Deducción del patrón de una sucesión con progresión especial </a:t>
-                      </a:r>
-                      <a:endParaRPr lang="es-MX" sz="1000" u="none" kern="1200" dirty="0">
-                        <a:solidFill>
-                          <a:schemeClr val="tx1"/>
-                        </a:solidFill>
-                        <a:latin typeface="+mn-lt"/>
-                        <a:ea typeface="+mn-ea"/>
-                        <a:cs typeface="+mn-cs"/>
-                      </a:endParaRPr>
-                    </a:p>
-                  </a:txBody>
-                  <a:tcPr anchor="ctr"/>
-                </a:tc>
-              </a:tr>
-              <a:tr h="212846">
-                <a:tc>
-                  <a:txBody>
-                    <a:bodyPr/>
-                    <a:lstStyle/>
-                    <a:p>
-                      <a:r>
-                        <a:rPr lang="es-MX" sz="1000" u="none" dirty="0" smtClean="0"/>
-                        <a:t>H304</a:t>
-                      </a:r>
-                      <a:endParaRPr lang="es-MX" sz="1000" b="1" i="0" u="none" dirty="0">
-                        <a:solidFill>
-                          <a:srgbClr val="00B050"/>
-                        </a:solidFill>
-                      </a:endParaRPr>
-                    </a:p>
-                  </a:txBody>
-                  <a:tcPr anchor="ctr"/>
-                </a:tc>
-                <a:tc>
-                  <a:txBody>
-                    <a:bodyPr/>
-                    <a:lstStyle/>
-                    <a:p>
-                      <a:pPr marL="0" algn="l" defTabSz="914400" rtl="0" eaLnBrk="1" latinLnBrk="0" hangingPunct="1"/>
-                      <a:r>
-                        <a:rPr lang="es-MX" sz="1000" u="none" kern="1200" dirty="0" smtClean="0">
-                          <a:solidFill>
-                            <a:schemeClr val="tx1"/>
-                          </a:solidFill>
-                          <a:latin typeface="+mn-lt"/>
-                          <a:ea typeface="+mn-ea"/>
-                          <a:cs typeface="+mn-cs"/>
-                        </a:rPr>
-                        <a:t>Representación de modelos aritméticos de la mediana </a:t>
-                      </a:r>
-                      <a:endParaRPr lang="es-MX" sz="1000" u="none" kern="1200" dirty="0">
-                        <a:solidFill>
-                          <a:schemeClr val="tx1"/>
-                        </a:solidFill>
-                        <a:latin typeface="+mn-lt"/>
-                        <a:ea typeface="+mn-ea"/>
-                        <a:cs typeface="+mn-cs"/>
-                      </a:endParaRPr>
-                    </a:p>
-                  </a:txBody>
-                  <a:tcPr anchor="ctr"/>
-                </a:tc>
-                <a:tc>
-                  <a:txBody>
-                    <a:bodyPr/>
-                    <a:lstStyle/>
-                    <a:p>
-                      <a:pPr marL="0" algn="l" defTabSz="914400" rtl="0" eaLnBrk="1" latinLnBrk="0" hangingPunct="1"/>
-                      <a:r>
-                        <a:rPr lang="es-MX" sz="1000" u="none" kern="1200" dirty="0" smtClean="0">
-                          <a:solidFill>
-                            <a:schemeClr val="tx1"/>
-                          </a:solidFill>
-                          <a:latin typeface="+mn-lt"/>
-                          <a:ea typeface="+mn-ea"/>
-                          <a:cs typeface="+mn-cs"/>
-                        </a:rPr>
-                        <a:t>H309</a:t>
-                      </a:r>
-                      <a:endParaRPr lang="es-MX" sz="1000" u="none" kern="1200" dirty="0">
-                        <a:solidFill>
-                          <a:schemeClr val="tx1"/>
-                        </a:solidFill>
-                        <a:latin typeface="+mn-lt"/>
-                        <a:ea typeface="+mn-ea"/>
-                        <a:cs typeface="+mn-cs"/>
-                      </a:endParaRPr>
-                    </a:p>
-                  </a:txBody>
-                  <a:tcPr anchor="ctr"/>
-                </a:tc>
-                <a:tc>
-                  <a:txBody>
-                    <a:bodyPr/>
-                    <a:lstStyle/>
-                    <a:p>
-                      <a:pPr marL="0" algn="l" defTabSz="914400" rtl="0" eaLnBrk="1" latinLnBrk="0" hangingPunct="1"/>
-                      <a:r>
-                        <a:rPr lang="es-MX" sz="1000" u="none" kern="1200" dirty="0" smtClean="0">
-                          <a:solidFill>
-                            <a:schemeClr val="tx1"/>
-                          </a:solidFill>
-                          <a:latin typeface="+mn-lt"/>
-                          <a:ea typeface="+mn-ea"/>
-                          <a:cs typeface="+mn-cs"/>
-                        </a:rPr>
-                        <a:t>Conversión de texto cardinal a números naturales y viceversa </a:t>
-                      </a:r>
-                      <a:endParaRPr lang="es-MX" sz="1000" u="none" kern="1200" dirty="0">
-                        <a:solidFill>
-                          <a:schemeClr val="tx1"/>
-                        </a:solidFill>
-                        <a:latin typeface="+mn-lt"/>
-                        <a:ea typeface="+mn-ea"/>
-                        <a:cs typeface="+mn-cs"/>
-                      </a:endParaRPr>
-                    </a:p>
-                  </a:txBody>
-                  <a:tcPr anchor="ctr"/>
-                </a:tc>
-                <a:tc>
-                  <a:txBody>
-                    <a:bodyPr/>
-                    <a:lstStyle/>
-                    <a:p>
-                      <a:pPr marL="0" algn="l" defTabSz="914400" rtl="0" eaLnBrk="1" latinLnBrk="0" hangingPunct="1"/>
-                      <a:endParaRPr lang="es-MX" sz="1000" u="none" kern="1200" dirty="0">
-                        <a:solidFill>
-                          <a:schemeClr val="tx1"/>
-                        </a:solidFill>
-                        <a:latin typeface="+mn-lt"/>
-                        <a:ea typeface="+mn-ea"/>
-                        <a:cs typeface="+mn-cs"/>
-                      </a:endParaRPr>
-                    </a:p>
-                  </a:txBody>
-                  <a:tcPr anchor="ctr"/>
-                </a:tc>
-                <a:tc>
-                  <a:txBody>
-                    <a:bodyPr/>
-                    <a:lstStyle/>
-                    <a:p>
-                      <a:pPr marL="0" algn="l" defTabSz="914400" rtl="0" eaLnBrk="1" latinLnBrk="0" hangingPunct="1"/>
-                      <a:endParaRPr lang="es-MX" sz="1000" u="none" kern="1200" dirty="0">
-                        <a:solidFill>
-                          <a:schemeClr val="tx1"/>
-                        </a:solidFill>
-                        <a:latin typeface="+mn-lt"/>
-                        <a:ea typeface="+mn-ea"/>
-                        <a:cs typeface="+mn-cs"/>
-                      </a:endParaRPr>
-                    </a:p>
-                  </a:txBody>
-                  <a:tcPr anchor="ctr"/>
-                </a:tc>
-              </a:tr>
-              <a:tr h="212846">
-                <a:tc>
-                  <a:txBody>
-                    <a:bodyPr/>
-                    <a:lstStyle/>
-                    <a:p>
-                      <a:r>
-                        <a:rPr lang="es-MX" sz="1000" u="none" dirty="0" smtClean="0"/>
-                        <a:t>H305</a:t>
-                      </a:r>
-                      <a:endParaRPr lang="es-MX" sz="1000" b="1" i="0" u="none" dirty="0">
-                        <a:solidFill>
-                          <a:srgbClr val="00B050"/>
-                        </a:solidFill>
-                      </a:endParaRPr>
-                    </a:p>
-                  </a:txBody>
-                  <a:tcPr anchor="ctr"/>
-                </a:tc>
-                <a:tc>
-                  <a:txBody>
-                    <a:bodyPr/>
-                    <a:lstStyle/>
-                    <a:p>
-                      <a:pPr marL="0" algn="l" defTabSz="914400" rtl="0" eaLnBrk="1" latinLnBrk="0" hangingPunct="1"/>
-                      <a:r>
-                        <a:rPr lang="es-MX" sz="1000" u="none" kern="1200" dirty="0" smtClean="0">
-                          <a:solidFill>
-                            <a:schemeClr val="tx1"/>
-                          </a:solidFill>
-                          <a:latin typeface="+mn-lt"/>
-                          <a:ea typeface="+mn-ea"/>
-                          <a:cs typeface="+mn-cs"/>
-                        </a:rPr>
-                        <a:t>Amplificación de fracciones (Equivalencia de fracciones por amplificación)</a:t>
-                      </a:r>
-                      <a:endParaRPr lang="es-MX" sz="1000" u="none" kern="1200" dirty="0">
-                        <a:solidFill>
-                          <a:schemeClr val="tx1"/>
-                        </a:solidFill>
-                        <a:latin typeface="+mn-lt"/>
-                        <a:ea typeface="+mn-ea"/>
-                        <a:cs typeface="+mn-cs"/>
-                      </a:endParaRPr>
-                    </a:p>
-                  </a:txBody>
-                  <a:tcPr anchor="ctr"/>
-                </a:tc>
-                <a:tc>
-                  <a:txBody>
-                    <a:bodyPr/>
-                    <a:lstStyle/>
-                    <a:p>
-                      <a:pPr marL="0" algn="l" defTabSz="914400" rtl="0" eaLnBrk="1" latinLnBrk="0" hangingPunct="1"/>
-                      <a:r>
-                        <a:rPr lang="es-MX" sz="1000" u="none" kern="1200" dirty="0" smtClean="0">
-                          <a:solidFill>
-                            <a:schemeClr val="tx1"/>
-                          </a:solidFill>
-                          <a:latin typeface="+mn-lt"/>
-                          <a:ea typeface="+mn-ea"/>
-                          <a:cs typeface="+mn-cs"/>
-                        </a:rPr>
-                        <a:t>H310</a:t>
-                      </a:r>
-                      <a:endParaRPr lang="es-MX" sz="1000" u="none" kern="1200" dirty="0">
-                        <a:solidFill>
-                          <a:schemeClr val="tx1"/>
-                        </a:solidFill>
-                        <a:latin typeface="+mn-lt"/>
-                        <a:ea typeface="+mn-ea"/>
-                        <a:cs typeface="+mn-cs"/>
-                      </a:endParaRPr>
-                    </a:p>
-                  </a:txBody>
-                  <a:tcPr anchor="ctr"/>
-                </a:tc>
-                <a:tc>
-                  <a:txBody>
-                    <a:bodyPr/>
-                    <a:lstStyle/>
-                    <a:p>
-                      <a:pPr marL="0" algn="l" defTabSz="914400" rtl="0" eaLnBrk="1" latinLnBrk="0" hangingPunct="1"/>
-                      <a:r>
-                        <a:rPr lang="es-MX" sz="1000" u="none" kern="1200" dirty="0" smtClean="0">
-                          <a:solidFill>
-                            <a:schemeClr val="tx1"/>
-                          </a:solidFill>
-                          <a:latin typeface="+mn-lt"/>
-                          <a:ea typeface="+mn-ea"/>
-                          <a:cs typeface="+mn-cs"/>
-                        </a:rPr>
-                        <a:t>Operación de valores posicionales con números naturales o decimales </a:t>
-                      </a:r>
-                      <a:endParaRPr lang="es-MX" sz="1000" u="none" kern="1200" dirty="0">
-                        <a:solidFill>
-                          <a:schemeClr val="tx1"/>
-                        </a:solidFill>
-                        <a:latin typeface="+mn-lt"/>
-                        <a:ea typeface="+mn-ea"/>
-                        <a:cs typeface="+mn-cs"/>
-                      </a:endParaRPr>
-                    </a:p>
-                  </a:txBody>
-                  <a:tcPr anchor="ctr"/>
-                </a:tc>
-                <a:tc>
-                  <a:txBody>
-                    <a:bodyPr/>
-                    <a:lstStyle/>
-                    <a:p>
-                      <a:pPr marL="0" algn="l" defTabSz="914400" rtl="0" eaLnBrk="1" latinLnBrk="0" hangingPunct="1"/>
-                      <a:endParaRPr lang="es-MX" sz="1000" u="none" kern="1200" dirty="0">
-                        <a:solidFill>
-                          <a:schemeClr val="tx1"/>
-                        </a:solidFill>
-                        <a:latin typeface="+mn-lt"/>
-                        <a:ea typeface="+mn-ea"/>
-                        <a:cs typeface="+mn-cs"/>
-                      </a:endParaRPr>
-                    </a:p>
-                  </a:txBody>
-                  <a:tcPr anchor="ctr"/>
-                </a:tc>
-                <a:tc>
-                  <a:txBody>
-                    <a:bodyPr/>
-                    <a:lstStyle/>
-                    <a:p>
-                      <a:pPr marL="0" algn="l" defTabSz="914400" rtl="0" eaLnBrk="1" latinLnBrk="0" hangingPunct="1"/>
-                      <a:endParaRPr lang="es-MX" sz="1000" u="none" kern="1200" dirty="0">
-                        <a:solidFill>
-                          <a:schemeClr val="tx1"/>
-                        </a:solidFill>
-                        <a:latin typeface="+mn-lt"/>
-                        <a:ea typeface="+mn-ea"/>
-                        <a:cs typeface="+mn-cs"/>
-                      </a:endParaRPr>
-                    </a:p>
-                  </a:txBody>
-                  <a:tcPr anchor="ctr"/>
-                </a:tc>
-              </a:tr>
-            </a:tbl>
-          </a:graphicData>
-        </a:graphic>
-      </p:graphicFrame>
-    </p:spTree>
-    <p:extLst>
-      <p:ext uri="{BB962C8B-B14F-4D97-AF65-F5344CB8AC3E}">
-        <p14:creationId xmlns:p14="http://schemas.microsoft.com/office/powerpoint/2010/main" val="186954041"/>
       </p:ext>
     </p:extLst>
   </p:cSld>
@@ -8838,30 +6257,6 @@
           </a:p>
         </p:txBody>
       </p:sp>
-      <p:pic>
-        <p:nvPicPr>
-          <p:cNvPr id="4" name="Imagen 3"/>
-          <p:cNvPicPr>
-            <a:picLocks noChangeAspect="1"/>
-          </p:cNvPicPr>
-          <p:nvPr/>
-        </p:nvPicPr>
-        <p:blipFill>
-          <a:blip r:embed="rId3"/>
-          <a:stretch>
-            <a:fillRect/>
-          </a:stretch>
-        </p:blipFill>
-        <p:spPr>
-          <a:xfrm>
-            <a:off x="2393576" y="0"/>
-            <a:ext cx="6276875" cy="4312024"/>
-          </a:xfrm>
-          <a:prstGeom prst="rect">
-            <a:avLst/>
-          </a:prstGeom>
-        </p:spPr>
-      </p:pic>
       <p:graphicFrame>
         <p:nvGraphicFramePr>
           <p:cNvPr id="6" name="Tabla 5"/>
@@ -8871,14 +6266,14 @@
           <p:nvPr>
             <p:extLst>
               <p:ext uri="{D42A27DB-BD31-4B8C-83A1-F6EECF244321}">
-                <p14:modId xmlns:p14="http://schemas.microsoft.com/office/powerpoint/2010/main" val="3267524674"/>
+                <p14:modId xmlns:p14="http://schemas.microsoft.com/office/powerpoint/2010/main" val="1015295892"/>
               </p:ext>
             </p:extLst>
           </p:nvPr>
         </p:nvGraphicFramePr>
         <p:xfrm>
-          <a:off x="228597" y="4518678"/>
-          <a:ext cx="11658604" cy="1584960"/>
+          <a:off x="129985" y="5047595"/>
+          <a:ext cx="11658604" cy="1606105"/>
         </p:xfrm>
         <a:graphic>
           <a:graphicData uri="http://schemas.openxmlformats.org/drawingml/2006/table">
@@ -8894,7 +6289,7 @@
                 <a:gridCol w="466165"/>
                 <a:gridCol w="3980330"/>
               </a:tblGrid>
-              <a:tr h="385016">
+              <a:tr h="389634">
                 <a:tc>
                   <a:txBody>
                     <a:bodyPr/>
@@ -9023,7 +6418,7 @@
                   <a:tcPr anchor="ctr"/>
                 </a:tc>
               </a:tr>
-              <a:tr h="347364">
+              <a:tr h="389634">
                 <a:tc>
                   <a:txBody>
                     <a:bodyPr/>
@@ -9146,7 +6541,7 @@
                   <a:tcPr anchor="ctr"/>
                 </a:tc>
               </a:tr>
-              <a:tr h="212846">
+              <a:tr h="389634">
                 <a:tc>
                   <a:txBody>
                     <a:bodyPr/>
@@ -9260,12 +6655,59 @@
                     <a:lstStyle/>
                     <a:p>
                       <a:r>
+                        <a:rPr lang="es-MX" sz="1000" b="0" u="none" baseline="0" dirty="0" smtClean="0">
+                          <a:solidFill>
+                            <a:schemeClr val="tx1"/>
+                          </a:solidFill>
+                        </a:rPr>
+                        <a:t>Representación del modelo aritmético para calcular el área de cuadriláteros o triángulos </a:t>
+                      </a:r>
+                      <a:endParaRPr lang="es-MX" sz="1000" b="0" u="none" dirty="0">
+                        <a:solidFill>
+                          <a:schemeClr val="tx1"/>
+                        </a:solidFill>
+                      </a:endParaRPr>
+                    </a:p>
+                  </a:txBody>
+                  <a:tcPr anchor="ctr"/>
+                </a:tc>
+              </a:tr>
+              <a:tr h="417385">
+                <a:tc>
+                  <a:txBody>
+                    <a:bodyPr/>
+                    <a:lstStyle/>
+                    <a:p>
+                      <a:r>
+                        <a:rPr lang="es-MX" sz="1000" b="1" dirty="0" smtClean="0">
+                          <a:solidFill>
+                            <a:srgbClr val="FF0000"/>
+                          </a:solidFill>
+                        </a:rPr>
+                        <a:t>H104</a:t>
+                      </a:r>
+                      <a:endParaRPr lang="es-MX" sz="1000" b="1" dirty="0">
+                        <a:solidFill>
+                          <a:srgbClr val="FF0000"/>
+                        </a:solidFill>
+                      </a:endParaRPr>
+                    </a:p>
+                  </a:txBody>
+                  <a:tcPr anchor="ctr"/>
+                </a:tc>
+                <a:tc>
+                  <a:txBody>
+                    <a:bodyPr/>
+                    <a:lstStyle/>
+                    <a:p>
+                      <a:pPr algn="l"/>
+                      <a:r>
                         <a:rPr lang="es-MX" sz="1000" b="1" u="sng" baseline="0" dirty="0" smtClean="0">
                           <a:solidFill>
                             <a:srgbClr val="FF0000"/>
                           </a:solidFill>
                         </a:rPr>
-                        <a:t>Representación del modelo aritmético para calcular el área de cuadriláteros o triángulos </a:t>
+                        <a:t>Ubicación de una coordenada en el primer cuadrante del plano artesiano</a:t>
                       </a:r>
                       <a:endParaRPr lang="es-MX" sz="1000" b="1" u="sng" dirty="0">
                         <a:solidFill>
@@ -9276,94 +6718,71 @@
                   </a:txBody>
                   <a:tcPr anchor="ctr"/>
                 </a:tc>
-              </a:tr>
-              <a:tr h="212846">
-                <a:tc>
-                  <a:txBody>
-                    <a:bodyPr/>
-                    <a:lstStyle/>
-                    <a:p>
-                      <a:r>
-                        <a:rPr lang="es-MX" sz="1000" b="1" dirty="0" smtClean="0">
-                          <a:solidFill>
-                            <a:srgbClr val="FF0000"/>
-                          </a:solidFill>
-                        </a:rPr>
-                        <a:t>H104</a:t>
-                      </a:r>
-                      <a:endParaRPr lang="es-MX" sz="1000" b="1" dirty="0">
-                        <a:solidFill>
-                          <a:srgbClr val="FF0000"/>
-                        </a:solidFill>
-                      </a:endParaRPr>
-                    </a:p>
-                  </a:txBody>
-                  <a:tcPr anchor="ctr"/>
-                </a:tc>
-                <a:tc>
-                  <a:txBody>
-                    <a:bodyPr/>
-                    <a:lstStyle/>
-                    <a:p>
-                      <a:pPr algn="l"/>
-                      <a:r>
-                        <a:rPr lang="es-MX" sz="1000" b="1" u="sng" baseline="0" dirty="0" smtClean="0">
-                          <a:solidFill>
-                            <a:srgbClr val="FF0000"/>
-                          </a:solidFill>
-                        </a:rPr>
-                        <a:t>Ubicación de una coordenada en el primer cuadrante del plano artesiano</a:t>
-                      </a:r>
-                      <a:endParaRPr lang="es-MX" sz="1000" b="1" u="sng" dirty="0">
-                        <a:solidFill>
-                          <a:srgbClr val="FF0000"/>
-                        </a:solidFill>
-                      </a:endParaRPr>
-                    </a:p>
-                  </a:txBody>
-                  <a:tcPr anchor="ctr"/>
-                </a:tc>
-                <a:tc>
-                  <a:txBody>
-                    <a:bodyPr/>
-                    <a:lstStyle/>
-                    <a:p>
-                      <a:r>
-                        <a:rPr lang="es-MX" sz="1000" b="1" dirty="0" smtClean="0">
-                          <a:solidFill>
-                            <a:srgbClr val="FF0000"/>
-                          </a:solidFill>
+                <a:tc>
+                  <a:txBody>
+                    <a:bodyPr/>
+                    <a:lstStyle/>
+                    <a:p>
+                      <a:pPr marL="0" algn="l" defTabSz="914400" rtl="0" eaLnBrk="1" latinLnBrk="0" hangingPunct="1"/>
+                      <a:r>
+                        <a:rPr lang="es-MX" sz="1000" b="1" u="none" kern="1200" baseline="0" dirty="0" smtClean="0">
+                          <a:solidFill>
+                            <a:schemeClr val="bg2">
+                              <a:lumMod val="75000"/>
+                            </a:schemeClr>
+                          </a:solidFill>
+                          <a:effectLst/>
+                          <a:latin typeface="+mn-lt"/>
+                          <a:ea typeface="+mn-ea"/>
+                          <a:cs typeface="+mn-cs"/>
                         </a:rPr>
                         <a:t>H108</a:t>
                       </a:r>
-                      <a:endParaRPr lang="es-MX" sz="1000" b="1" dirty="0">
-                        <a:solidFill>
-                          <a:srgbClr val="FF0000"/>
-                        </a:solidFill>
-                      </a:endParaRPr>
-                    </a:p>
-                  </a:txBody>
-                  <a:tcPr anchor="ctr"/>
-                </a:tc>
-                <a:tc>
-                  <a:txBody>
-                    <a:bodyPr/>
-                    <a:lstStyle/>
-                    <a:p>
-                      <a:r>
-                        <a:rPr lang="es-MX" sz="1000" b="1" u="sng" baseline="0" dirty="0" smtClean="0">
-                          <a:solidFill>
-                            <a:srgbClr val="FF0000"/>
+                      <a:endParaRPr lang="es-MX" sz="1000" b="1" u="none" kern="1200" baseline="0" dirty="0">
+                        <a:solidFill>
+                          <a:schemeClr val="bg2">
+                            <a:lumMod val="75000"/>
+                          </a:schemeClr>
+                        </a:solidFill>
+                        <a:effectLst/>
+                        <a:latin typeface="+mn-lt"/>
+                        <a:ea typeface="+mn-ea"/>
+                        <a:cs typeface="+mn-cs"/>
+                      </a:endParaRPr>
+                    </a:p>
+                  </a:txBody>
+                  <a:tcPr anchor="ctr"/>
+                </a:tc>
+                <a:tc>
+                  <a:txBody>
+                    <a:bodyPr/>
+                    <a:lstStyle/>
+                    <a:p>
+                      <a:pPr marL="0" algn="l" defTabSz="914400" rtl="0" eaLnBrk="1" latinLnBrk="0" hangingPunct="1"/>
+                      <a:r>
+                        <a:rPr lang="es-MX" sz="1000" b="1" u="none" kern="1200" baseline="0" dirty="0" smtClean="0">
+                          <a:solidFill>
+                            <a:schemeClr val="bg2">
+                              <a:lumMod val="75000"/>
+                            </a:schemeClr>
                           </a:solidFill>
                           <a:effectLst/>
+                          <a:latin typeface="+mn-lt"/>
+                          <a:ea typeface="+mn-ea"/>
+                          <a:cs typeface="+mn-cs"/>
                         </a:rPr>
                         <a:t>Identificación de las características geométricas de los cuadriláteros</a:t>
                       </a:r>
-                      <a:endParaRPr lang="es-MX" sz="1000" b="1" u="sng" dirty="0">
-                        <a:solidFill>
-                          <a:srgbClr val="FF0000"/>
+                      <a:endParaRPr lang="es-MX" sz="1000" b="1" u="none" kern="1200" baseline="0" dirty="0">
+                        <a:solidFill>
+                          <a:schemeClr val="bg2">
+                            <a:lumMod val="75000"/>
+                          </a:schemeClr>
                         </a:solidFill>
                         <a:effectLst/>
+                        <a:latin typeface="+mn-lt"/>
+                        <a:ea typeface="+mn-ea"/>
+                        <a:cs typeface="+mn-cs"/>
                       </a:endParaRPr>
                     </a:p>
                   </a:txBody>
@@ -9418,6 +6837,30 @@
           </a:graphicData>
         </a:graphic>
       </p:graphicFrame>
+      <p:pic>
+        <p:nvPicPr>
+          <p:cNvPr id="5" name="Imagen 4"/>
+          <p:cNvPicPr>
+            <a:picLocks noChangeAspect="1"/>
+          </p:cNvPicPr>
+          <p:nvPr/>
+        </p:nvPicPr>
+        <p:blipFill>
+          <a:blip r:embed="rId3"/>
+          <a:stretch>
+            <a:fillRect/>
+          </a:stretch>
+        </p:blipFill>
+        <p:spPr>
+          <a:xfrm>
+            <a:off x="2788338" y="0"/>
+            <a:ext cx="6615323" cy="4925819"/>
+          </a:xfrm>
+          <a:prstGeom prst="rect">
+            <a:avLst/>
+          </a:prstGeom>
+        </p:spPr>
+      </p:pic>
     </p:spTree>
     <p:extLst>
       <p:ext uri="{BB962C8B-B14F-4D97-AF65-F5344CB8AC3E}">
@@ -9455,30 +6898,6 @@
           <a:chExt cx="0" cy="0"/>
         </a:xfrm>
       </p:grpSpPr>
-      <p:pic>
-        <p:nvPicPr>
-          <p:cNvPr id="8" name="Imagen 7"/>
-          <p:cNvPicPr>
-            <a:picLocks noChangeAspect="1"/>
-          </p:cNvPicPr>
-          <p:nvPr/>
-        </p:nvPicPr>
-        <p:blipFill>
-          <a:blip r:embed="rId2"/>
-          <a:stretch>
-            <a:fillRect/>
-          </a:stretch>
-        </p:blipFill>
-        <p:spPr>
-          <a:xfrm>
-            <a:off x="2385784" y="74753"/>
-            <a:ext cx="6311561" cy="4300024"/>
-          </a:xfrm>
-          <a:prstGeom prst="rect">
-            <a:avLst/>
-          </a:prstGeom>
-        </p:spPr>
-      </p:pic>
       <p:sp>
         <p:nvSpPr>
           <p:cNvPr id="2" name="Título 1"/>
@@ -9536,13 +6955,13 @@
           <p:nvPr>
             <p:extLst>
               <p:ext uri="{D42A27DB-BD31-4B8C-83A1-F6EECF244321}">
-                <p14:modId xmlns:p14="http://schemas.microsoft.com/office/powerpoint/2010/main" val="1333484395"/>
+                <p14:modId xmlns:p14="http://schemas.microsoft.com/office/powerpoint/2010/main" val="2423674115"/>
               </p:ext>
             </p:extLst>
           </p:nvPr>
         </p:nvGraphicFramePr>
         <p:xfrm>
-          <a:off x="228597" y="4518678"/>
+          <a:off x="266698" y="5197987"/>
           <a:ext cx="11658604" cy="1536084"/>
         </p:xfrm>
         <a:graphic>
@@ -10086,6 +7505,30 @@
           </a:graphicData>
         </a:graphic>
       </p:graphicFrame>
+      <p:pic>
+        <p:nvPicPr>
+          <p:cNvPr id="4" name="Imagen 3"/>
+          <p:cNvPicPr>
+            <a:picLocks noChangeAspect="1"/>
+          </p:cNvPicPr>
+          <p:nvPr/>
+        </p:nvPicPr>
+        <p:blipFill>
+          <a:blip r:embed="rId2"/>
+          <a:stretch>
+            <a:fillRect/>
+          </a:stretch>
+        </p:blipFill>
+        <p:spPr>
+          <a:xfrm>
+            <a:off x="2746912" y="0"/>
+            <a:ext cx="6698176" cy="5063050"/>
+          </a:xfrm>
+          <a:prstGeom prst="rect">
+            <a:avLst/>
+          </a:prstGeom>
+        </p:spPr>
+      </p:pic>
     </p:spTree>
     <p:extLst>
       <p:ext uri="{BB962C8B-B14F-4D97-AF65-F5344CB8AC3E}">
@@ -10123,30 +7566,6 @@
           <a:chExt cx="0" cy="0"/>
         </a:xfrm>
       </p:grpSpPr>
-      <p:pic>
-        <p:nvPicPr>
-          <p:cNvPr id="5" name="Imagen 4"/>
-          <p:cNvPicPr>
-            <a:picLocks noChangeAspect="1"/>
-          </p:cNvPicPr>
-          <p:nvPr/>
-        </p:nvPicPr>
-        <p:blipFill>
-          <a:blip r:embed="rId2"/>
-          <a:stretch>
-            <a:fillRect/>
-          </a:stretch>
-        </p:blipFill>
-        <p:spPr>
-          <a:xfrm>
-            <a:off x="3010363" y="0"/>
-            <a:ext cx="6182628" cy="4179738"/>
-          </a:xfrm>
-          <a:prstGeom prst="rect">
-            <a:avLst/>
-          </a:prstGeom>
-        </p:spPr>
-      </p:pic>
       <p:sp>
         <p:nvSpPr>
           <p:cNvPr id="2" name="Título 1"/>
@@ -10204,13 +7623,13 @@
           <p:nvPr>
             <p:extLst>
               <p:ext uri="{D42A27DB-BD31-4B8C-83A1-F6EECF244321}">
-                <p14:modId xmlns:p14="http://schemas.microsoft.com/office/powerpoint/2010/main" val="441021500"/>
+                <p14:modId xmlns:p14="http://schemas.microsoft.com/office/powerpoint/2010/main" val="1487725376"/>
               </p:ext>
             </p:extLst>
           </p:nvPr>
         </p:nvGraphicFramePr>
         <p:xfrm>
-          <a:off x="228597" y="4518678"/>
+          <a:off x="174809" y="4876800"/>
           <a:ext cx="11658604" cy="1981200"/>
         </p:xfrm>
         <a:graphic>
@@ -10719,16 +8138,16 @@
                     <a:lstStyle/>
                     <a:p>
                       <a:r>
-                        <a:rPr lang="es-MX" sz="1000" b="1" i="0" u="none" dirty="0" smtClean="0">
-                          <a:solidFill>
-                            <a:srgbClr val="00B050"/>
+                        <a:rPr lang="es-MX" sz="1000" b="1" i="0" u="sng" dirty="0" smtClean="0">
+                          <a:solidFill>
+                            <a:srgbClr val="FF0000"/>
                           </a:solidFill>
                         </a:rPr>
                         <a:t>H305</a:t>
                       </a:r>
-                      <a:endParaRPr lang="es-MX" sz="1000" b="1" i="0" u="none" dirty="0">
-                        <a:solidFill>
-                          <a:srgbClr val="00B050"/>
+                      <a:endParaRPr lang="es-MX" sz="1000" b="1" i="0" u="sng" dirty="0">
+                        <a:solidFill>
+                          <a:srgbClr val="FF0000"/>
                         </a:solidFill>
                       </a:endParaRPr>
                     </a:p>
@@ -10742,10 +8161,14 @@
                     <a:p>
                       <a:pPr algn="l"/>
                       <a:r>
-                        <a:rPr lang="es-MX" sz="1000" dirty="0" smtClean="0"/>
+                        <a:rPr lang="es-MX" sz="1000" b="1" u="sng" dirty="0" smtClean="0">
+                          <a:solidFill>
+                            <a:srgbClr val="FF0000"/>
+                          </a:solidFill>
+                        </a:rPr>
                         <a:t>Amplificación de fracciones (Equivalencia de fracciones por amplificación)</a:t>
                       </a:r>
-                      <a:endParaRPr lang="es-MX" sz="1000" b="0" i="0" u="none" dirty="0">
+                      <a:endParaRPr lang="es-MX" sz="1000" b="1" i="0" u="sng" dirty="0">
                         <a:solidFill>
                           <a:srgbClr val="FF0000"/>
                         </a:solidFill>
@@ -10828,6 +8251,30 @@
           </a:graphicData>
         </a:graphic>
       </p:graphicFrame>
+      <p:pic>
+        <p:nvPicPr>
+          <p:cNvPr id="4" name="Imagen 3"/>
+          <p:cNvPicPr>
+            <a:picLocks noChangeAspect="1"/>
+          </p:cNvPicPr>
+          <p:nvPr/>
+        </p:nvPicPr>
+        <p:blipFill>
+          <a:blip r:embed="rId2"/>
+          <a:stretch>
+            <a:fillRect/>
+          </a:stretch>
+        </p:blipFill>
+        <p:spPr>
+          <a:xfrm>
+            <a:off x="2991976" y="0"/>
+            <a:ext cx="6402960" cy="4751294"/>
+          </a:xfrm>
+          <a:prstGeom prst="rect">
+            <a:avLst/>
+          </a:prstGeom>
+        </p:spPr>
+      </p:pic>
     </p:spTree>
     <p:extLst>
       <p:ext uri="{BB962C8B-B14F-4D97-AF65-F5344CB8AC3E}">
@@ -10957,9 +8404,628 @@
           <a:chExt cx="0" cy="0"/>
         </a:xfrm>
       </p:grpSpPr>
+      <p:sp>
+        <p:nvSpPr>
+          <p:cNvPr id="2" name="Título 1"/>
+          <p:cNvSpPr>
+            <a:spLocks noGrp="1"/>
+          </p:cNvSpPr>
+          <p:nvPr>
+            <p:ph type="title"/>
+          </p:nvPr>
+        </p:nvSpPr>
+        <p:spPr/>
+        <p:txBody>
+          <a:bodyPr/>
+          <a:lstStyle/>
+          <a:p>
+            <a:r>
+              <a:rPr lang="es-MX" dirty="0" smtClean="0"/>
+              <a:t/>
+            </a:r>
+            <a:br>
+              <a:rPr lang="es-MX" dirty="0" smtClean="0"/>
+            </a:br>
+            <a:endParaRPr lang="es-MX" dirty="0"/>
+          </a:p>
+        </p:txBody>
+      </p:sp>
+      <p:sp>
+        <p:nvSpPr>
+          <p:cNvPr id="3" name="Marcador de contenido 2"/>
+          <p:cNvSpPr>
+            <a:spLocks noGrp="1"/>
+          </p:cNvSpPr>
+          <p:nvPr>
+            <p:ph idx="1"/>
+          </p:nvPr>
+        </p:nvSpPr>
+        <p:spPr/>
+        <p:txBody>
+          <a:bodyPr/>
+          <a:lstStyle/>
+          <a:p>
+            <a:endParaRPr lang="es-MX" dirty="0" smtClean="0"/>
+          </a:p>
+          <a:p>
+            <a:endParaRPr lang="es-MX" dirty="0"/>
+          </a:p>
+        </p:txBody>
+      </p:sp>
+      <p:graphicFrame>
+        <p:nvGraphicFramePr>
+          <p:cNvPr id="6" name="Tabla 5"/>
+          <p:cNvGraphicFramePr>
+            <a:graphicFrameLocks noGrp="1"/>
+          </p:cNvGraphicFramePr>
+          <p:nvPr>
+            <p:extLst>
+              <p:ext uri="{D42A27DB-BD31-4B8C-83A1-F6EECF244321}">
+                <p14:modId xmlns:p14="http://schemas.microsoft.com/office/powerpoint/2010/main" val="1839965836"/>
+              </p:ext>
+            </p:extLst>
+          </p:nvPr>
+        </p:nvGraphicFramePr>
+        <p:xfrm>
+          <a:off x="228597" y="4798078"/>
+          <a:ext cx="11658604" cy="1584960"/>
+        </p:xfrm>
+        <a:graphic>
+          <a:graphicData uri="http://schemas.openxmlformats.org/drawingml/2006/table">
+            <a:tbl>
+              <a:tblPr firstRow="1" bandRow="1">
+                <a:tableStyleId>{2D5ABB26-0587-4C30-8999-92F81FD0307C}</a:tableStyleId>
+              </a:tblPr>
+              <a:tblGrid>
+                <a:gridCol w="488579"/>
+                <a:gridCol w="3074895"/>
+                <a:gridCol w="493058"/>
+                <a:gridCol w="3155577"/>
+                <a:gridCol w="475129"/>
+                <a:gridCol w="3971366"/>
+              </a:tblGrid>
+              <a:tr h="0">
+                <a:tc>
+                  <a:txBody>
+                    <a:bodyPr/>
+                    <a:lstStyle/>
+                    <a:p>
+                      <a:r>
+                        <a:rPr lang="es-MX" sz="1000" b="1" dirty="0" smtClean="0">
+                          <a:solidFill>
+                            <a:schemeClr val="accent1">
+                              <a:lumMod val="50000"/>
+                            </a:schemeClr>
+                          </a:solidFill>
+                        </a:rPr>
+                        <a:t>H101 </a:t>
+                      </a:r>
+                      <a:endParaRPr lang="es-MX" sz="1000" b="1" dirty="0">
+                        <a:solidFill>
+                          <a:schemeClr val="accent1">
+                            <a:lumMod val="50000"/>
+                          </a:schemeClr>
+                        </a:solidFill>
+                      </a:endParaRPr>
+                    </a:p>
+                  </a:txBody>
+                  <a:tcPr anchor="ctr"/>
+                </a:tc>
+                <a:tc>
+                  <a:txBody>
+                    <a:bodyPr/>
+                    <a:lstStyle/>
+                    <a:p>
+                      <a:pPr algn="l"/>
+                      <a:r>
+                        <a:rPr lang="es-MX" sz="1000" u="none" baseline="0" dirty="0" smtClean="0"/>
+                        <a:t>Comprensión de problemas matemáticos contextualizados</a:t>
+                      </a:r>
+                      <a:endParaRPr lang="es-MX" sz="1000" b="1" u="none" dirty="0"/>
+                    </a:p>
+                  </a:txBody>
+                  <a:tcPr anchor="ctr"/>
+                </a:tc>
+                <a:tc>
+                  <a:txBody>
+                    <a:bodyPr/>
+                    <a:lstStyle/>
+                    <a:p>
+                      <a:r>
+                        <a:rPr lang="es-MX" sz="1000" b="1" dirty="0" smtClean="0">
+                          <a:solidFill>
+                            <a:schemeClr val="accent1">
+                              <a:lumMod val="50000"/>
+                            </a:schemeClr>
+                          </a:solidFill>
+                        </a:rPr>
+                        <a:t>H105</a:t>
+                      </a:r>
+                      <a:endParaRPr lang="es-MX" sz="1000" b="1" dirty="0">
+                        <a:solidFill>
+                          <a:schemeClr val="accent1">
+                            <a:lumMod val="50000"/>
+                          </a:schemeClr>
+                        </a:solidFill>
+                      </a:endParaRPr>
+                    </a:p>
+                  </a:txBody>
+                  <a:tcPr anchor="ctr"/>
+                </a:tc>
+                <a:tc>
+                  <a:txBody>
+                    <a:bodyPr/>
+                    <a:lstStyle/>
+                    <a:p>
+                      <a:r>
+                        <a:rPr lang="es-MX" sz="1000" baseline="0" dirty="0" smtClean="0"/>
+                        <a:t>Aplicación de operaciones aritméticas básicas</a:t>
+                      </a:r>
+                      <a:endParaRPr lang="es-MX" sz="1000" b="1" dirty="0"/>
+                    </a:p>
+                  </a:txBody>
+                  <a:tcPr anchor="ctr"/>
+                </a:tc>
+                <a:tc>
+                  <a:txBody>
+                    <a:bodyPr/>
+                    <a:lstStyle/>
+                    <a:p>
+                      <a:r>
+                        <a:rPr lang="es-MX" sz="1000" b="1" dirty="0" smtClean="0">
+                          <a:solidFill>
+                            <a:srgbClr val="FF0000"/>
+                          </a:solidFill>
+                        </a:rPr>
+                        <a:t>H109</a:t>
+                      </a:r>
+                      <a:endParaRPr lang="es-MX" sz="1000" b="1" dirty="0">
+                        <a:solidFill>
+                          <a:srgbClr val="FF0000"/>
+                        </a:solidFill>
+                      </a:endParaRPr>
+                    </a:p>
+                  </a:txBody>
+                  <a:tcPr anchor="ctr"/>
+                </a:tc>
+                <a:tc>
+                  <a:txBody>
+                    <a:bodyPr/>
+                    <a:lstStyle/>
+                    <a:p>
+                      <a:r>
+                        <a:rPr lang="es-MX" sz="1000" b="1" u="sng" baseline="0" dirty="0" smtClean="0">
+                          <a:solidFill>
+                            <a:srgbClr val="FF0000"/>
+                          </a:solidFill>
+                          <a:effectLst/>
+                        </a:rPr>
+                        <a:t>Identificación gráfica de tipos de líneas rectas (paralelas, perpendiculares y secantes)</a:t>
+                      </a:r>
+                      <a:endParaRPr lang="es-MX" sz="1000" b="1" u="sng" dirty="0">
+                        <a:solidFill>
+                          <a:srgbClr val="FF0000"/>
+                        </a:solidFill>
+                        <a:effectLst/>
+                      </a:endParaRPr>
+                    </a:p>
+                  </a:txBody>
+                  <a:tcPr anchor="ctr"/>
+                </a:tc>
+              </a:tr>
+              <a:tr h="347364">
+                <a:tc>
+                  <a:txBody>
+                    <a:bodyPr/>
+                    <a:lstStyle/>
+                    <a:p>
+                      <a:r>
+                        <a:rPr lang="es-MX" sz="1000" b="1" dirty="0" smtClean="0">
+                          <a:solidFill>
+                            <a:schemeClr val="accent1">
+                              <a:lumMod val="50000"/>
+                            </a:schemeClr>
+                          </a:solidFill>
+                        </a:rPr>
+                        <a:t>H102</a:t>
+                      </a:r>
+                      <a:endParaRPr lang="es-MX" sz="1000" b="1" dirty="0">
+                        <a:solidFill>
+                          <a:schemeClr val="accent1">
+                            <a:lumMod val="50000"/>
+                          </a:schemeClr>
+                        </a:solidFill>
+                      </a:endParaRPr>
+                    </a:p>
+                  </a:txBody>
+                  <a:tcPr anchor="ctr"/>
+                </a:tc>
+                <a:tc>
+                  <a:txBody>
+                    <a:bodyPr/>
+                    <a:lstStyle/>
+                    <a:p>
+                      <a:pPr algn="l"/>
+                      <a:r>
+                        <a:rPr lang="es-MX" sz="1000" u="none" baseline="0" dirty="0" smtClean="0"/>
+                        <a:t>Comprensión del Sistema Internacional de Unidades </a:t>
+                      </a:r>
+                      <a:endParaRPr lang="es-MX" sz="1000" b="1" u="none" dirty="0"/>
+                    </a:p>
+                  </a:txBody>
+                  <a:tcPr anchor="ctr"/>
+                </a:tc>
+                <a:tc>
+                  <a:txBody>
+                    <a:bodyPr/>
+                    <a:lstStyle/>
+                    <a:p>
+                      <a:r>
+                        <a:rPr lang="es-MX" sz="1000" b="1" dirty="0" smtClean="0">
+                          <a:solidFill>
+                            <a:schemeClr val="accent1">
+                              <a:lumMod val="50000"/>
+                            </a:schemeClr>
+                          </a:solidFill>
+                        </a:rPr>
+                        <a:t>H106</a:t>
+                      </a:r>
+                      <a:endParaRPr lang="es-MX" sz="1000" b="1" dirty="0">
+                        <a:solidFill>
+                          <a:schemeClr val="accent1">
+                            <a:lumMod val="50000"/>
+                          </a:schemeClr>
+                        </a:solidFill>
+                      </a:endParaRPr>
+                    </a:p>
+                  </a:txBody>
+                  <a:tcPr anchor="ctr"/>
+                </a:tc>
+                <a:tc>
+                  <a:txBody>
+                    <a:bodyPr/>
+                    <a:lstStyle/>
+                    <a:p>
+                      <a:r>
+                        <a:rPr lang="es-MX" sz="1000" baseline="0" dirty="0" smtClean="0"/>
+                        <a:t>Definición de tecnicismos del lenguaje formal de la geometría</a:t>
+                      </a:r>
+                      <a:endParaRPr lang="es-MX" sz="1000" b="1" dirty="0"/>
+                    </a:p>
+                  </a:txBody>
+                  <a:tcPr anchor="ctr"/>
+                </a:tc>
+                <a:tc>
+                  <a:txBody>
+                    <a:bodyPr/>
+                    <a:lstStyle/>
+                    <a:p>
+                      <a:r>
+                        <a:rPr lang="es-MX" sz="1000" b="1" dirty="0" smtClean="0">
+                          <a:solidFill>
+                            <a:schemeClr val="accent1">
+                              <a:lumMod val="50000"/>
+                            </a:schemeClr>
+                          </a:solidFill>
+                        </a:rPr>
+                        <a:t>H110</a:t>
+                      </a:r>
+                      <a:endParaRPr lang="es-MX" sz="1000" b="1" dirty="0">
+                        <a:solidFill>
+                          <a:schemeClr val="accent1">
+                            <a:lumMod val="50000"/>
+                          </a:schemeClr>
+                        </a:solidFill>
+                      </a:endParaRPr>
+                    </a:p>
+                  </a:txBody>
+                  <a:tcPr anchor="ctr"/>
+                </a:tc>
+                <a:tc>
+                  <a:txBody>
+                    <a:bodyPr/>
+                    <a:lstStyle/>
+                    <a:p>
+                      <a:r>
+                        <a:rPr lang="es-MX" sz="1000" baseline="0" dirty="0" smtClean="0"/>
+                        <a:t>Representación del modelo aritmético para calcular el perímetro de una figura geométrica (triángulo o cuadrilátero) </a:t>
+                      </a:r>
+                      <a:endParaRPr lang="es-MX" sz="1000" b="1" dirty="0"/>
+                    </a:p>
+                  </a:txBody>
+                  <a:tcPr anchor="ctr"/>
+                </a:tc>
+              </a:tr>
+              <a:tr h="212846">
+                <a:tc>
+                  <a:txBody>
+                    <a:bodyPr/>
+                    <a:lstStyle/>
+                    <a:p>
+                      <a:r>
+                        <a:rPr lang="es-MX" sz="1000" b="1" dirty="0" smtClean="0">
+                          <a:solidFill>
+                            <a:schemeClr val="accent1">
+                              <a:lumMod val="50000"/>
+                            </a:schemeClr>
+                          </a:solidFill>
+                        </a:rPr>
+                        <a:t>H103 </a:t>
+                      </a:r>
+                      <a:endParaRPr lang="es-MX" sz="1000" b="1" dirty="0">
+                        <a:solidFill>
+                          <a:schemeClr val="accent1">
+                            <a:lumMod val="50000"/>
+                          </a:schemeClr>
+                        </a:solidFill>
+                      </a:endParaRPr>
+                    </a:p>
+                  </a:txBody>
+                  <a:tcPr anchor="ctr"/>
+                </a:tc>
+                <a:tc>
+                  <a:txBody>
+                    <a:bodyPr/>
+                    <a:lstStyle/>
+                    <a:p>
+                      <a:pPr algn="l"/>
+                      <a:r>
+                        <a:rPr lang="es-MX" sz="1000" u="none" baseline="0" dirty="0" smtClean="0"/>
+                        <a:t>Operación de valores posicionales con números naturales y decimales </a:t>
+                      </a:r>
+                      <a:endParaRPr lang="es-MX" sz="1000" b="1" u="none" dirty="0"/>
+                    </a:p>
+                  </a:txBody>
+                  <a:tcPr anchor="ctr"/>
+                </a:tc>
+                <a:tc>
+                  <a:txBody>
+                    <a:bodyPr/>
+                    <a:lstStyle/>
+                    <a:p>
+                      <a:r>
+                        <a:rPr lang="es-MX" sz="1000" b="1" dirty="0" smtClean="0">
+                          <a:solidFill>
+                            <a:schemeClr val="accent1">
+                              <a:lumMod val="50000"/>
+                            </a:schemeClr>
+                          </a:solidFill>
+                        </a:rPr>
+                        <a:t>H107</a:t>
+                      </a:r>
+                      <a:endParaRPr lang="es-MX" sz="1000" b="1" dirty="0">
+                        <a:solidFill>
+                          <a:schemeClr val="accent1">
+                            <a:lumMod val="50000"/>
+                          </a:schemeClr>
+                        </a:solidFill>
+                      </a:endParaRPr>
+                    </a:p>
+                  </a:txBody>
+                  <a:tcPr anchor="ctr"/>
+                </a:tc>
+                <a:tc>
+                  <a:txBody>
+                    <a:bodyPr/>
+                    <a:lstStyle/>
+                    <a:p>
+                      <a:r>
+                        <a:rPr lang="es-MX" sz="1000" baseline="0" dirty="0" smtClean="0"/>
+                        <a:t>Representación viso-espacial de figuras geométricas</a:t>
+                      </a:r>
+                      <a:endParaRPr lang="es-MX" sz="1000" b="1" dirty="0"/>
+                    </a:p>
+                  </a:txBody>
+                  <a:tcPr anchor="ctr"/>
+                </a:tc>
+                <a:tc>
+                  <a:txBody>
+                    <a:bodyPr/>
+                    <a:lstStyle/>
+                    <a:p>
+                      <a:pPr marL="0" algn="l" defTabSz="914400" rtl="0" eaLnBrk="1" latinLnBrk="0" hangingPunct="1"/>
+                      <a:r>
+                        <a:rPr lang="es-MX" sz="1000" b="1" kern="1200" dirty="0" smtClean="0">
+                          <a:solidFill>
+                            <a:schemeClr val="accent1">
+                              <a:lumMod val="50000"/>
+                            </a:schemeClr>
+                          </a:solidFill>
+                          <a:latin typeface="+mn-lt"/>
+                          <a:ea typeface="+mn-ea"/>
+                          <a:cs typeface="+mn-cs"/>
+                        </a:rPr>
+                        <a:t>H111</a:t>
+                      </a:r>
+                      <a:endParaRPr lang="es-MX" sz="1000" b="1" kern="1200" dirty="0">
+                        <a:solidFill>
+                          <a:schemeClr val="accent1">
+                            <a:lumMod val="50000"/>
+                          </a:schemeClr>
+                        </a:solidFill>
+                        <a:latin typeface="+mn-lt"/>
+                        <a:ea typeface="+mn-ea"/>
+                        <a:cs typeface="+mn-cs"/>
+                      </a:endParaRPr>
+                    </a:p>
+                  </a:txBody>
+                  <a:tcPr anchor="ctr"/>
+                </a:tc>
+                <a:tc>
+                  <a:txBody>
+                    <a:bodyPr/>
+                    <a:lstStyle/>
+                    <a:p>
+                      <a:r>
+                        <a:rPr lang="es-MX" sz="1000" b="0" u="none" baseline="0" dirty="0" smtClean="0">
+                          <a:solidFill>
+                            <a:schemeClr val="tx1"/>
+                          </a:solidFill>
+                        </a:rPr>
+                        <a:t>Representación del modelo aritmético para calcular el área de cuadriláteros o triángulos </a:t>
+                      </a:r>
+                      <a:endParaRPr lang="es-MX" sz="1000" b="0" u="none" dirty="0">
+                        <a:solidFill>
+                          <a:schemeClr val="tx1"/>
+                        </a:solidFill>
+                      </a:endParaRPr>
+                    </a:p>
+                  </a:txBody>
+                  <a:tcPr anchor="ctr"/>
+                </a:tc>
+              </a:tr>
+              <a:tr h="212846">
+                <a:tc>
+                  <a:txBody>
+                    <a:bodyPr/>
+                    <a:lstStyle/>
+                    <a:p>
+                      <a:r>
+                        <a:rPr lang="es-MX" sz="1000" b="1" dirty="0" smtClean="0">
+                          <a:solidFill>
+                            <a:srgbClr val="FF0000"/>
+                          </a:solidFill>
+                        </a:rPr>
+                        <a:t>H104</a:t>
+                      </a:r>
+                      <a:endParaRPr lang="es-MX" sz="1000" b="1" dirty="0">
+                        <a:solidFill>
+                          <a:srgbClr val="FF0000"/>
+                        </a:solidFill>
+                      </a:endParaRPr>
+                    </a:p>
+                  </a:txBody>
+                  <a:tcPr anchor="ctr"/>
+                </a:tc>
+                <a:tc>
+                  <a:txBody>
+                    <a:bodyPr/>
+                    <a:lstStyle/>
+                    <a:p>
+                      <a:pPr algn="l"/>
+                      <a:r>
+                        <a:rPr lang="es-MX" sz="1000" b="1" u="sng" baseline="0" dirty="0" smtClean="0">
+                          <a:solidFill>
+                            <a:srgbClr val="FF0000"/>
+                          </a:solidFill>
+                        </a:rPr>
+                        <a:t>Ubicación de una coordenada en el primer cuadrante del plano artesiano</a:t>
+                      </a:r>
+                      <a:endParaRPr lang="es-MX" sz="1000" b="1" u="sng" dirty="0">
+                        <a:solidFill>
+                          <a:srgbClr val="FF0000"/>
+                        </a:solidFill>
+                      </a:endParaRPr>
+                    </a:p>
+                  </a:txBody>
+                  <a:tcPr anchor="ctr"/>
+                </a:tc>
+                <a:tc>
+                  <a:txBody>
+                    <a:bodyPr/>
+                    <a:lstStyle/>
+                    <a:p>
+                      <a:r>
+                        <a:rPr lang="es-MX" sz="1000" b="1" u="none" dirty="0" smtClean="0">
+                          <a:solidFill>
+                            <a:schemeClr val="bg2">
+                              <a:lumMod val="75000"/>
+                            </a:schemeClr>
+                          </a:solidFill>
+                        </a:rPr>
+                        <a:t>H108</a:t>
+                      </a:r>
+                      <a:endParaRPr lang="es-MX" sz="1000" b="1" u="none" dirty="0">
+                        <a:solidFill>
+                          <a:schemeClr val="bg2">
+                            <a:lumMod val="75000"/>
+                          </a:schemeClr>
+                        </a:solidFill>
+                      </a:endParaRPr>
+                    </a:p>
+                  </a:txBody>
+                  <a:tcPr anchor="ctr"/>
+                </a:tc>
+                <a:tc>
+                  <a:txBody>
+                    <a:bodyPr/>
+                    <a:lstStyle/>
+                    <a:p>
+                      <a:r>
+                        <a:rPr lang="es-MX" sz="1000" b="1" u="none" baseline="0" dirty="0" smtClean="0">
+                          <a:solidFill>
+                            <a:schemeClr val="bg2">
+                              <a:lumMod val="75000"/>
+                            </a:schemeClr>
+                          </a:solidFill>
+                          <a:effectLst/>
+                        </a:rPr>
+                        <a:t>Identificación de las características geométricas de los cuadriláteros</a:t>
+                      </a:r>
+                      <a:endParaRPr lang="es-MX" sz="1000" b="1" u="none" dirty="0">
+                        <a:solidFill>
+                          <a:schemeClr val="bg2">
+                            <a:lumMod val="75000"/>
+                          </a:schemeClr>
+                        </a:solidFill>
+                        <a:effectLst/>
+                      </a:endParaRPr>
+                    </a:p>
+                  </a:txBody>
+                  <a:tcPr anchor="ctr"/>
+                </a:tc>
+                <a:tc>
+                  <a:txBody>
+                    <a:bodyPr/>
+                    <a:lstStyle/>
+                    <a:p>
+                      <a:r>
+                        <a:rPr lang="es-MX" sz="1000" b="1" dirty="0" smtClean="0">
+                          <a:solidFill>
+                            <a:srgbClr val="FF0000"/>
+                          </a:solidFill>
+                        </a:rPr>
+                        <a:t>H112</a:t>
+                      </a:r>
+                      <a:endParaRPr lang="es-MX" sz="1000" b="1" dirty="0">
+                        <a:solidFill>
+                          <a:srgbClr val="FF0000"/>
+                        </a:solidFill>
+                      </a:endParaRPr>
+                    </a:p>
+                  </a:txBody>
+                  <a:tcPr anchor="ctr"/>
+                </a:tc>
+                <a:tc>
+                  <a:txBody>
+                    <a:bodyPr/>
+                    <a:lstStyle/>
+                    <a:p>
+                      <a:r>
+                        <a:rPr lang="es-MX" sz="1000" b="1" u="sng" baseline="0" dirty="0" smtClean="0">
+                          <a:solidFill>
+                            <a:srgbClr val="FF0000"/>
+                          </a:solidFill>
+                        </a:rPr>
+                        <a:t>Deducción de fórmulas para calcular el área mediante descomposición de figuras geométricas</a:t>
+                      </a:r>
+                      <a:endParaRPr lang="es-MX" sz="1000" b="1" u="sng" dirty="0">
+                        <a:solidFill>
+                          <a:srgbClr val="FF0000"/>
+                        </a:solidFill>
+                      </a:endParaRPr>
+                    </a:p>
+                  </a:txBody>
+                  <a:tcPr anchor="ctr"/>
+                </a:tc>
+              </a:tr>
+            </a:tbl>
+          </a:graphicData>
+        </a:graphic>
+      </p:graphicFrame>
       <p:pic>
         <p:nvPicPr>
-          <p:cNvPr id="5" name="Imagen 4"/>
+          <p:cNvPr id="7" name="Imagen 6"/>
           <p:cNvPicPr>
             <a:picLocks noChangeAspect="1"/>
           </p:cNvPicPr>
@@ -10973,614 +9039,14 @@
         </p:blipFill>
         <p:spPr>
           <a:xfrm>
-            <a:off x="2540522" y="0"/>
-            <a:ext cx="5982981" cy="4357974"/>
+            <a:off x="2888874" y="0"/>
+            <a:ext cx="6111690" cy="4654247"/>
           </a:xfrm>
           <a:prstGeom prst="rect">
             <a:avLst/>
           </a:prstGeom>
         </p:spPr>
       </p:pic>
-      <p:sp>
-        <p:nvSpPr>
-          <p:cNvPr id="2" name="Título 1"/>
-          <p:cNvSpPr>
-            <a:spLocks noGrp="1"/>
-          </p:cNvSpPr>
-          <p:nvPr>
-            <p:ph type="title"/>
-          </p:nvPr>
-        </p:nvSpPr>
-        <p:spPr/>
-        <p:txBody>
-          <a:bodyPr/>
-          <a:lstStyle/>
-          <a:p>
-            <a:r>
-              <a:rPr lang="es-MX" dirty="0" smtClean="0"/>
-              <a:t/>
-            </a:r>
-            <a:br>
-              <a:rPr lang="es-MX" dirty="0" smtClean="0"/>
-            </a:br>
-            <a:endParaRPr lang="es-MX" dirty="0"/>
-          </a:p>
-        </p:txBody>
-      </p:sp>
-      <p:sp>
-        <p:nvSpPr>
-          <p:cNvPr id="3" name="Marcador de contenido 2"/>
-          <p:cNvSpPr>
-            <a:spLocks noGrp="1"/>
-          </p:cNvSpPr>
-          <p:nvPr>
-            <p:ph idx="1"/>
-          </p:nvPr>
-        </p:nvSpPr>
-        <p:spPr/>
-        <p:txBody>
-          <a:bodyPr/>
-          <a:lstStyle/>
-          <a:p>
-            <a:endParaRPr lang="es-MX" dirty="0" smtClean="0"/>
-          </a:p>
-          <a:p>
-            <a:endParaRPr lang="es-MX" dirty="0"/>
-          </a:p>
-        </p:txBody>
-      </p:sp>
-      <p:graphicFrame>
-        <p:nvGraphicFramePr>
-          <p:cNvPr id="6" name="Tabla 5"/>
-          <p:cNvGraphicFramePr>
-            <a:graphicFrameLocks noGrp="1"/>
-          </p:cNvGraphicFramePr>
-          <p:nvPr>
-            <p:extLst>
-              <p:ext uri="{D42A27DB-BD31-4B8C-83A1-F6EECF244321}">
-                <p14:modId xmlns:p14="http://schemas.microsoft.com/office/powerpoint/2010/main" val="81480558"/>
-              </p:ext>
-            </p:extLst>
-          </p:nvPr>
-        </p:nvGraphicFramePr>
-        <p:xfrm>
-          <a:off x="228597" y="4518678"/>
-          <a:ext cx="11658604" cy="1584960"/>
-        </p:xfrm>
-        <a:graphic>
-          <a:graphicData uri="http://schemas.openxmlformats.org/drawingml/2006/table">
-            <a:tbl>
-              <a:tblPr firstRow="1" bandRow="1">
-                <a:tableStyleId>{2D5ABB26-0587-4C30-8999-92F81FD0307C}</a:tableStyleId>
-              </a:tblPr>
-              <a:tblGrid>
-                <a:gridCol w="488579"/>
-                <a:gridCol w="3074895"/>
-                <a:gridCol w="493058"/>
-                <a:gridCol w="3155577"/>
-                <a:gridCol w="466165"/>
-                <a:gridCol w="3980330"/>
-              </a:tblGrid>
-              <a:tr h="385016">
-                <a:tc>
-                  <a:txBody>
-                    <a:bodyPr/>
-                    <a:lstStyle/>
-                    <a:p>
-                      <a:r>
-                        <a:rPr lang="es-MX" sz="1000" b="1" dirty="0" smtClean="0">
-                          <a:solidFill>
-                            <a:schemeClr val="accent1">
-                              <a:lumMod val="50000"/>
-                            </a:schemeClr>
-                          </a:solidFill>
-                        </a:rPr>
-                        <a:t>H101 </a:t>
-                      </a:r>
-                      <a:endParaRPr lang="es-MX" sz="1000" b="1" dirty="0">
-                        <a:solidFill>
-                          <a:schemeClr val="accent1">
-                            <a:lumMod val="50000"/>
-                          </a:schemeClr>
-                        </a:solidFill>
-                      </a:endParaRPr>
-                    </a:p>
-                  </a:txBody>
-                  <a:tcPr anchor="ctr"/>
-                </a:tc>
-                <a:tc>
-                  <a:txBody>
-                    <a:bodyPr/>
-                    <a:lstStyle/>
-                    <a:p>
-                      <a:pPr algn="l"/>
-                      <a:r>
-                        <a:rPr lang="es-MX" sz="1000" u="none" baseline="0" dirty="0" smtClean="0"/>
-                        <a:t>Comprensión de problemas matemáticos contextualizados</a:t>
-                      </a:r>
-                      <a:endParaRPr lang="es-MX" sz="1000" b="1" u="none" dirty="0"/>
-                    </a:p>
-                  </a:txBody>
-                  <a:tcPr anchor="ctr"/>
-                </a:tc>
-                <a:tc>
-                  <a:txBody>
-                    <a:bodyPr/>
-                    <a:lstStyle/>
-                    <a:p>
-                      <a:r>
-                        <a:rPr lang="es-MX" sz="1000" b="1" dirty="0" smtClean="0">
-                          <a:solidFill>
-                            <a:schemeClr val="accent1">
-                              <a:lumMod val="50000"/>
-                            </a:schemeClr>
-                          </a:solidFill>
-                        </a:rPr>
-                        <a:t>H105</a:t>
-                      </a:r>
-                      <a:endParaRPr lang="es-MX" sz="1000" b="1" dirty="0">
-                        <a:solidFill>
-                          <a:schemeClr val="accent1">
-                            <a:lumMod val="50000"/>
-                          </a:schemeClr>
-                        </a:solidFill>
-                      </a:endParaRPr>
-                    </a:p>
-                  </a:txBody>
-                  <a:tcPr anchor="ctr"/>
-                </a:tc>
-                <a:tc>
-                  <a:txBody>
-                    <a:bodyPr/>
-                    <a:lstStyle/>
-                    <a:p>
-                      <a:r>
-                        <a:rPr lang="es-MX" sz="1000" baseline="0" dirty="0" smtClean="0"/>
-                        <a:t>Aplicación de operaciones aritméticas básicas</a:t>
-                      </a:r>
-                      <a:endParaRPr lang="es-MX" sz="1000" b="1" dirty="0"/>
-                    </a:p>
-                  </a:txBody>
-                  <a:tcPr anchor="ctr"/>
-                </a:tc>
-                <a:tc>
-                  <a:txBody>
-                    <a:bodyPr/>
-                    <a:lstStyle/>
-                    <a:p>
-                      <a:r>
-                        <a:rPr lang="es-MX" sz="1000" b="1" dirty="0" smtClean="0">
-                          <a:solidFill>
-                            <a:srgbClr val="FF0000"/>
-                          </a:solidFill>
-                        </a:rPr>
-                        <a:t>H109</a:t>
-                      </a:r>
-                      <a:endParaRPr lang="es-MX" sz="1000" b="1" dirty="0">
-                        <a:solidFill>
-                          <a:srgbClr val="FF0000"/>
-                        </a:solidFill>
-                      </a:endParaRPr>
-                    </a:p>
-                  </a:txBody>
-                  <a:tcPr anchor="ctr"/>
-                </a:tc>
-                <a:tc>
-                  <a:txBody>
-                    <a:bodyPr/>
-                    <a:lstStyle/>
-                    <a:p>
-                      <a:r>
-                        <a:rPr lang="es-MX" sz="1000" b="1" u="sng" baseline="0" dirty="0" smtClean="0">
-                          <a:solidFill>
-                            <a:srgbClr val="FF0000"/>
-                          </a:solidFill>
-                          <a:effectLst/>
-                        </a:rPr>
-                        <a:t>Identificación gráfica de tipos de líneas rectas (paralelas, perpendiculares y secantes)</a:t>
-                      </a:r>
-                      <a:endParaRPr lang="es-MX" sz="1000" b="1" u="sng" dirty="0">
-                        <a:solidFill>
-                          <a:srgbClr val="FF0000"/>
-                        </a:solidFill>
-                        <a:effectLst/>
-                      </a:endParaRPr>
-                    </a:p>
-                  </a:txBody>
-                  <a:tcPr anchor="ctr"/>
-                </a:tc>
-              </a:tr>
-              <a:tr h="347364">
-                <a:tc>
-                  <a:txBody>
-                    <a:bodyPr/>
-                    <a:lstStyle/>
-                    <a:p>
-                      <a:r>
-                        <a:rPr lang="es-MX" sz="1000" b="1" dirty="0" smtClean="0">
-                          <a:solidFill>
-                            <a:schemeClr val="accent1">
-                              <a:lumMod val="50000"/>
-                            </a:schemeClr>
-                          </a:solidFill>
-                        </a:rPr>
-                        <a:t>H102</a:t>
-                      </a:r>
-                      <a:endParaRPr lang="es-MX" sz="1000" b="1" dirty="0">
-                        <a:solidFill>
-                          <a:schemeClr val="accent1">
-                            <a:lumMod val="50000"/>
-                          </a:schemeClr>
-                        </a:solidFill>
-                      </a:endParaRPr>
-                    </a:p>
-                  </a:txBody>
-                  <a:tcPr anchor="ctr"/>
-                </a:tc>
-                <a:tc>
-                  <a:txBody>
-                    <a:bodyPr/>
-                    <a:lstStyle/>
-                    <a:p>
-                      <a:pPr algn="l"/>
-                      <a:r>
-                        <a:rPr lang="es-MX" sz="1000" u="none" baseline="0" dirty="0" smtClean="0"/>
-                        <a:t>Comprensión del Sistema Internacional de Unidades </a:t>
-                      </a:r>
-                      <a:endParaRPr lang="es-MX" sz="1000" b="1" u="none" dirty="0"/>
-                    </a:p>
-                  </a:txBody>
-                  <a:tcPr anchor="ctr"/>
-                </a:tc>
-                <a:tc>
-                  <a:txBody>
-                    <a:bodyPr/>
-                    <a:lstStyle/>
-                    <a:p>
-                      <a:r>
-                        <a:rPr lang="es-MX" sz="1000" b="1" dirty="0" smtClean="0">
-                          <a:solidFill>
-                            <a:schemeClr val="accent1">
-                              <a:lumMod val="50000"/>
-                            </a:schemeClr>
-                          </a:solidFill>
-                        </a:rPr>
-                        <a:t>H106</a:t>
-                      </a:r>
-                      <a:endParaRPr lang="es-MX" sz="1000" b="1" dirty="0">
-                        <a:solidFill>
-                          <a:schemeClr val="accent1">
-                            <a:lumMod val="50000"/>
-                          </a:schemeClr>
-                        </a:solidFill>
-                      </a:endParaRPr>
-                    </a:p>
-                  </a:txBody>
-                  <a:tcPr anchor="ctr"/>
-                </a:tc>
-                <a:tc>
-                  <a:txBody>
-                    <a:bodyPr/>
-                    <a:lstStyle/>
-                    <a:p>
-                      <a:r>
-                        <a:rPr lang="es-MX" sz="1000" baseline="0" dirty="0" smtClean="0"/>
-                        <a:t>Definición de tecnicismos del lenguaje formal de la geometría</a:t>
-                      </a:r>
-                      <a:endParaRPr lang="es-MX" sz="1000" b="1" dirty="0"/>
-                    </a:p>
-                  </a:txBody>
-                  <a:tcPr anchor="ctr"/>
-                </a:tc>
-                <a:tc>
-                  <a:txBody>
-                    <a:bodyPr/>
-                    <a:lstStyle/>
-                    <a:p>
-                      <a:r>
-                        <a:rPr lang="es-MX" sz="1000" b="1" dirty="0" smtClean="0">
-                          <a:solidFill>
-                            <a:schemeClr val="accent1">
-                              <a:lumMod val="50000"/>
-                            </a:schemeClr>
-                          </a:solidFill>
-                        </a:rPr>
-                        <a:t>H110</a:t>
-                      </a:r>
-                      <a:endParaRPr lang="es-MX" sz="1000" b="1" dirty="0">
-                        <a:solidFill>
-                          <a:schemeClr val="accent1">
-                            <a:lumMod val="50000"/>
-                          </a:schemeClr>
-                        </a:solidFill>
-                      </a:endParaRPr>
-                    </a:p>
-                  </a:txBody>
-                  <a:tcPr anchor="ctr"/>
-                </a:tc>
-                <a:tc>
-                  <a:txBody>
-                    <a:bodyPr/>
-                    <a:lstStyle/>
-                    <a:p>
-                      <a:r>
-                        <a:rPr lang="es-MX" sz="1000" baseline="0" dirty="0" smtClean="0"/>
-                        <a:t>Representación del modelo aritmético para calcular el perímetro de una figura geométrica (triángulo o cuadrilátero) </a:t>
-                      </a:r>
-                      <a:endParaRPr lang="es-MX" sz="1000" b="1" dirty="0"/>
-                    </a:p>
-                  </a:txBody>
-                  <a:tcPr anchor="ctr"/>
-                </a:tc>
-              </a:tr>
-              <a:tr h="212846">
-                <a:tc>
-                  <a:txBody>
-                    <a:bodyPr/>
-                    <a:lstStyle/>
-                    <a:p>
-                      <a:r>
-                        <a:rPr lang="es-MX" sz="1000" b="1" dirty="0" smtClean="0">
-                          <a:solidFill>
-                            <a:schemeClr val="accent1">
-                              <a:lumMod val="50000"/>
-                            </a:schemeClr>
-                          </a:solidFill>
-                        </a:rPr>
-                        <a:t>H103 </a:t>
-                      </a:r>
-                      <a:endParaRPr lang="es-MX" sz="1000" b="1" dirty="0">
-                        <a:solidFill>
-                          <a:schemeClr val="accent1">
-                            <a:lumMod val="50000"/>
-                          </a:schemeClr>
-                        </a:solidFill>
-                      </a:endParaRPr>
-                    </a:p>
-                  </a:txBody>
-                  <a:tcPr anchor="ctr"/>
-                </a:tc>
-                <a:tc>
-                  <a:txBody>
-                    <a:bodyPr/>
-                    <a:lstStyle/>
-                    <a:p>
-                      <a:pPr algn="l"/>
-                      <a:r>
-                        <a:rPr lang="es-MX" sz="1000" u="none" baseline="0" dirty="0" smtClean="0"/>
-                        <a:t>Operación de valores posicionales con números naturales y decimales </a:t>
-                      </a:r>
-                      <a:endParaRPr lang="es-MX" sz="1000" b="1" u="none" dirty="0"/>
-                    </a:p>
-                  </a:txBody>
-                  <a:tcPr anchor="ctr"/>
-                </a:tc>
-                <a:tc>
-                  <a:txBody>
-                    <a:bodyPr/>
-                    <a:lstStyle/>
-                    <a:p>
-                      <a:r>
-                        <a:rPr lang="es-MX" sz="1000" b="1" dirty="0" smtClean="0">
-                          <a:solidFill>
-                            <a:schemeClr val="accent1">
-                              <a:lumMod val="50000"/>
-                            </a:schemeClr>
-                          </a:solidFill>
-                        </a:rPr>
-                        <a:t>H107</a:t>
-                      </a:r>
-                      <a:endParaRPr lang="es-MX" sz="1000" b="1" dirty="0">
-                        <a:solidFill>
-                          <a:schemeClr val="accent1">
-                            <a:lumMod val="50000"/>
-                          </a:schemeClr>
-                        </a:solidFill>
-                      </a:endParaRPr>
-                    </a:p>
-                  </a:txBody>
-                  <a:tcPr anchor="ctr"/>
-                </a:tc>
-                <a:tc>
-                  <a:txBody>
-                    <a:bodyPr/>
-                    <a:lstStyle/>
-                    <a:p>
-                      <a:r>
-                        <a:rPr lang="es-MX" sz="1000" baseline="0" dirty="0" smtClean="0"/>
-                        <a:t>Representación viso-espacial de figuras geométricas</a:t>
-                      </a:r>
-                      <a:endParaRPr lang="es-MX" sz="1000" b="1" dirty="0"/>
-                    </a:p>
-                  </a:txBody>
-                  <a:tcPr anchor="ctr"/>
-                </a:tc>
-                <a:tc>
-                  <a:txBody>
-                    <a:bodyPr/>
-                    <a:lstStyle/>
-                    <a:p>
-                      <a:r>
-                        <a:rPr lang="es-MX" sz="1000" b="1" dirty="0" smtClean="0">
-                          <a:solidFill>
-                            <a:srgbClr val="FF0000"/>
-                          </a:solidFill>
-                        </a:rPr>
-                        <a:t>H111</a:t>
-                      </a:r>
-                      <a:endParaRPr lang="es-MX" sz="1000" b="1" dirty="0">
-                        <a:solidFill>
-                          <a:srgbClr val="FF0000"/>
-                        </a:solidFill>
-                      </a:endParaRPr>
-                    </a:p>
-                  </a:txBody>
-                  <a:tcPr anchor="ctr"/>
-                </a:tc>
-                <a:tc>
-                  <a:txBody>
-                    <a:bodyPr/>
-                    <a:lstStyle/>
-                    <a:p>
-                      <a:r>
-                        <a:rPr lang="es-MX" sz="1000" b="1" u="sng" baseline="0" dirty="0" smtClean="0">
-                          <a:solidFill>
-                            <a:srgbClr val="FF0000"/>
-                          </a:solidFill>
-                        </a:rPr>
-                        <a:t>Representación del modelo aritmético para calcular el área de cuadriláteros o triángulos </a:t>
-                      </a:r>
-                      <a:endParaRPr lang="es-MX" sz="1000" b="1" u="sng" dirty="0">
-                        <a:solidFill>
-                          <a:srgbClr val="FF0000"/>
-                        </a:solidFill>
-                      </a:endParaRPr>
-                    </a:p>
-                  </a:txBody>
-                  <a:tcPr anchor="ctr"/>
-                </a:tc>
-              </a:tr>
-              <a:tr h="212846">
-                <a:tc>
-                  <a:txBody>
-                    <a:bodyPr/>
-                    <a:lstStyle/>
-                    <a:p>
-                      <a:r>
-                        <a:rPr lang="es-MX" sz="1000" b="1" dirty="0" smtClean="0">
-                          <a:solidFill>
-                            <a:srgbClr val="FF0000"/>
-                          </a:solidFill>
-                        </a:rPr>
-                        <a:t>H104</a:t>
-                      </a:r>
-                      <a:endParaRPr lang="es-MX" sz="1000" b="1" dirty="0">
-                        <a:solidFill>
-                          <a:srgbClr val="FF0000"/>
-                        </a:solidFill>
-                      </a:endParaRPr>
-                    </a:p>
-                  </a:txBody>
-                  <a:tcPr anchor="ctr"/>
-                </a:tc>
-                <a:tc>
-                  <a:txBody>
-                    <a:bodyPr/>
-                    <a:lstStyle/>
-                    <a:p>
-                      <a:pPr algn="l"/>
-                      <a:r>
-                        <a:rPr lang="es-MX" sz="1000" b="1" u="sng" baseline="0" dirty="0" smtClean="0">
-                          <a:solidFill>
-                            <a:srgbClr val="FF0000"/>
-                          </a:solidFill>
-                        </a:rPr>
-                        <a:t>Ubicación de una coordenada en el primer cuadrante del plano artesiano</a:t>
-                      </a:r>
-                      <a:endParaRPr lang="es-MX" sz="1000" b="1" u="sng" dirty="0">
-                        <a:solidFill>
-                          <a:srgbClr val="FF0000"/>
-                        </a:solidFill>
-                      </a:endParaRPr>
-                    </a:p>
-                  </a:txBody>
-                  <a:tcPr anchor="ctr"/>
-                </a:tc>
-                <a:tc>
-                  <a:txBody>
-                    <a:bodyPr/>
-                    <a:lstStyle/>
-                    <a:p>
-                      <a:r>
-                        <a:rPr lang="es-MX" sz="1000" b="1" dirty="0" smtClean="0">
-                          <a:solidFill>
-                            <a:srgbClr val="FF0000"/>
-                          </a:solidFill>
-                        </a:rPr>
-                        <a:t>H108</a:t>
-                      </a:r>
-                      <a:endParaRPr lang="es-MX" sz="1000" b="1" dirty="0">
-                        <a:solidFill>
-                          <a:srgbClr val="FF0000"/>
-                        </a:solidFill>
-                      </a:endParaRPr>
-                    </a:p>
-                  </a:txBody>
-                  <a:tcPr anchor="ctr"/>
-                </a:tc>
-                <a:tc>
-                  <a:txBody>
-                    <a:bodyPr/>
-                    <a:lstStyle/>
-                    <a:p>
-                      <a:r>
-                        <a:rPr lang="es-MX" sz="1000" b="1" u="sng" baseline="0" dirty="0" smtClean="0">
-                          <a:solidFill>
-                            <a:srgbClr val="FF0000"/>
-                          </a:solidFill>
-                          <a:effectLst/>
-                        </a:rPr>
-                        <a:t>Identificación de las características geométricas de los cuadriláteros</a:t>
-                      </a:r>
-                      <a:endParaRPr lang="es-MX" sz="1000" b="1" u="sng" dirty="0">
-                        <a:solidFill>
-                          <a:srgbClr val="FF0000"/>
-                        </a:solidFill>
-                        <a:effectLst/>
-                      </a:endParaRPr>
-                    </a:p>
-                  </a:txBody>
-                  <a:tcPr anchor="ctr"/>
-                </a:tc>
-                <a:tc>
-                  <a:txBody>
-                    <a:bodyPr/>
-                    <a:lstStyle/>
-                    <a:p>
-                      <a:r>
-                        <a:rPr lang="es-MX" sz="1000" b="1" dirty="0" smtClean="0">
-                          <a:solidFill>
-                            <a:srgbClr val="FF0000"/>
-                          </a:solidFill>
-                        </a:rPr>
-                        <a:t>H112</a:t>
-                      </a:r>
-                      <a:endParaRPr lang="es-MX" sz="1000" b="1" dirty="0">
-                        <a:solidFill>
-                          <a:srgbClr val="FF0000"/>
-                        </a:solidFill>
-                      </a:endParaRPr>
-                    </a:p>
-                  </a:txBody>
-                  <a:tcPr anchor="ctr"/>
-                </a:tc>
-                <a:tc>
-                  <a:txBody>
-                    <a:bodyPr/>
-                    <a:lstStyle/>
-                    <a:p>
-                      <a:r>
-                        <a:rPr lang="es-MX" sz="1000" b="1" u="sng" baseline="0" dirty="0" smtClean="0">
-                          <a:solidFill>
-                            <a:srgbClr val="FF0000"/>
-                          </a:solidFill>
-                        </a:rPr>
-                        <a:t>Deducción de fórmulas para calcular el área mediante descomposición de figuras geométricas</a:t>
-                      </a:r>
-                      <a:endParaRPr lang="es-MX" sz="1000" b="1" u="sng" dirty="0">
-                        <a:solidFill>
-                          <a:srgbClr val="FF0000"/>
-                        </a:solidFill>
-                      </a:endParaRPr>
-                    </a:p>
-                  </a:txBody>
-                  <a:tcPr anchor="ctr"/>
-                </a:tc>
-              </a:tr>
-            </a:tbl>
-          </a:graphicData>
-        </a:graphic>
-      </p:graphicFrame>
     </p:spTree>
     <p:extLst>
       <p:ext uri="{BB962C8B-B14F-4D97-AF65-F5344CB8AC3E}">
@@ -11618,30 +9084,6 @@
           <a:chExt cx="0" cy="0"/>
         </a:xfrm>
       </p:grpSpPr>
-      <p:pic>
-        <p:nvPicPr>
-          <p:cNvPr id="4" name="Imagen 3"/>
-          <p:cNvPicPr>
-            <a:picLocks noChangeAspect="1"/>
-          </p:cNvPicPr>
-          <p:nvPr/>
-        </p:nvPicPr>
-        <p:blipFill>
-          <a:blip r:embed="rId2"/>
-          <a:stretch>
-            <a:fillRect/>
-          </a:stretch>
-        </p:blipFill>
-        <p:spPr>
-          <a:xfrm>
-            <a:off x="2530118" y="0"/>
-            <a:ext cx="6167227" cy="4480917"/>
-          </a:xfrm>
-          <a:prstGeom prst="rect">
-            <a:avLst/>
-          </a:prstGeom>
-        </p:spPr>
-      </p:pic>
       <p:sp>
         <p:nvSpPr>
           <p:cNvPr id="2" name="Título 1"/>
@@ -11699,13 +9141,13 @@
           <p:nvPr>
             <p:extLst>
               <p:ext uri="{D42A27DB-BD31-4B8C-83A1-F6EECF244321}">
-                <p14:modId xmlns:p14="http://schemas.microsoft.com/office/powerpoint/2010/main" val="2994848689"/>
+                <p14:modId xmlns:p14="http://schemas.microsoft.com/office/powerpoint/2010/main" val="2692069347"/>
               </p:ext>
             </p:extLst>
           </p:nvPr>
         </p:nvGraphicFramePr>
         <p:xfrm>
-          <a:off x="228597" y="4518678"/>
+          <a:off x="266697" y="5120217"/>
           <a:ext cx="11658604" cy="1536084"/>
         </p:xfrm>
         <a:graphic>
@@ -11809,18 +9251,29 @@
                     <a:bodyPr/>
                     <a:lstStyle/>
                     <a:p>
-                      <a:r>
-                        <a:rPr lang="es-MX" sz="1000" b="1" dirty="0" smtClean="0">
-                          <a:solidFill>
-                            <a:srgbClr val="FF0000"/>
-                          </a:solidFill>
+                      <a:pPr marL="0" algn="l" defTabSz="914400" rtl="0" eaLnBrk="1" latinLnBrk="0" hangingPunct="1"/>
+                      <a:r>
+                        <a:rPr lang="es-MX" sz="1000" b="1" kern="1200" dirty="0" smtClean="0">
+                          <a:solidFill>
+                            <a:schemeClr val="accent2">
+                              <a:lumMod val="50000"/>
+                            </a:schemeClr>
+                          </a:solidFill>
+                          <a:latin typeface="+mn-lt"/>
+                          <a:ea typeface="+mn-ea"/>
+                          <a:cs typeface="+mn-cs"/>
                         </a:rPr>
                         <a:t>H209</a:t>
                       </a:r>
-                      <a:endParaRPr lang="es-MX" sz="1000" b="1" dirty="0">
-                        <a:solidFill>
-                          <a:srgbClr val="FF0000"/>
-                        </a:solidFill>
+                      <a:endParaRPr lang="es-MX" sz="1000" b="1" kern="1200" dirty="0">
+                        <a:solidFill>
+                          <a:schemeClr val="accent2">
+                            <a:lumMod val="50000"/>
+                          </a:schemeClr>
+                        </a:solidFill>
+                        <a:latin typeface="+mn-lt"/>
+                        <a:ea typeface="+mn-ea"/>
+                        <a:cs typeface="+mn-cs"/>
                       </a:endParaRPr>
                     </a:p>
                   </a:txBody>
@@ -11833,16 +9286,16 @@
                     <a:p>
                       <a:pPr marL="0" algn="l" defTabSz="914400" rtl="0" eaLnBrk="1" latinLnBrk="0" hangingPunct="1"/>
                       <a:r>
-                        <a:rPr lang="es-MX" sz="1000" b="1" u="sng" dirty="0" smtClean="0">
-                          <a:solidFill>
-                            <a:srgbClr val="FF0000"/>
+                        <a:rPr lang="es-MX" sz="1000" b="0" u="none" dirty="0" smtClean="0">
+                          <a:solidFill>
+                            <a:schemeClr val="tx1"/>
                           </a:solidFill>
                         </a:rPr>
                         <a:t>Comparación de razones con cantidades discretas </a:t>
                       </a:r>
-                      <a:endParaRPr lang="es-MX" sz="1000" b="1" u="sng" kern="1200" baseline="0" dirty="0">
-                        <a:solidFill>
-                          <a:srgbClr val="FF0000"/>
+                      <a:endParaRPr lang="es-MX" sz="1000" b="0" u="none" kern="1200" baseline="0" dirty="0">
+                        <a:solidFill>
+                          <a:schemeClr val="tx1"/>
                         </a:solidFill>
                         <a:latin typeface="+mn-lt"/>
                         <a:ea typeface="+mn-ea"/>
@@ -12249,6 +9702,30 @@
           </a:graphicData>
         </a:graphic>
       </p:graphicFrame>
+      <p:pic>
+        <p:nvPicPr>
+          <p:cNvPr id="6" name="Imagen 5"/>
+          <p:cNvPicPr>
+            <a:picLocks noChangeAspect="1"/>
+          </p:cNvPicPr>
+          <p:nvPr/>
+        </p:nvPicPr>
+        <p:blipFill>
+          <a:blip r:embed="rId2"/>
+          <a:stretch>
+            <a:fillRect/>
+          </a:stretch>
+        </p:blipFill>
+        <p:spPr>
+          <a:xfrm>
+            <a:off x="2745931" y="0"/>
+            <a:ext cx="6700137" cy="5119532"/>
+          </a:xfrm>
+          <a:prstGeom prst="rect">
+            <a:avLst/>
+          </a:prstGeom>
+        </p:spPr>
+      </p:pic>
     </p:spTree>
     <p:extLst>
       <p:ext uri="{BB962C8B-B14F-4D97-AF65-F5344CB8AC3E}">
@@ -12286,30 +9763,6 @@
           <a:chExt cx="0" cy="0"/>
         </a:xfrm>
       </p:grpSpPr>
-      <p:pic>
-        <p:nvPicPr>
-          <p:cNvPr id="4" name="Imagen 3"/>
-          <p:cNvPicPr>
-            <a:picLocks noChangeAspect="1"/>
-          </p:cNvPicPr>
-          <p:nvPr/>
-        </p:nvPicPr>
-        <p:blipFill>
-          <a:blip r:embed="rId2"/>
-          <a:stretch>
-            <a:fillRect/>
-          </a:stretch>
-        </p:blipFill>
-        <p:spPr>
-          <a:xfrm>
-            <a:off x="2460359" y="0"/>
-            <a:ext cx="6236986" cy="4554071"/>
-          </a:xfrm>
-          <a:prstGeom prst="rect">
-            <a:avLst/>
-          </a:prstGeom>
-        </p:spPr>
-      </p:pic>
       <p:sp>
         <p:nvSpPr>
           <p:cNvPr id="2" name="Título 1"/>
@@ -12367,13 +9820,13 @@
           <p:nvPr>
             <p:extLst>
               <p:ext uri="{D42A27DB-BD31-4B8C-83A1-F6EECF244321}">
-                <p14:modId xmlns:p14="http://schemas.microsoft.com/office/powerpoint/2010/main" val="893299768"/>
+                <p14:modId xmlns:p14="http://schemas.microsoft.com/office/powerpoint/2010/main" val="2154846594"/>
               </p:ext>
             </p:extLst>
           </p:nvPr>
         </p:nvGraphicFramePr>
         <p:xfrm>
-          <a:off x="228597" y="4518678"/>
+          <a:off x="174808" y="4876800"/>
           <a:ext cx="11658604" cy="1981200"/>
         </p:xfrm>
         <a:graphic>
@@ -12995,6 +10448,30 @@
           </a:graphicData>
         </a:graphic>
       </p:graphicFrame>
+      <p:pic>
+        <p:nvPicPr>
+          <p:cNvPr id="5" name="Imagen 4"/>
+          <p:cNvPicPr>
+            <a:picLocks noChangeAspect="1"/>
+          </p:cNvPicPr>
+          <p:nvPr/>
+        </p:nvPicPr>
+        <p:blipFill>
+          <a:blip r:embed="rId2"/>
+          <a:stretch>
+            <a:fillRect/>
+          </a:stretch>
+        </p:blipFill>
+        <p:spPr>
+          <a:xfrm>
+            <a:off x="2999079" y="0"/>
+            <a:ext cx="6193841" cy="4652072"/>
+          </a:xfrm>
+          <a:prstGeom prst="rect">
+            <a:avLst/>
+          </a:prstGeom>
+        </p:spPr>
+      </p:pic>
     </p:spTree>
     <p:extLst>
       <p:ext uri="{BB962C8B-B14F-4D97-AF65-F5344CB8AC3E}">
